--- a/hw6/hw6_answer/hw6.pptx
+++ b/hw6/hw6_answer/hw6.pptx
@@ -6,6 +6,7 @@
   </p:sldMasterIdLst>
   <p:sldIdLst>
     <p:sldId id="256" r:id="rId2"/>
+    <p:sldId id="257" r:id="rId3"/>
   </p:sldIdLst>
   <p:sldSz cx="12192000" cy="6858000"/>
   <p:notesSz cx="6858000" cy="9144000"/>
@@ -104,6 +105,11 @@
       </a:defRPr>
     </a:lvl9pPr>
   </p:defaultTextStyle>
+  <p:extLst>
+    <p:ext uri="{EFAFB233-063F-42B5-8137-9DF3F51BA10A}">
+      <p15:sldGuideLst xmlns:p15="http://schemas.microsoft.com/office/powerpoint/2012/main"/>
+    </p:ext>
+  </p:extLst>
 </p:presentation>
 </file>
 
@@ -238,7 +244,7 @@
           <a:p>
             <a:fld id="{726FC049-23C4-BA4F-9CFC-F62998BB9902}" type="datetimeFigureOut">
               <a:rPr lang="en-US" smtClean="0"/>
-              <a:t>4/4/18</a:t>
+              <a:t>4/8/18</a:t>
             </a:fld>
             <a:endParaRPr lang="en-US"/>
           </a:p>
@@ -408,7 +414,7 @@
           <a:p>
             <a:fld id="{726FC049-23C4-BA4F-9CFC-F62998BB9902}" type="datetimeFigureOut">
               <a:rPr lang="en-US" smtClean="0"/>
-              <a:t>4/4/18</a:t>
+              <a:t>4/8/18</a:t>
             </a:fld>
             <a:endParaRPr lang="en-US"/>
           </a:p>
@@ -588,7 +594,7 @@
           <a:p>
             <a:fld id="{726FC049-23C4-BA4F-9CFC-F62998BB9902}" type="datetimeFigureOut">
               <a:rPr lang="en-US" smtClean="0"/>
-              <a:t>4/4/18</a:t>
+              <a:t>4/8/18</a:t>
             </a:fld>
             <a:endParaRPr lang="en-US"/>
           </a:p>
@@ -758,7 +764,7 @@
           <a:p>
             <a:fld id="{726FC049-23C4-BA4F-9CFC-F62998BB9902}" type="datetimeFigureOut">
               <a:rPr lang="en-US" smtClean="0"/>
-              <a:t>4/4/18</a:t>
+              <a:t>4/8/18</a:t>
             </a:fld>
             <a:endParaRPr lang="en-US"/>
           </a:p>
@@ -1004,7 +1010,7 @@
           <a:p>
             <a:fld id="{726FC049-23C4-BA4F-9CFC-F62998BB9902}" type="datetimeFigureOut">
               <a:rPr lang="en-US" smtClean="0"/>
-              <a:t>4/4/18</a:t>
+              <a:t>4/8/18</a:t>
             </a:fld>
             <a:endParaRPr lang="en-US"/>
           </a:p>
@@ -1236,7 +1242,7 @@
           <a:p>
             <a:fld id="{726FC049-23C4-BA4F-9CFC-F62998BB9902}" type="datetimeFigureOut">
               <a:rPr lang="en-US" smtClean="0"/>
-              <a:t>4/4/18</a:t>
+              <a:t>4/8/18</a:t>
             </a:fld>
             <a:endParaRPr lang="en-US"/>
           </a:p>
@@ -1603,7 +1609,7 @@
           <a:p>
             <a:fld id="{726FC049-23C4-BA4F-9CFC-F62998BB9902}" type="datetimeFigureOut">
               <a:rPr lang="en-US" smtClean="0"/>
-              <a:t>4/4/18</a:t>
+              <a:t>4/8/18</a:t>
             </a:fld>
             <a:endParaRPr lang="en-US"/>
           </a:p>
@@ -1721,7 +1727,7 @@
           <a:p>
             <a:fld id="{726FC049-23C4-BA4F-9CFC-F62998BB9902}" type="datetimeFigureOut">
               <a:rPr lang="en-US" smtClean="0"/>
-              <a:t>4/4/18</a:t>
+              <a:t>4/8/18</a:t>
             </a:fld>
             <a:endParaRPr lang="en-US"/>
           </a:p>
@@ -1816,7 +1822,7 @@
           <a:p>
             <a:fld id="{726FC049-23C4-BA4F-9CFC-F62998BB9902}" type="datetimeFigureOut">
               <a:rPr lang="en-US" smtClean="0"/>
-              <a:t>4/4/18</a:t>
+              <a:t>4/8/18</a:t>
             </a:fld>
             <a:endParaRPr lang="en-US"/>
           </a:p>
@@ -2093,7 +2099,7 @@
           <a:p>
             <a:fld id="{726FC049-23C4-BA4F-9CFC-F62998BB9902}" type="datetimeFigureOut">
               <a:rPr lang="en-US" smtClean="0"/>
-              <a:t>4/4/18</a:t>
+              <a:t>4/8/18</a:t>
             </a:fld>
             <a:endParaRPr lang="en-US"/>
           </a:p>
@@ -2346,7 +2352,7 @@
           <a:p>
             <a:fld id="{726FC049-23C4-BA4F-9CFC-F62998BB9902}" type="datetimeFigureOut">
               <a:rPr lang="en-US" smtClean="0"/>
-              <a:t>4/4/18</a:t>
+              <a:t>4/8/18</a:t>
             </a:fld>
             <a:endParaRPr lang="en-US"/>
           </a:p>
@@ -2559,7 +2565,7 @@
           <a:p>
             <a:fld id="{726FC049-23C4-BA4F-9CFC-F62998BB9902}" type="datetimeFigureOut">
               <a:rPr lang="en-US" smtClean="0"/>
-              <a:t>4/4/18</a:t>
+              <a:t>4/8/18</a:t>
             </a:fld>
             <a:endParaRPr lang="en-US"/>
           </a:p>
@@ -3184,8 +3190,8 @@
               </a:fontRef>
             </p:style>
           </p:cxnSp>
-          <mc:AlternateContent xmlns:mc="http://schemas.openxmlformats.org/markup-compatibility/2006">
-            <mc:Choice xmlns:a14="http://schemas.microsoft.com/office/drawing/2010/main" Requires="a14">
+          <mc:AlternateContent xmlns:mc="http://schemas.openxmlformats.org/markup-compatibility/2006" xmlns:a14="http://schemas.microsoft.com/office/drawing/2010/main">
+            <mc:Choice Requires="a14">
               <p:sp>
                 <p:nvSpPr>
                   <p:cNvPr id="12" name="TextBox 11"/>
@@ -3279,7 +3285,7 @@
                 </p:txBody>
               </p:sp>
             </mc:Choice>
-            <mc:Fallback>
+            <mc:Fallback xmlns="">
               <p:sp>
                 <p:nvSpPr>
                   <p:cNvPr id="12" name="TextBox 11"/>
@@ -3318,8 +3324,8 @@
               </p:sp>
             </mc:Fallback>
           </mc:AlternateContent>
-          <mc:AlternateContent xmlns:mc="http://schemas.openxmlformats.org/markup-compatibility/2006">
-            <mc:Choice xmlns:a14="http://schemas.microsoft.com/office/drawing/2010/main" Requires="a14">
+          <mc:AlternateContent xmlns:mc="http://schemas.openxmlformats.org/markup-compatibility/2006" xmlns:a14="http://schemas.microsoft.com/office/drawing/2010/main">
+            <mc:Choice Requires="a14">
               <p:sp>
                 <p:nvSpPr>
                   <p:cNvPr id="14" name="TextBox 13"/>
@@ -3342,6 +3348,7 @@
                   </a:bodyPr>
                   <a:lstStyle/>
                   <a:p>
+                    <a:pPr/>
                     <a14:m>
                       <m:oMathPara xmlns:m="http://schemas.openxmlformats.org/officeDocument/2006/math">
                         <m:oMathParaPr>
@@ -3483,7 +3490,7 @@
                 </p:txBody>
               </p:sp>
             </mc:Choice>
-            <mc:Fallback>
+            <mc:Fallback xmlns="">
               <p:sp>
                 <p:nvSpPr>
                   <p:cNvPr id="14" name="TextBox 13"/>
@@ -3625,8 +3632,8 @@
               </a:fontRef>
             </p:style>
           </p:cxnSp>
-          <mc:AlternateContent xmlns:mc="http://schemas.openxmlformats.org/markup-compatibility/2006">
-            <mc:Choice xmlns:a14="http://schemas.microsoft.com/office/drawing/2010/main" Requires="a14">
+          <mc:AlternateContent xmlns:mc="http://schemas.openxmlformats.org/markup-compatibility/2006" xmlns:a14="http://schemas.microsoft.com/office/drawing/2010/main">
+            <mc:Choice Requires="a14">
               <p:sp>
                 <p:nvSpPr>
                   <p:cNvPr id="26" name="TextBox 25"/>
@@ -3720,7 +3727,7 @@
                 </p:txBody>
               </p:sp>
             </mc:Choice>
-            <mc:Fallback>
+            <mc:Fallback xmlns="">
               <p:sp>
                 <p:nvSpPr>
                   <p:cNvPr id="26" name="TextBox 25"/>
@@ -3759,8 +3766,8 @@
               </p:sp>
             </mc:Fallback>
           </mc:AlternateContent>
-          <mc:AlternateContent xmlns:mc="http://schemas.openxmlformats.org/markup-compatibility/2006">
-            <mc:Choice xmlns:a14="http://schemas.microsoft.com/office/drawing/2010/main" Requires="a14">
+          <mc:AlternateContent xmlns:mc="http://schemas.openxmlformats.org/markup-compatibility/2006" xmlns:a14="http://schemas.microsoft.com/office/drawing/2010/main">
+            <mc:Choice Requires="a14">
               <p:sp>
                 <p:nvSpPr>
                   <p:cNvPr id="27" name="TextBox 26"/>
@@ -3783,6 +3790,7 @@
                   </a:bodyPr>
                   <a:lstStyle/>
                   <a:p>
+                    <a:pPr/>
                     <a14:m>
                       <m:oMathPara xmlns:m="http://schemas.openxmlformats.org/officeDocument/2006/math">
                         <m:oMathParaPr>
@@ -3865,13 +3873,7 @@
                                 <a:rPr lang="en-US" b="0" i="1" smtClean="0">
                                   <a:latin typeface="Cambria Math" charset="0"/>
                                 </a:rPr>
-                                <m:t>0</m:t>
-                              </m:r>
-                              <m:r>
-                                <a:rPr lang="en-US" b="0" i="1" smtClean="0">
-                                  <a:latin typeface="Cambria Math" charset="0"/>
-                                </a:rPr>
-                                <m:t>2</m:t>
+                                <m:t>02</m:t>
                               </m:r>
                             </m:sub>
                           </m:sSub>
@@ -3903,13 +3905,7 @@
                                 <a:rPr lang="en-US" b="0" i="1" smtClean="0">
                                   <a:latin typeface="Cambria Math" charset="0"/>
                                 </a:rPr>
-                                <m:t>0</m:t>
-                              </m:r>
-                              <m:r>
-                                <a:rPr lang="en-US" b="0" i="1" smtClean="0">
-                                  <a:latin typeface="Cambria Math" charset="0"/>
-                                </a:rPr>
-                                <m:t>2</m:t>
+                                <m:t>02</m:t>
                               </m:r>
                             </m:sub>
                           </m:sSub>
@@ -3936,7 +3932,7 @@
                 </p:txBody>
               </p:sp>
             </mc:Choice>
-            <mc:Fallback>
+            <mc:Fallback xmlns="">
               <p:sp>
                 <p:nvSpPr>
                   <p:cNvPr id="27" name="TextBox 26"/>
@@ -3976,8 +3972,8 @@
             </mc:Fallback>
           </mc:AlternateContent>
         </p:grpSp>
-        <mc:AlternateContent xmlns:mc="http://schemas.openxmlformats.org/markup-compatibility/2006">
-          <mc:Choice xmlns:a14="http://schemas.microsoft.com/office/drawing/2010/main" Requires="a14">
+        <mc:AlternateContent xmlns:mc="http://schemas.openxmlformats.org/markup-compatibility/2006" xmlns:a14="http://schemas.microsoft.com/office/drawing/2010/main">
+          <mc:Choice Requires="a14">
             <p:sp>
               <p:nvSpPr>
                 <p:cNvPr id="28" name="TextBox 27"/>
@@ -4131,7 +4127,7 @@
               </p:txBody>
             </p:sp>
           </mc:Choice>
-          <mc:Fallback>
+          <mc:Fallback xmlns="">
             <p:sp>
               <p:nvSpPr>
                 <p:cNvPr id="28" name="TextBox 27"/>
@@ -4326,8 +4322,8 @@
             </a:fontRef>
           </p:style>
         </p:cxnSp>
-        <mc:AlternateContent xmlns:mc="http://schemas.openxmlformats.org/markup-compatibility/2006">
-          <mc:Choice xmlns:a14="http://schemas.microsoft.com/office/drawing/2010/main" Requires="a14">
+        <mc:AlternateContent xmlns:mc="http://schemas.openxmlformats.org/markup-compatibility/2006" xmlns:a14="http://schemas.microsoft.com/office/drawing/2010/main">
+          <mc:Choice Requires="a14">
             <p:sp>
               <p:nvSpPr>
                 <p:cNvPr id="42" name="TextBox 41"/>
@@ -4350,6 +4346,7 @@
                 </a:bodyPr>
                 <a:lstStyle/>
                 <a:p>
+                  <a:pPr/>
                   <a14:m>
                     <m:oMathPara xmlns:m="http://schemas.openxmlformats.org/officeDocument/2006/math">
                       <m:oMathParaPr>
@@ -4393,6 +4390,7 @@
                   <a:endParaRPr lang="en-US" b="0" dirty="0" smtClean="0"/>
                 </a:p>
                 <a:p>
+                  <a:pPr/>
                   <a14:m>
                     <m:oMathPara xmlns:m="http://schemas.openxmlformats.org/officeDocument/2006/math">
                       <m:oMathParaPr>
@@ -4436,6 +4434,7 @@
                   <a:endParaRPr lang="en-US" b="0" dirty="0" smtClean="0"/>
                 </a:p>
                 <a:p>
+                  <a:pPr/>
                   <a14:m>
                     <m:oMathPara xmlns:m="http://schemas.openxmlformats.org/officeDocument/2006/math">
                       <m:oMathParaPr>
@@ -4479,6 +4478,7 @@
                   <a:endParaRPr lang="en-US" b="0" dirty="0" smtClean="0"/>
                 </a:p>
                 <a:p>
+                  <a:pPr/>
                   <a14:m>
                     <m:oMathPara xmlns:m="http://schemas.openxmlformats.org/officeDocument/2006/math">
                       <m:oMathParaPr>
@@ -4522,6 +4522,7 @@
                   <a:endParaRPr lang="en-US" b="0" dirty="0" smtClean="0"/>
                 </a:p>
                 <a:p>
+                  <a:pPr/>
                   <a14:m>
                     <m:oMathPara xmlns:m="http://schemas.openxmlformats.org/officeDocument/2006/math">
                       <m:oMathParaPr>
@@ -4565,6 +4566,1760 @@
                   <a:endParaRPr lang="en-US" b="0" dirty="0" smtClean="0"/>
                 </a:p>
                 <a:p>
+                  <a:pPr/>
+                  <a14:m>
+                    <m:oMathPara xmlns:m="http://schemas.openxmlformats.org/officeDocument/2006/math">
+                      <m:oMathParaPr>
+                        <m:jc m:val="centerGroup"/>
+                      </m:oMathParaPr>
+                      <m:oMath xmlns:m="http://schemas.openxmlformats.org/officeDocument/2006/math">
+                        <m:sSub>
+                          <m:sSubPr>
+                            <m:ctrlPr>
+                              <a:rPr lang="en-US" i="1" smtClean="0">
+                                <a:latin typeface="Cambria Math" charset="0"/>
+                              </a:rPr>
+                            </m:ctrlPr>
+                          </m:sSubPr>
+                          <m:e>
+                            <m:r>
+                              <a:rPr lang="en-US" b="0" i="1" smtClean="0">
+                                <a:latin typeface="Cambria Math" charset="0"/>
+                              </a:rPr>
+                              <m:t>𝑤</m:t>
+                            </m:r>
+                          </m:e>
+                          <m:sub>
+                            <m:r>
+                              <a:rPr lang="en-US" b="0" i="1" smtClean="0">
+                                <a:latin typeface="Cambria Math" charset="0"/>
+                              </a:rPr>
+                              <m:t>23</m:t>
+                            </m:r>
+                          </m:sub>
+                        </m:sSub>
+                        <m:r>
+                          <a:rPr lang="en-US" b="0" i="1" smtClean="0">
+                            <a:latin typeface="Cambria Math" charset="0"/>
+                          </a:rPr>
+                          <m:t>=−1</m:t>
+                        </m:r>
+                      </m:oMath>
+                    </m:oMathPara>
+                  </a14:m>
+                  <a:endParaRPr lang="en-US" dirty="0"/>
+                </a:p>
+              </p:txBody>
+            </p:sp>
+          </mc:Choice>
+          <mc:Fallback xmlns="">
+            <p:sp>
+              <p:nvSpPr>
+                <p:cNvPr id="42" name="TextBox 41"/>
+                <p:cNvSpPr txBox="1">
+                  <a:spLocks noRot="1" noChangeAspect="1" noMove="1" noResize="1" noEditPoints="1" noAdjustHandles="1" noChangeArrowheads="1" noChangeShapeType="1" noTextEdit="1"/>
+                </p:cNvSpPr>
+                <p:nvPr/>
+              </p:nvSpPr>
+              <p:spPr>
+                <a:xfrm>
+                  <a:off x="684593" y="4445999"/>
+                  <a:ext cx="2586789" cy="1754326"/>
+                </a:xfrm>
+                <a:prstGeom prst="rect">
+                  <a:avLst/>
+                </a:prstGeom>
+                <a:blipFill rotWithShape="0">
+                  <a:blip r:embed="rId7"/>
+                  <a:stretch>
+                    <a:fillRect/>
+                  </a:stretch>
+                </a:blipFill>
+              </p:spPr>
+              <p:txBody>
+                <a:bodyPr/>
+                <a:lstStyle/>
+                <a:p>
+                  <a:r>
+                    <a:rPr lang="en-US">
+                      <a:noFill/>
+                    </a:rPr>
+                    <a:t> </a:t>
+                  </a:r>
+                </a:p>
+              </p:txBody>
+            </p:sp>
+          </mc:Fallback>
+        </mc:AlternateContent>
+      </p:grpSp>
+    </p:spTree>
+    <p:extLst>
+      <p:ext uri="{BB962C8B-B14F-4D97-AF65-F5344CB8AC3E}">
+        <p14:creationId xmlns:p14="http://schemas.microsoft.com/office/powerpoint/2010/main" val="1576104478"/>
+      </p:ext>
+    </p:extLst>
+  </p:cSld>
+  <p:clrMapOvr>
+    <a:masterClrMapping/>
+  </p:clrMapOvr>
+</p:sld>
+</file>
+
+<file path=ppt/slides/slide2.xml><?xml version="1.0" encoding="utf-8"?>
+<p:sld xmlns:a="http://schemas.openxmlformats.org/drawingml/2006/main" xmlns:r="http://schemas.openxmlformats.org/officeDocument/2006/relationships" xmlns:p="http://schemas.openxmlformats.org/presentationml/2006/main">
+  <p:cSld>
+    <p:spTree>
+      <p:nvGrpSpPr>
+        <p:cNvPr id="1" name=""/>
+        <p:cNvGrpSpPr/>
+        <p:nvPr/>
+      </p:nvGrpSpPr>
+      <p:grpSpPr>
+        <a:xfrm>
+          <a:off x="0" y="0"/>
+          <a:ext cx="0" cy="0"/>
+          <a:chOff x="0" y="0"/>
+          <a:chExt cx="0" cy="0"/>
+        </a:xfrm>
+      </p:grpSpPr>
+      <p:grpSp>
+        <p:nvGrpSpPr>
+          <p:cNvPr id="10" name="Group 9"/>
+          <p:cNvGrpSpPr/>
+          <p:nvPr/>
+        </p:nvGrpSpPr>
+        <p:grpSpPr>
+          <a:xfrm>
+            <a:off x="-37301" y="1556084"/>
+            <a:ext cx="12020754" cy="4932998"/>
+            <a:chOff x="-37301" y="1556084"/>
+            <a:chExt cx="11746035" cy="4932998"/>
+          </a:xfrm>
+        </p:grpSpPr>
+        <p:sp>
+          <p:nvSpPr>
+            <p:cNvPr id="4" name="Oval 3"/>
+            <p:cNvSpPr/>
+            <p:nvPr/>
+          </p:nvSpPr>
+          <p:spPr>
+            <a:xfrm>
+              <a:off x="2138479" y="2181909"/>
+              <a:ext cx="1070810" cy="1070810"/>
+            </a:xfrm>
+            <a:prstGeom prst="ellipse">
+              <a:avLst/>
+            </a:prstGeom>
+            <a:noFill/>
+            <a:ln w="28575">
+              <a:solidFill>
+                <a:schemeClr val="tx1"/>
+              </a:solidFill>
+            </a:ln>
+          </p:spPr>
+          <p:style>
+            <a:lnRef idx="2">
+              <a:schemeClr val="accent1">
+                <a:shade val="50000"/>
+              </a:schemeClr>
+            </a:lnRef>
+            <a:fillRef idx="1">
+              <a:schemeClr val="accent1"/>
+            </a:fillRef>
+            <a:effectRef idx="0">
+              <a:schemeClr val="accent1"/>
+            </a:effectRef>
+            <a:fontRef idx="minor">
+              <a:schemeClr val="lt1"/>
+            </a:fontRef>
+          </p:style>
+          <p:txBody>
+            <a:bodyPr rtlCol="0" anchor="ctr"/>
+            <a:lstStyle/>
+            <a:p>
+              <a:pPr algn="ctr"/>
+              <a:r>
+                <a:rPr lang="en-US" dirty="0" smtClean="0">
+                  <a:solidFill>
+                    <a:schemeClr val="tx1"/>
+                  </a:solidFill>
+                </a:rPr>
+                <a:t>x1</a:t>
+              </a:r>
+              <a:endParaRPr lang="en-US" dirty="0">
+                <a:solidFill>
+                  <a:schemeClr val="tx1"/>
+                </a:solidFill>
+              </a:endParaRPr>
+            </a:p>
+          </p:txBody>
+        </p:sp>
+        <p:sp>
+          <p:nvSpPr>
+            <p:cNvPr id="5" name="Oval 4"/>
+            <p:cNvSpPr/>
+            <p:nvPr/>
+          </p:nvSpPr>
+          <p:spPr>
+            <a:xfrm>
+              <a:off x="9164052" y="2719137"/>
+              <a:ext cx="2544682" cy="1070810"/>
+            </a:xfrm>
+            <a:prstGeom prst="ellipse">
+              <a:avLst/>
+            </a:prstGeom>
+            <a:noFill/>
+            <a:ln w="28575">
+              <a:solidFill>
+                <a:schemeClr val="tx1"/>
+              </a:solidFill>
+            </a:ln>
+          </p:spPr>
+          <p:style>
+            <a:lnRef idx="2">
+              <a:schemeClr val="accent1">
+                <a:shade val="50000"/>
+              </a:schemeClr>
+            </a:lnRef>
+            <a:fillRef idx="1">
+              <a:schemeClr val="accent1"/>
+            </a:fillRef>
+            <a:effectRef idx="0">
+              <a:schemeClr val="accent1"/>
+            </a:effectRef>
+            <a:fontRef idx="minor">
+              <a:schemeClr val="lt1"/>
+            </a:fontRef>
+          </p:style>
+          <p:txBody>
+            <a:bodyPr rtlCol="0" anchor="ctr"/>
+            <a:lstStyle/>
+            <a:p>
+              <a:pPr algn="ctr"/>
+              <a:endParaRPr lang="en-US"/>
+            </a:p>
+          </p:txBody>
+        </p:sp>
+        <p:grpSp>
+          <p:nvGrpSpPr>
+            <p:cNvPr id="16" name="Group 15"/>
+            <p:cNvGrpSpPr/>
+            <p:nvPr/>
+          </p:nvGrpSpPr>
+          <p:grpSpPr>
+            <a:xfrm>
+              <a:off x="4030580" y="1556084"/>
+              <a:ext cx="4478159" cy="1070810"/>
+              <a:chOff x="3537284" y="1712495"/>
+              <a:chExt cx="3455440" cy="1070810"/>
+            </a:xfrm>
+          </p:grpSpPr>
+          <p:sp>
+            <p:nvSpPr>
+              <p:cNvPr id="6" name="Oval 5"/>
+              <p:cNvSpPr/>
+              <p:nvPr/>
+            </p:nvSpPr>
+            <p:spPr>
+              <a:xfrm>
+                <a:off x="3537284" y="1712495"/>
+                <a:ext cx="3425727" cy="1070810"/>
+              </a:xfrm>
+              <a:prstGeom prst="ellipse">
+                <a:avLst/>
+              </a:prstGeom>
+              <a:noFill/>
+              <a:ln w="28575">
+                <a:solidFill>
+                  <a:schemeClr val="tx1"/>
+                </a:solidFill>
+              </a:ln>
+            </p:spPr>
+            <p:style>
+              <a:lnRef idx="2">
+                <a:schemeClr val="accent1">
+                  <a:shade val="50000"/>
+                </a:schemeClr>
+              </a:lnRef>
+              <a:fillRef idx="1">
+                <a:schemeClr val="accent1"/>
+              </a:fillRef>
+              <a:effectRef idx="0">
+                <a:schemeClr val="accent1"/>
+              </a:effectRef>
+              <a:fontRef idx="minor">
+                <a:schemeClr val="lt1"/>
+              </a:fontRef>
+            </p:style>
+            <p:txBody>
+              <a:bodyPr rtlCol="0" anchor="ctr"/>
+              <a:lstStyle/>
+              <a:p>
+                <a:pPr algn="ctr"/>
+                <a:endParaRPr lang="en-US">
+                  <a:solidFill>
+                    <a:schemeClr val="tx1"/>
+                  </a:solidFill>
+                </a:endParaRPr>
+              </a:p>
+            </p:txBody>
+          </p:sp>
+          <p:cxnSp>
+            <p:nvCxnSpPr>
+              <p:cNvPr id="11" name="Straight Connector 10"/>
+              <p:cNvCxnSpPr>
+                <a:stCxn id="6" idx="0"/>
+                <a:endCxn id="6" idx="4"/>
+              </p:cNvCxnSpPr>
+              <p:nvPr/>
+            </p:nvCxnSpPr>
+            <p:spPr>
+              <a:xfrm>
+                <a:off x="5250148" y="1712495"/>
+                <a:ext cx="0" cy="1070810"/>
+              </a:xfrm>
+              <a:prstGeom prst="line">
+                <a:avLst/>
+              </a:prstGeom>
+              <a:ln w="12700">
+                <a:solidFill>
+                  <a:schemeClr val="tx1"/>
+                </a:solidFill>
+              </a:ln>
+            </p:spPr>
+            <p:style>
+              <a:lnRef idx="1">
+                <a:schemeClr val="accent1"/>
+              </a:lnRef>
+              <a:fillRef idx="0">
+                <a:schemeClr val="accent1"/>
+              </a:fillRef>
+              <a:effectRef idx="0">
+                <a:schemeClr val="accent1"/>
+              </a:effectRef>
+              <a:fontRef idx="minor">
+                <a:schemeClr val="tx1"/>
+              </a:fontRef>
+            </p:style>
+          </p:cxnSp>
+          <mc:AlternateContent xmlns:mc="http://schemas.openxmlformats.org/markup-compatibility/2006">
+            <mc:Choice xmlns:a14="http://schemas.microsoft.com/office/drawing/2010/main" Requires="a14">
+              <p:sp>
+                <p:nvSpPr>
+                  <p:cNvPr id="12" name="TextBox 11"/>
+                  <p:cNvSpPr txBox="1"/>
+                  <p:nvPr/>
+                </p:nvSpPr>
+                <p:spPr>
+                  <a:xfrm>
+                    <a:off x="3982698" y="2056855"/>
+                    <a:ext cx="1309437" cy="369332"/>
+                  </a:xfrm>
+                  <a:prstGeom prst="rect">
+                    <a:avLst/>
+                  </a:prstGeom>
+                  <a:noFill/>
+                </p:spPr>
+                <p:txBody>
+                  <a:bodyPr wrap="square" rtlCol="0">
+                    <a:spAutoFit/>
+                  </a:bodyPr>
+                  <a:lstStyle/>
+                  <a:p>
+                    <a14:m>
+                      <m:oMath xmlns:m="http://schemas.openxmlformats.org/officeDocument/2006/math">
+                        <m:sSub>
+                          <m:sSubPr>
+                            <m:ctrlPr>
+                              <a:rPr lang="en-US" i="1" smtClean="0">
+                                <a:latin typeface="Cambria Math" charset="0"/>
+                              </a:rPr>
+                            </m:ctrlPr>
+                          </m:sSubPr>
+                          <m:e>
+                            <m:r>
+                              <a:rPr lang="en-US" b="0" i="1" smtClean="0">
+                                <a:latin typeface="Cambria Math" charset="0"/>
+                              </a:rPr>
+                              <m:t>𝑏</m:t>
+                            </m:r>
+                          </m:e>
+                          <m:sub>
+                            <m:r>
+                              <a:rPr lang="en-US" b="0" i="1" smtClean="0">
+                                <a:latin typeface="Cambria Math" charset="0"/>
+                              </a:rPr>
+                              <m:t>01</m:t>
+                            </m:r>
+                          </m:sub>
+                        </m:sSub>
+                      </m:oMath>
+                    </a14:m>
+                    <a:r>
+                      <a:rPr lang="en-US" dirty="0" smtClean="0"/>
+                      <a:t> + </a:t>
+                    </a:r>
+                    <a14:m>
+                      <m:oMath xmlns:m="http://schemas.openxmlformats.org/officeDocument/2006/math">
+                        <m:sSub>
+                          <m:sSubPr>
+                            <m:ctrlPr>
+                              <a:rPr lang="en-US" i="1" smtClean="0">
+                                <a:latin typeface="Cambria Math" charset="0"/>
+                              </a:rPr>
+                            </m:ctrlPr>
+                          </m:sSubPr>
+                          <m:e>
+                            <m:r>
+                              <a:rPr lang="en-US" b="0" i="1" smtClean="0">
+                                <a:latin typeface="Cambria Math" charset="0"/>
+                              </a:rPr>
+                              <m:t>𝑤</m:t>
+                            </m:r>
+                          </m:e>
+                          <m:sub>
+                            <m:r>
+                              <a:rPr lang="en-US" b="0" i="1" smtClean="0">
+                                <a:latin typeface="Cambria Math" charset="0"/>
+                              </a:rPr>
+                              <m:t>01</m:t>
+                            </m:r>
+                          </m:sub>
+                        </m:sSub>
+                      </m:oMath>
+                    </a14:m>
+                    <a:r>
+                      <a:rPr lang="en-US" dirty="0" smtClean="0"/>
+                      <a:t>x1</a:t>
+                    </a:r>
+                    <a:endParaRPr lang="en-US" dirty="0"/>
+                  </a:p>
+                </p:txBody>
+              </p:sp>
+            </mc:Choice>
+            <mc:Fallback>
+              <p:sp>
+                <p:nvSpPr>
+                  <p:cNvPr id="12" name="TextBox 11"/>
+                  <p:cNvSpPr txBox="1">
+                    <a:spLocks noRot="1" noChangeAspect="1" noMove="1" noResize="1" noEditPoints="1" noAdjustHandles="1" noChangeArrowheads="1" noChangeShapeType="1" noTextEdit="1"/>
+                  </p:cNvSpPr>
+                  <p:nvPr/>
+                </p:nvSpPr>
+                <p:spPr>
+                  <a:xfrm>
+                    <a:off x="3982698" y="2056855"/>
+                    <a:ext cx="1309437" cy="369332"/>
+                  </a:xfrm>
+                  <a:prstGeom prst="rect">
+                    <a:avLst/>
+                  </a:prstGeom>
+                  <a:blipFill rotWithShape="0">
+                    <a:blip r:embed="rId2"/>
+                    <a:stretch>
+                      <a:fillRect t="-10000" b="-26667"/>
+                    </a:stretch>
+                  </a:blipFill>
+                </p:spPr>
+                <p:txBody>
+                  <a:bodyPr/>
+                  <a:lstStyle/>
+                  <a:p>
+                    <a:r>
+                      <a:rPr lang="en-US">
+                        <a:noFill/>
+                      </a:rPr>
+                      <a:t> </a:t>
+                    </a:r>
+                  </a:p>
+                </p:txBody>
+              </p:sp>
+            </mc:Fallback>
+          </mc:AlternateContent>
+          <mc:AlternateContent xmlns:mc="http://schemas.openxmlformats.org/markup-compatibility/2006">
+            <mc:Choice xmlns:a14="http://schemas.microsoft.com/office/drawing/2010/main" Requires="a14">
+              <p:sp>
+                <p:nvSpPr>
+                  <p:cNvPr id="14" name="TextBox 13"/>
+                  <p:cNvSpPr txBox="1"/>
+                  <p:nvPr/>
+                </p:nvSpPr>
+                <p:spPr>
+                  <a:xfrm>
+                    <a:off x="5250148" y="2069068"/>
+                    <a:ext cx="1742576" cy="369332"/>
+                  </a:xfrm>
+                  <a:prstGeom prst="rect">
+                    <a:avLst/>
+                  </a:prstGeom>
+                  <a:noFill/>
+                </p:spPr>
+                <p:txBody>
+                  <a:bodyPr wrap="square" rtlCol="0">
+                    <a:spAutoFit/>
+                  </a:bodyPr>
+                  <a:lstStyle/>
+                  <a:p>
+                    <a:pPr/>
+                    <a14:m>
+                      <m:oMathPara xmlns:m="http://schemas.openxmlformats.org/officeDocument/2006/math">
+                        <m:oMathParaPr>
+                          <m:jc m:val="centerGroup"/>
+                        </m:oMathParaPr>
+                        <m:oMath xmlns:m="http://schemas.openxmlformats.org/officeDocument/2006/math">
+                          <m:sSub>
+                            <m:sSubPr>
+                              <m:ctrlPr>
+                                <a:rPr lang="en-US" i="1" smtClean="0">
+                                  <a:latin typeface="Cambria Math" charset="0"/>
+                                  <a:ea typeface="Cambria Math" charset="0"/>
+                                  <a:cs typeface="Cambria Math" charset="0"/>
+                                </a:rPr>
+                              </m:ctrlPr>
+                            </m:sSubPr>
+                            <m:e>
+                              <m:r>
+                                <a:rPr lang="en-US" b="0" i="1" smtClean="0">
+                                  <a:latin typeface="Cambria Math" charset="0"/>
+                                  <a:ea typeface="Cambria Math" charset="0"/>
+                                  <a:cs typeface="Cambria Math" charset="0"/>
+                                </a:rPr>
+                                <m:t>𝑦</m:t>
+                              </m:r>
+                            </m:e>
+                            <m:sub>
+                              <m:r>
+                                <a:rPr lang="en-US" b="0" i="1" smtClean="0">
+                                  <a:latin typeface="Cambria Math" charset="0"/>
+                                  <a:ea typeface="Cambria Math" charset="0"/>
+                                  <a:cs typeface="Cambria Math" charset="0"/>
+                                </a:rPr>
+                                <m:t>1</m:t>
+                              </m:r>
+                            </m:sub>
+                          </m:sSub>
+                          <m:r>
+                            <a:rPr lang="en-US" b="0" i="1" smtClean="0">
+                              <a:latin typeface="Cambria Math" charset="0"/>
+                              <a:ea typeface="Cambria Math" charset="0"/>
+                              <a:cs typeface="Cambria Math" charset="0"/>
+                            </a:rPr>
+                            <m:t>= </m:t>
+                          </m:r>
+                          <m:r>
+                            <a:rPr lang="en-US" i="1" smtClean="0">
+                              <a:latin typeface="Cambria Math" charset="0"/>
+                              <a:ea typeface="Cambria Math" charset="0"/>
+                              <a:cs typeface="Cambria Math" charset="0"/>
+                            </a:rPr>
+                            <m:t>𝜎</m:t>
+                          </m:r>
+                          <m:r>
+                            <a:rPr lang="en-US" b="0" i="1" smtClean="0">
+                              <a:latin typeface="Cambria Math" charset="0"/>
+                              <a:ea typeface="Cambria Math" charset="0"/>
+                              <a:cs typeface="Cambria Math" charset="0"/>
+                            </a:rPr>
+                            <m:t>(</m:t>
+                          </m:r>
+                          <m:sSub>
+                            <m:sSubPr>
+                              <m:ctrlPr>
+                                <a:rPr lang="en-US" i="1" smtClean="0">
+                                  <a:latin typeface="Cambria Math" charset="0"/>
+                                </a:rPr>
+                              </m:ctrlPr>
+                            </m:sSubPr>
+                            <m:e>
+                              <m:r>
+                                <a:rPr lang="en-US" b="0" i="1" smtClean="0">
+                                  <a:latin typeface="Cambria Math" charset="0"/>
+                                </a:rPr>
+                                <m:t>𝑏</m:t>
+                              </m:r>
+                            </m:e>
+                            <m:sub>
+                              <m:r>
+                                <a:rPr lang="en-US" b="0" i="1" smtClean="0">
+                                  <a:latin typeface="Cambria Math" charset="0"/>
+                                </a:rPr>
+                                <m:t>01</m:t>
+                              </m:r>
+                            </m:sub>
+                          </m:sSub>
+                          <m:r>
+                            <m:rPr>
+                              <m:nor/>
+                            </m:rPr>
+                            <a:rPr lang="en-US" dirty="0" smtClean="0"/>
+                            <m:t> + </m:t>
+                          </m:r>
+                          <m:sSub>
+                            <m:sSubPr>
+                              <m:ctrlPr>
+                                <a:rPr lang="en-US" i="1" smtClean="0">
+                                  <a:latin typeface="Cambria Math" charset="0"/>
+                                </a:rPr>
+                              </m:ctrlPr>
+                            </m:sSubPr>
+                            <m:e>
+                              <m:r>
+                                <a:rPr lang="en-US" b="0" i="1" smtClean="0">
+                                  <a:latin typeface="Cambria Math" charset="0"/>
+                                </a:rPr>
+                                <m:t>𝑤</m:t>
+                              </m:r>
+                            </m:e>
+                            <m:sub>
+                              <m:r>
+                                <a:rPr lang="en-US" b="0" i="1" smtClean="0">
+                                  <a:latin typeface="Cambria Math" charset="0"/>
+                                </a:rPr>
+                                <m:t>01</m:t>
+                              </m:r>
+                            </m:sub>
+                          </m:sSub>
+                          <m:r>
+                            <m:rPr>
+                              <m:nor/>
+                            </m:rPr>
+                            <a:rPr lang="en-US" dirty="0" smtClean="0"/>
+                            <m:t>x</m:t>
+                          </m:r>
+                          <m:r>
+                            <a:rPr lang="en-US" b="0" i="1" dirty="0" smtClean="0">
+                              <a:latin typeface="Cambria Math" charset="0"/>
+                            </a:rPr>
+                            <m:t>1</m:t>
+                          </m:r>
+                          <m:r>
+                            <a:rPr lang="en-US" b="0" i="1" smtClean="0">
+                              <a:latin typeface="Cambria Math" charset="0"/>
+                              <a:ea typeface="Cambria Math" charset="0"/>
+                              <a:cs typeface="Cambria Math" charset="0"/>
+                            </a:rPr>
+                            <m:t>)</m:t>
+                          </m:r>
+                        </m:oMath>
+                      </m:oMathPara>
+                    </a14:m>
+                    <a:endParaRPr lang="en-US" dirty="0"/>
+                  </a:p>
+                </p:txBody>
+              </p:sp>
+            </mc:Choice>
+            <mc:Fallback>
+              <p:sp>
+                <p:nvSpPr>
+                  <p:cNvPr id="14" name="TextBox 13"/>
+                  <p:cNvSpPr txBox="1">
+                    <a:spLocks noRot="1" noChangeAspect="1" noMove="1" noResize="1" noEditPoints="1" noAdjustHandles="1" noChangeArrowheads="1" noChangeShapeType="1" noTextEdit="1"/>
+                  </p:cNvSpPr>
+                  <p:nvPr/>
+                </p:nvSpPr>
+                <p:spPr>
+                  <a:xfrm>
+                    <a:off x="5250148" y="2069068"/>
+                    <a:ext cx="1742576" cy="369332"/>
+                  </a:xfrm>
+                  <a:prstGeom prst="rect">
+                    <a:avLst/>
+                  </a:prstGeom>
+                  <a:blipFill rotWithShape="0">
+                    <a:blip r:embed="rId3"/>
+                    <a:stretch>
+                      <a:fillRect t="-98333" b="-123333"/>
+                    </a:stretch>
+                  </a:blipFill>
+                </p:spPr>
+                <p:txBody>
+                  <a:bodyPr/>
+                  <a:lstStyle/>
+                  <a:p>
+                    <a:r>
+                      <a:rPr lang="en-US">
+                        <a:noFill/>
+                      </a:rPr>
+                      <a:t> </a:t>
+                    </a:r>
+                  </a:p>
+                </p:txBody>
+              </p:sp>
+            </mc:Fallback>
+          </mc:AlternateContent>
+        </p:grpSp>
+        <p:grpSp>
+          <p:nvGrpSpPr>
+            <p:cNvPr id="23" name="Group 22"/>
+            <p:cNvGrpSpPr/>
+            <p:nvPr/>
+          </p:nvGrpSpPr>
+          <p:grpSpPr>
+            <a:xfrm>
+              <a:off x="4065741" y="3826042"/>
+              <a:ext cx="4478159" cy="1070810"/>
+              <a:chOff x="3537284" y="1712495"/>
+              <a:chExt cx="3455440" cy="1070810"/>
+            </a:xfrm>
+          </p:grpSpPr>
+          <p:sp>
+            <p:nvSpPr>
+              <p:cNvPr id="24" name="Oval 23"/>
+              <p:cNvSpPr/>
+              <p:nvPr/>
+            </p:nvSpPr>
+            <p:spPr>
+              <a:xfrm>
+                <a:off x="3537284" y="1712495"/>
+                <a:ext cx="3425727" cy="1070810"/>
+              </a:xfrm>
+              <a:prstGeom prst="ellipse">
+                <a:avLst/>
+              </a:prstGeom>
+              <a:noFill/>
+              <a:ln w="28575">
+                <a:solidFill>
+                  <a:schemeClr val="tx1"/>
+                </a:solidFill>
+              </a:ln>
+            </p:spPr>
+            <p:style>
+              <a:lnRef idx="2">
+                <a:schemeClr val="accent1">
+                  <a:shade val="50000"/>
+                </a:schemeClr>
+              </a:lnRef>
+              <a:fillRef idx="1">
+                <a:schemeClr val="accent1"/>
+              </a:fillRef>
+              <a:effectRef idx="0">
+                <a:schemeClr val="accent1"/>
+              </a:effectRef>
+              <a:fontRef idx="minor">
+                <a:schemeClr val="lt1"/>
+              </a:fontRef>
+            </p:style>
+            <p:txBody>
+              <a:bodyPr rtlCol="0" anchor="ctr"/>
+              <a:lstStyle/>
+              <a:p>
+                <a:pPr algn="ctr"/>
+                <a:endParaRPr lang="en-US">
+                  <a:solidFill>
+                    <a:schemeClr val="tx1"/>
+                  </a:solidFill>
+                </a:endParaRPr>
+              </a:p>
+            </p:txBody>
+          </p:sp>
+          <p:cxnSp>
+            <p:nvCxnSpPr>
+              <p:cNvPr id="25" name="Straight Connector 24"/>
+              <p:cNvCxnSpPr>
+                <a:stCxn id="27" idx="0"/>
+                <a:endCxn id="27" idx="4"/>
+              </p:cNvCxnSpPr>
+              <p:nvPr/>
+            </p:nvCxnSpPr>
+            <p:spPr>
+              <a:xfrm>
+                <a:off x="5250148" y="1712495"/>
+                <a:ext cx="0" cy="1070810"/>
+              </a:xfrm>
+              <a:prstGeom prst="line">
+                <a:avLst/>
+              </a:prstGeom>
+              <a:ln w="12700">
+                <a:solidFill>
+                  <a:schemeClr val="tx1"/>
+                </a:solidFill>
+              </a:ln>
+            </p:spPr>
+            <p:style>
+              <a:lnRef idx="1">
+                <a:schemeClr val="accent1"/>
+              </a:lnRef>
+              <a:fillRef idx="0">
+                <a:schemeClr val="accent1"/>
+              </a:fillRef>
+              <a:effectRef idx="0">
+                <a:schemeClr val="accent1"/>
+              </a:effectRef>
+              <a:fontRef idx="minor">
+                <a:schemeClr val="tx1"/>
+              </a:fontRef>
+            </p:style>
+          </p:cxnSp>
+          <mc:AlternateContent xmlns:mc="http://schemas.openxmlformats.org/markup-compatibility/2006">
+            <mc:Choice xmlns:a14="http://schemas.microsoft.com/office/drawing/2010/main" Requires="a14">
+              <p:sp>
+                <p:nvSpPr>
+                  <p:cNvPr id="26" name="TextBox 25"/>
+                  <p:cNvSpPr txBox="1"/>
+                  <p:nvPr/>
+                </p:nvSpPr>
+                <p:spPr>
+                  <a:xfrm>
+                    <a:off x="3982698" y="2056855"/>
+                    <a:ext cx="1309437" cy="369332"/>
+                  </a:xfrm>
+                  <a:prstGeom prst="rect">
+                    <a:avLst/>
+                  </a:prstGeom>
+                  <a:noFill/>
+                </p:spPr>
+                <p:txBody>
+                  <a:bodyPr wrap="square" rtlCol="0">
+                    <a:spAutoFit/>
+                  </a:bodyPr>
+                  <a:lstStyle/>
+                  <a:p>
+                    <a14:m>
+                      <m:oMath xmlns:m="http://schemas.openxmlformats.org/officeDocument/2006/math">
+                        <m:sSub>
+                          <m:sSubPr>
+                            <m:ctrlPr>
+                              <a:rPr lang="en-US" i="1" smtClean="0">
+                                <a:latin typeface="Cambria Math" charset="0"/>
+                              </a:rPr>
+                            </m:ctrlPr>
+                          </m:sSubPr>
+                          <m:e>
+                            <m:r>
+                              <a:rPr lang="en-US" b="0" i="1" smtClean="0">
+                                <a:latin typeface="Cambria Math" charset="0"/>
+                              </a:rPr>
+                              <m:t>𝑏</m:t>
+                            </m:r>
+                          </m:e>
+                          <m:sub>
+                            <m:r>
+                              <a:rPr lang="en-US" b="0" i="1" smtClean="0">
+                                <a:latin typeface="Cambria Math" charset="0"/>
+                              </a:rPr>
+                              <m:t>02</m:t>
+                            </m:r>
+                          </m:sub>
+                        </m:sSub>
+                      </m:oMath>
+                    </a14:m>
+                    <a:r>
+                      <a:rPr lang="en-US" dirty="0" smtClean="0"/>
+                      <a:t> + </a:t>
+                    </a:r>
+                    <a14:m>
+                      <m:oMath xmlns:m="http://schemas.openxmlformats.org/officeDocument/2006/math">
+                        <m:sSub>
+                          <m:sSubPr>
+                            <m:ctrlPr>
+                              <a:rPr lang="en-US" i="1" smtClean="0">
+                                <a:latin typeface="Cambria Math" charset="0"/>
+                              </a:rPr>
+                            </m:ctrlPr>
+                          </m:sSubPr>
+                          <m:e>
+                            <m:r>
+                              <a:rPr lang="en-US" b="0" i="1" smtClean="0">
+                                <a:latin typeface="Cambria Math" charset="0"/>
+                              </a:rPr>
+                              <m:t>𝑤</m:t>
+                            </m:r>
+                          </m:e>
+                          <m:sub>
+                            <m:r>
+                              <a:rPr lang="en-US" b="0" i="1" smtClean="0">
+                                <a:latin typeface="Cambria Math" charset="0"/>
+                              </a:rPr>
+                              <m:t>02</m:t>
+                            </m:r>
+                          </m:sub>
+                        </m:sSub>
+                      </m:oMath>
+                    </a14:m>
+                    <a:r>
+                      <a:rPr lang="en-US" dirty="0" smtClean="0"/>
+                      <a:t>x1</a:t>
+                    </a:r>
+                    <a:endParaRPr lang="en-US" dirty="0"/>
+                  </a:p>
+                </p:txBody>
+              </p:sp>
+            </mc:Choice>
+            <mc:Fallback>
+              <p:sp>
+                <p:nvSpPr>
+                  <p:cNvPr id="26" name="TextBox 25"/>
+                  <p:cNvSpPr txBox="1">
+                    <a:spLocks noRot="1" noChangeAspect="1" noMove="1" noResize="1" noEditPoints="1" noAdjustHandles="1" noChangeArrowheads="1" noChangeShapeType="1" noTextEdit="1"/>
+                  </p:cNvSpPr>
+                  <p:nvPr/>
+                </p:nvSpPr>
+                <p:spPr>
+                  <a:xfrm>
+                    <a:off x="3982698" y="2056855"/>
+                    <a:ext cx="1309437" cy="369332"/>
+                  </a:xfrm>
+                  <a:prstGeom prst="rect">
+                    <a:avLst/>
+                  </a:prstGeom>
+                  <a:blipFill rotWithShape="0">
+                    <a:blip r:embed="rId4"/>
+                    <a:stretch>
+                      <a:fillRect t="-8197" b="-24590"/>
+                    </a:stretch>
+                  </a:blipFill>
+                </p:spPr>
+                <p:txBody>
+                  <a:bodyPr/>
+                  <a:lstStyle/>
+                  <a:p>
+                    <a:r>
+                      <a:rPr lang="en-US">
+                        <a:noFill/>
+                      </a:rPr>
+                      <a:t> </a:t>
+                    </a:r>
+                  </a:p>
+                </p:txBody>
+              </p:sp>
+            </mc:Fallback>
+          </mc:AlternateContent>
+          <mc:AlternateContent xmlns:mc="http://schemas.openxmlformats.org/markup-compatibility/2006">
+            <mc:Choice xmlns:a14="http://schemas.microsoft.com/office/drawing/2010/main" Requires="a14">
+              <p:sp>
+                <p:nvSpPr>
+                  <p:cNvPr id="27" name="TextBox 26"/>
+                  <p:cNvSpPr txBox="1"/>
+                  <p:nvPr/>
+                </p:nvSpPr>
+                <p:spPr>
+                  <a:xfrm>
+                    <a:off x="5250148" y="2069068"/>
+                    <a:ext cx="1742576" cy="369332"/>
+                  </a:xfrm>
+                  <a:prstGeom prst="rect">
+                    <a:avLst/>
+                  </a:prstGeom>
+                  <a:noFill/>
+                </p:spPr>
+                <p:txBody>
+                  <a:bodyPr wrap="square" rtlCol="0">
+                    <a:spAutoFit/>
+                  </a:bodyPr>
+                  <a:lstStyle/>
+                  <a:p>
+                    <a:pPr/>
+                    <a14:m>
+                      <m:oMathPara xmlns:m="http://schemas.openxmlformats.org/officeDocument/2006/math">
+                        <m:oMathParaPr>
+                          <m:jc m:val="centerGroup"/>
+                        </m:oMathParaPr>
+                        <m:oMath xmlns:m="http://schemas.openxmlformats.org/officeDocument/2006/math">
+                          <m:sSub>
+                            <m:sSubPr>
+                              <m:ctrlPr>
+                                <a:rPr lang="en-US" i="1" smtClean="0">
+                                  <a:latin typeface="Cambria Math" charset="0"/>
+                                  <a:ea typeface="Cambria Math" charset="0"/>
+                                  <a:cs typeface="Cambria Math" charset="0"/>
+                                </a:rPr>
+                              </m:ctrlPr>
+                            </m:sSubPr>
+                            <m:e>
+                              <m:r>
+                                <a:rPr lang="en-US" b="0" i="1" smtClean="0">
+                                  <a:latin typeface="Cambria Math" charset="0"/>
+                                  <a:ea typeface="Cambria Math" charset="0"/>
+                                  <a:cs typeface="Cambria Math" charset="0"/>
+                                </a:rPr>
+                                <m:t>𝑦</m:t>
+                              </m:r>
+                            </m:e>
+                            <m:sub>
+                              <m:r>
+                                <a:rPr lang="en-US" b="0" i="1" smtClean="0">
+                                  <a:latin typeface="Cambria Math" charset="0"/>
+                                  <a:ea typeface="Cambria Math" charset="0"/>
+                                  <a:cs typeface="Cambria Math" charset="0"/>
+                                </a:rPr>
+                                <m:t>2</m:t>
+                              </m:r>
+                            </m:sub>
+                          </m:sSub>
+                          <m:r>
+                            <a:rPr lang="en-US" b="0" i="1" smtClean="0">
+                              <a:latin typeface="Cambria Math" charset="0"/>
+                              <a:ea typeface="Cambria Math" charset="0"/>
+                              <a:cs typeface="Cambria Math" charset="0"/>
+                            </a:rPr>
+                            <m:t>= </m:t>
+                          </m:r>
+                          <m:r>
+                            <a:rPr lang="en-US" i="1" smtClean="0">
+                              <a:latin typeface="Cambria Math" charset="0"/>
+                              <a:ea typeface="Cambria Math" charset="0"/>
+                              <a:cs typeface="Cambria Math" charset="0"/>
+                            </a:rPr>
+                            <m:t>𝜎</m:t>
+                          </m:r>
+                          <m:r>
+                            <a:rPr lang="en-US" b="0" i="1" smtClean="0">
+                              <a:latin typeface="Cambria Math" charset="0"/>
+                              <a:ea typeface="Cambria Math" charset="0"/>
+                              <a:cs typeface="Cambria Math" charset="0"/>
+                            </a:rPr>
+                            <m:t>(</m:t>
+                          </m:r>
+                          <m:sSub>
+                            <m:sSubPr>
+                              <m:ctrlPr>
+                                <a:rPr lang="en-US" i="1" smtClean="0">
+                                  <a:latin typeface="Cambria Math" charset="0"/>
+                                </a:rPr>
+                              </m:ctrlPr>
+                            </m:sSubPr>
+                            <m:e>
+                              <m:r>
+                                <a:rPr lang="en-US" b="0" i="1" smtClean="0">
+                                  <a:latin typeface="Cambria Math" charset="0"/>
+                                </a:rPr>
+                                <m:t>𝑏</m:t>
+                              </m:r>
+                            </m:e>
+                            <m:sub>
+                              <m:r>
+                                <a:rPr lang="en-US" b="0" i="1" smtClean="0">
+                                  <a:latin typeface="Cambria Math" charset="0"/>
+                                </a:rPr>
+                                <m:t>02</m:t>
+                              </m:r>
+                            </m:sub>
+                          </m:sSub>
+                          <m:r>
+                            <m:rPr>
+                              <m:nor/>
+                            </m:rPr>
+                            <a:rPr lang="en-US" dirty="0" smtClean="0"/>
+                            <m:t> + </m:t>
+                          </m:r>
+                          <m:sSub>
+                            <m:sSubPr>
+                              <m:ctrlPr>
+                                <a:rPr lang="en-US" i="1" smtClean="0">
+                                  <a:latin typeface="Cambria Math" charset="0"/>
+                                </a:rPr>
+                              </m:ctrlPr>
+                            </m:sSubPr>
+                            <m:e>
+                              <m:r>
+                                <a:rPr lang="en-US" b="0" i="1" smtClean="0">
+                                  <a:latin typeface="Cambria Math" charset="0"/>
+                                </a:rPr>
+                                <m:t>𝑤</m:t>
+                              </m:r>
+                            </m:e>
+                            <m:sub>
+                              <m:r>
+                                <a:rPr lang="en-US" b="0" i="1" smtClean="0">
+                                  <a:latin typeface="Cambria Math" charset="0"/>
+                                </a:rPr>
+                                <m:t>02</m:t>
+                              </m:r>
+                            </m:sub>
+                          </m:sSub>
+                          <m:r>
+                            <m:rPr>
+                              <m:nor/>
+                            </m:rPr>
+                            <a:rPr lang="en-US" dirty="0" smtClean="0"/>
+                            <m:t>x</m:t>
+                          </m:r>
+                          <m:r>
+                            <m:rPr>
+                              <m:nor/>
+                            </m:rPr>
+                            <a:rPr lang="en-US" b="0" i="0" dirty="0" smtClean="0"/>
+                            <m:t>1</m:t>
+                          </m:r>
+                          <m:r>
+                            <a:rPr lang="en-US" b="0" i="1" smtClean="0">
+                              <a:latin typeface="Cambria Math" charset="0"/>
+                              <a:ea typeface="Cambria Math" charset="0"/>
+                              <a:cs typeface="Cambria Math" charset="0"/>
+                            </a:rPr>
+                            <m:t>)</m:t>
+                          </m:r>
+                        </m:oMath>
+                      </m:oMathPara>
+                    </a14:m>
+                    <a:endParaRPr lang="en-US" dirty="0"/>
+                  </a:p>
+                </p:txBody>
+              </p:sp>
+            </mc:Choice>
+            <mc:Fallback>
+              <p:sp>
+                <p:nvSpPr>
+                  <p:cNvPr id="27" name="TextBox 26"/>
+                  <p:cNvSpPr txBox="1">
+                    <a:spLocks noRot="1" noChangeAspect="1" noMove="1" noResize="1" noEditPoints="1" noAdjustHandles="1" noChangeArrowheads="1" noChangeShapeType="1" noTextEdit="1"/>
+                  </p:cNvSpPr>
+                  <p:nvPr/>
+                </p:nvSpPr>
+                <p:spPr>
+                  <a:xfrm>
+                    <a:off x="5250148" y="2069068"/>
+                    <a:ext cx="1742576" cy="369332"/>
+                  </a:xfrm>
+                  <a:prstGeom prst="rect">
+                    <a:avLst/>
+                  </a:prstGeom>
+                  <a:blipFill rotWithShape="0">
+                    <a:blip r:embed="rId5"/>
+                    <a:stretch>
+                      <a:fillRect t="-96721" b="-119672"/>
+                    </a:stretch>
+                  </a:blipFill>
+                </p:spPr>
+                <p:txBody>
+                  <a:bodyPr/>
+                  <a:lstStyle/>
+                  <a:p>
+                    <a:r>
+                      <a:rPr lang="en-US">
+                        <a:noFill/>
+                      </a:rPr>
+                      <a:t> </a:t>
+                    </a:r>
+                  </a:p>
+                </p:txBody>
+              </p:sp>
+            </mc:Fallback>
+          </mc:AlternateContent>
+        </p:grpSp>
+        <mc:AlternateContent xmlns:mc="http://schemas.openxmlformats.org/markup-compatibility/2006">
+          <mc:Choice xmlns:a14="http://schemas.microsoft.com/office/drawing/2010/main" Requires="a14">
+            <p:sp>
+              <p:nvSpPr>
+                <p:cNvPr id="28" name="TextBox 27"/>
+                <p:cNvSpPr txBox="1"/>
+                <p:nvPr/>
+              </p:nvSpPr>
+              <p:spPr>
+                <a:xfrm>
+                  <a:off x="9372600" y="3056021"/>
+                  <a:ext cx="2336134" cy="369332"/>
+                </a:xfrm>
+                <a:prstGeom prst="rect">
+                  <a:avLst/>
+                </a:prstGeom>
+                <a:noFill/>
+              </p:spPr>
+              <p:txBody>
+                <a:bodyPr wrap="square" rtlCol="0">
+                  <a:spAutoFit/>
+                </a:bodyPr>
+                <a:lstStyle/>
+                <a:p>
+                  <a:r>
+                    <a:rPr lang="en-US" dirty="0"/>
+                    <a:t>y</a:t>
+                  </a:r>
+                  <a:r>
+                    <a:rPr lang="en-US" dirty="0" smtClean="0"/>
+                    <a:t> = </a:t>
+                  </a:r>
+                  <a14:m>
+                    <m:oMath xmlns:m="http://schemas.openxmlformats.org/officeDocument/2006/math">
+                      <m:sSub>
+                        <m:sSubPr>
+                          <m:ctrlPr>
+                            <a:rPr lang="en-US" i="1" smtClean="0">
+                              <a:latin typeface="Cambria Math" charset="0"/>
+                            </a:rPr>
+                          </m:ctrlPr>
+                        </m:sSubPr>
+                        <m:e>
+                          <m:r>
+                            <a:rPr lang="en-US" b="0" i="1" smtClean="0">
+                              <a:latin typeface="Cambria Math" charset="0"/>
+                            </a:rPr>
+                            <m:t>𝑤</m:t>
+                          </m:r>
+                        </m:e>
+                        <m:sub>
+                          <m:r>
+                            <a:rPr lang="en-US" b="0" i="1" smtClean="0">
+                              <a:latin typeface="Cambria Math" charset="0"/>
+                            </a:rPr>
+                            <m:t>13</m:t>
+                          </m:r>
+                        </m:sub>
+                      </m:sSub>
+                      <m:r>
+                        <a:rPr lang="en-US" b="0" i="1" smtClean="0">
+                          <a:latin typeface="Cambria Math" charset="0"/>
+                        </a:rPr>
+                        <m:t> </m:t>
+                      </m:r>
+                      <m:sSub>
+                        <m:sSubPr>
+                          <m:ctrlPr>
+                            <a:rPr lang="en-US" b="0" i="1" smtClean="0">
+                              <a:latin typeface="Cambria Math" charset="0"/>
+                            </a:rPr>
+                          </m:ctrlPr>
+                        </m:sSubPr>
+                        <m:e>
+                          <m:r>
+                            <a:rPr lang="en-US" b="0" i="1" smtClean="0">
+                              <a:latin typeface="Cambria Math" charset="0"/>
+                            </a:rPr>
+                            <m:t>𝑦</m:t>
+                          </m:r>
+                        </m:e>
+                        <m:sub>
+                          <m:r>
+                            <a:rPr lang="en-US" b="0" i="1" smtClean="0">
+                              <a:latin typeface="Cambria Math" charset="0"/>
+                            </a:rPr>
+                            <m:t>1</m:t>
+                          </m:r>
+                        </m:sub>
+                      </m:sSub>
+                      <m:r>
+                        <a:rPr lang="en-US" b="0" i="1" smtClean="0">
+                          <a:latin typeface="Cambria Math" charset="0"/>
+                        </a:rPr>
+                        <m:t>+ </m:t>
+                      </m:r>
+                      <m:sSub>
+                        <m:sSubPr>
+                          <m:ctrlPr>
+                            <a:rPr lang="en-US" b="0" i="1" smtClean="0">
+                              <a:latin typeface="Cambria Math" charset="0"/>
+                            </a:rPr>
+                          </m:ctrlPr>
+                        </m:sSubPr>
+                        <m:e>
+                          <m:r>
+                            <a:rPr lang="en-US" b="0" i="1" smtClean="0">
+                              <a:latin typeface="Cambria Math" charset="0"/>
+                            </a:rPr>
+                            <m:t>𝑤</m:t>
+                          </m:r>
+                        </m:e>
+                        <m:sub>
+                          <m:r>
+                            <a:rPr lang="en-US" b="0" i="1" smtClean="0">
+                              <a:latin typeface="Cambria Math" charset="0"/>
+                            </a:rPr>
+                            <m:t>23</m:t>
+                          </m:r>
+                        </m:sub>
+                      </m:sSub>
+                      <m:r>
+                        <a:rPr lang="en-US" b="0" i="1" smtClean="0">
+                          <a:latin typeface="Cambria Math" charset="0"/>
+                        </a:rPr>
+                        <m:t> </m:t>
+                      </m:r>
+                      <m:sSub>
+                        <m:sSubPr>
+                          <m:ctrlPr>
+                            <a:rPr lang="en-US" b="0" i="1" smtClean="0">
+                              <a:latin typeface="Cambria Math" charset="0"/>
+                            </a:rPr>
+                          </m:ctrlPr>
+                        </m:sSubPr>
+                        <m:e>
+                          <m:r>
+                            <a:rPr lang="en-US" b="0" i="1" smtClean="0">
+                              <a:latin typeface="Cambria Math" charset="0"/>
+                            </a:rPr>
+                            <m:t>𝑦</m:t>
+                          </m:r>
+                        </m:e>
+                        <m:sub>
+                          <m:r>
+                            <a:rPr lang="en-US" b="0" i="1" smtClean="0">
+                              <a:latin typeface="Cambria Math" charset="0"/>
+                            </a:rPr>
+                            <m:t>2</m:t>
+                          </m:r>
+                        </m:sub>
+                      </m:sSub>
+                    </m:oMath>
+                  </a14:m>
+                  <a:endParaRPr lang="en-US" dirty="0"/>
+                </a:p>
+              </p:txBody>
+            </p:sp>
+          </mc:Choice>
+          <mc:Fallback>
+            <p:sp>
+              <p:nvSpPr>
+                <p:cNvPr id="28" name="TextBox 27"/>
+                <p:cNvSpPr txBox="1">
+                  <a:spLocks noRot="1" noChangeAspect="1" noMove="1" noResize="1" noEditPoints="1" noAdjustHandles="1" noChangeArrowheads="1" noChangeShapeType="1" noTextEdit="1"/>
+                </p:cNvSpPr>
+                <p:nvPr/>
+              </p:nvSpPr>
+              <p:spPr>
+                <a:xfrm>
+                  <a:off x="9372600" y="3056021"/>
+                  <a:ext cx="2336134" cy="369332"/>
+                </a:xfrm>
+                <a:prstGeom prst="rect">
+                  <a:avLst/>
+                </a:prstGeom>
+                <a:blipFill rotWithShape="0">
+                  <a:blip r:embed="rId6"/>
+                  <a:stretch>
+                    <a:fillRect l="-2296" t="-95082" b="-121311"/>
+                  </a:stretch>
+                </a:blipFill>
+              </p:spPr>
+              <p:txBody>
+                <a:bodyPr/>
+                <a:lstStyle/>
+                <a:p>
+                  <a:r>
+                    <a:rPr lang="en-US">
+                      <a:noFill/>
+                    </a:rPr>
+                    <a:t> </a:t>
+                  </a:r>
+                </a:p>
+              </p:txBody>
+            </p:sp>
+          </mc:Fallback>
+        </mc:AlternateContent>
+        <p:cxnSp>
+          <p:nvCxnSpPr>
+            <p:cNvPr id="31" name="Straight Arrow Connector 30"/>
+            <p:cNvCxnSpPr>
+              <a:stCxn id="4" idx="7"/>
+              <a:endCxn id="6" idx="2"/>
+            </p:cNvCxnSpPr>
+            <p:nvPr/>
+          </p:nvCxnSpPr>
+          <p:spPr>
+            <a:xfrm flipV="1">
+              <a:off x="3052473" y="2091489"/>
+              <a:ext cx="978107" cy="247236"/>
+            </a:xfrm>
+            <a:prstGeom prst="straightConnector1">
+              <a:avLst/>
+            </a:prstGeom>
+            <a:ln>
+              <a:solidFill>
+                <a:schemeClr val="tx1"/>
+              </a:solidFill>
+              <a:tailEnd type="triangle"/>
+            </a:ln>
+          </p:spPr>
+          <p:style>
+            <a:lnRef idx="1">
+              <a:schemeClr val="accent1"/>
+            </a:lnRef>
+            <a:fillRef idx="0">
+              <a:schemeClr val="accent1"/>
+            </a:fillRef>
+            <a:effectRef idx="0">
+              <a:schemeClr val="accent1"/>
+            </a:effectRef>
+            <a:fontRef idx="minor">
+              <a:schemeClr val="tx1"/>
+            </a:fontRef>
+          </p:style>
+        </p:cxnSp>
+        <p:cxnSp>
+          <p:nvCxnSpPr>
+            <p:cNvPr id="33" name="Straight Arrow Connector 32"/>
+            <p:cNvCxnSpPr>
+              <a:stCxn id="4" idx="5"/>
+              <a:endCxn id="24" idx="2"/>
+            </p:cNvCxnSpPr>
+            <p:nvPr/>
+          </p:nvCxnSpPr>
+          <p:spPr>
+            <a:xfrm>
+              <a:off x="3052473" y="3095903"/>
+              <a:ext cx="1013268" cy="1265544"/>
+            </a:xfrm>
+            <a:prstGeom prst="straightConnector1">
+              <a:avLst/>
+            </a:prstGeom>
+            <a:ln>
+              <a:solidFill>
+                <a:schemeClr val="tx1"/>
+              </a:solidFill>
+              <a:tailEnd type="triangle"/>
+            </a:ln>
+          </p:spPr>
+          <p:style>
+            <a:lnRef idx="1">
+              <a:schemeClr val="accent1"/>
+            </a:lnRef>
+            <a:fillRef idx="0">
+              <a:schemeClr val="accent1"/>
+            </a:fillRef>
+            <a:effectRef idx="0">
+              <a:schemeClr val="accent1"/>
+            </a:effectRef>
+            <a:fontRef idx="minor">
+              <a:schemeClr val="tx1"/>
+            </a:fontRef>
+          </p:style>
+        </p:cxnSp>
+        <p:cxnSp>
+          <p:nvCxnSpPr>
+            <p:cNvPr id="35" name="Straight Arrow Connector 34"/>
+            <p:cNvCxnSpPr>
+              <a:stCxn id="14" idx="3"/>
+              <a:endCxn id="5" idx="2"/>
+            </p:cNvCxnSpPr>
+            <p:nvPr/>
+          </p:nvCxnSpPr>
+          <p:spPr>
+            <a:xfrm>
+              <a:off x="8508739" y="2097323"/>
+              <a:ext cx="655313" cy="1157219"/>
+            </a:xfrm>
+            <a:prstGeom prst="straightConnector1">
+              <a:avLst/>
+            </a:prstGeom>
+            <a:ln>
+              <a:solidFill>
+                <a:schemeClr val="tx1"/>
+              </a:solidFill>
+              <a:tailEnd type="triangle"/>
+            </a:ln>
+          </p:spPr>
+          <p:style>
+            <a:lnRef idx="1">
+              <a:schemeClr val="accent1"/>
+            </a:lnRef>
+            <a:fillRef idx="0">
+              <a:schemeClr val="accent1"/>
+            </a:fillRef>
+            <a:effectRef idx="0">
+              <a:schemeClr val="accent1"/>
+            </a:effectRef>
+            <a:fontRef idx="minor">
+              <a:schemeClr val="tx1"/>
+            </a:fontRef>
+          </p:style>
+        </p:cxnSp>
+        <p:cxnSp>
+          <p:nvCxnSpPr>
+            <p:cNvPr id="37" name="Straight Arrow Connector 36"/>
+            <p:cNvCxnSpPr>
+              <a:stCxn id="27" idx="3"/>
+              <a:endCxn id="5" idx="2"/>
+            </p:cNvCxnSpPr>
+            <p:nvPr/>
+          </p:nvCxnSpPr>
+          <p:spPr>
+            <a:xfrm flipV="1">
+              <a:off x="8543900" y="3254542"/>
+              <a:ext cx="620152" cy="1112739"/>
+            </a:xfrm>
+            <a:prstGeom prst="straightConnector1">
+              <a:avLst/>
+            </a:prstGeom>
+            <a:ln>
+              <a:solidFill>
+                <a:schemeClr val="tx1"/>
+              </a:solidFill>
+              <a:tailEnd type="triangle"/>
+            </a:ln>
+          </p:spPr>
+          <p:style>
+            <a:lnRef idx="1">
+              <a:schemeClr val="accent1"/>
+            </a:lnRef>
+            <a:fillRef idx="0">
+              <a:schemeClr val="accent1"/>
+            </a:fillRef>
+            <a:effectRef idx="0">
+              <a:schemeClr val="accent1"/>
+            </a:effectRef>
+            <a:fontRef idx="minor">
+              <a:schemeClr val="tx1"/>
+            </a:fontRef>
+          </p:style>
+        </p:cxnSp>
+        <mc:AlternateContent xmlns:mc="http://schemas.openxmlformats.org/markup-compatibility/2006">
+          <mc:Choice xmlns:a14="http://schemas.microsoft.com/office/drawing/2010/main" Requires="a14">
+            <p:sp>
+              <p:nvSpPr>
+                <p:cNvPr id="42" name="TextBox 41"/>
+                <p:cNvSpPr txBox="1"/>
+                <p:nvPr/>
+              </p:nvSpPr>
+              <p:spPr>
+                <a:xfrm>
+                  <a:off x="-37301" y="4734756"/>
+                  <a:ext cx="2586789" cy="1754326"/>
+                </a:xfrm>
+                <a:prstGeom prst="rect">
+                  <a:avLst/>
+                </a:prstGeom>
+                <a:noFill/>
+              </p:spPr>
+              <p:txBody>
+                <a:bodyPr wrap="square" rtlCol="0">
+                  <a:spAutoFit/>
+                </a:bodyPr>
+                <a:lstStyle/>
+                <a:p>
+                  <a:pPr/>
+                  <a14:m>
+                    <m:oMathPara xmlns:m="http://schemas.openxmlformats.org/officeDocument/2006/math">
+                      <m:oMathParaPr>
+                        <m:jc m:val="centerGroup"/>
+                      </m:oMathParaPr>
+                      <m:oMath xmlns:m="http://schemas.openxmlformats.org/officeDocument/2006/math">
+                        <m:sSub>
+                          <m:sSubPr>
+                            <m:ctrlPr>
+                              <a:rPr lang="en-US" i="1" smtClean="0">
+                                <a:latin typeface="Cambria Math" charset="0"/>
+                              </a:rPr>
+                            </m:ctrlPr>
+                          </m:sSubPr>
+                          <m:e>
+                            <m:r>
+                              <a:rPr lang="en-US" b="0" i="1" smtClean="0">
+                                <a:latin typeface="Cambria Math" charset="0"/>
+                              </a:rPr>
+                              <m:t>𝑏</m:t>
+                            </m:r>
+                          </m:e>
+                          <m:sub>
+                            <m:r>
+                              <a:rPr lang="en-US" b="0" i="1" smtClean="0">
+                                <a:latin typeface="Cambria Math" charset="0"/>
+                              </a:rPr>
+                              <m:t>01</m:t>
+                            </m:r>
+                          </m:sub>
+                        </m:sSub>
+                        <m:r>
+                          <a:rPr lang="en-US" b="0" i="1" smtClean="0">
+                            <a:latin typeface="Cambria Math" charset="0"/>
+                          </a:rPr>
+                          <m:t>=−</m:t>
+                        </m:r>
+                        <m:r>
+                          <a:rPr lang="en-US" b="0" i="1" smtClean="0">
+                            <a:latin typeface="Cambria Math" charset="0"/>
+                          </a:rPr>
+                          <m:t>3</m:t>
+                        </m:r>
+                        <m:r>
+                          <a:rPr lang="en-US" b="0" i="1" smtClean="0">
+                            <a:latin typeface="Cambria Math" charset="0"/>
+                          </a:rPr>
+                          <m:t>000</m:t>
+                        </m:r>
+                      </m:oMath>
+                    </m:oMathPara>
+                  </a14:m>
+                  <a:endParaRPr lang="en-US" b="0" dirty="0" smtClean="0"/>
+                </a:p>
+                <a:p>
+                  <a:pPr/>
+                  <a14:m>
+                    <m:oMathPara xmlns:m="http://schemas.openxmlformats.org/officeDocument/2006/math">
+                      <m:oMathParaPr>
+                        <m:jc m:val="centerGroup"/>
+                      </m:oMathParaPr>
+                      <m:oMath xmlns:m="http://schemas.openxmlformats.org/officeDocument/2006/math">
+                        <m:sSub>
+                          <m:sSubPr>
+                            <m:ctrlPr>
+                              <a:rPr lang="en-US" i="1" smtClean="0">
+                                <a:latin typeface="Cambria Math" charset="0"/>
+                              </a:rPr>
+                            </m:ctrlPr>
+                          </m:sSubPr>
+                          <m:e>
+                            <m:r>
+                              <a:rPr lang="en-US" b="0" i="1" smtClean="0">
+                                <a:latin typeface="Cambria Math" charset="0"/>
+                              </a:rPr>
+                              <m:t>𝑤</m:t>
+                            </m:r>
+                          </m:e>
+                          <m:sub>
+                            <m:r>
+                              <a:rPr lang="en-US" b="0" i="1" smtClean="0">
+                                <a:latin typeface="Cambria Math" charset="0"/>
+                              </a:rPr>
+                              <m:t>01</m:t>
+                            </m:r>
+                          </m:sub>
+                        </m:sSub>
+                        <m:r>
+                          <a:rPr lang="en-US" b="0" i="1" smtClean="0">
+                            <a:latin typeface="Cambria Math" charset="0"/>
+                          </a:rPr>
+                          <m:t>=10000</m:t>
+                        </m:r>
+                      </m:oMath>
+                    </m:oMathPara>
+                  </a14:m>
+                  <a:endParaRPr lang="en-US" b="0" dirty="0" smtClean="0"/>
+                </a:p>
+                <a:p>
+                  <a:pPr/>
+                  <a14:m>
+                    <m:oMathPara xmlns:m="http://schemas.openxmlformats.org/officeDocument/2006/math">
+                      <m:oMathParaPr>
+                        <m:jc m:val="centerGroup"/>
+                      </m:oMathParaPr>
+                      <m:oMath xmlns:m="http://schemas.openxmlformats.org/officeDocument/2006/math">
+                        <m:sSub>
+                          <m:sSubPr>
+                            <m:ctrlPr>
+                              <a:rPr lang="en-US" i="1" smtClean="0">
+                                <a:latin typeface="Cambria Math" charset="0"/>
+                              </a:rPr>
+                            </m:ctrlPr>
+                          </m:sSubPr>
+                          <m:e>
+                            <m:r>
+                              <a:rPr lang="en-US" b="0" i="1" smtClean="0">
+                                <a:latin typeface="Cambria Math" charset="0"/>
+                              </a:rPr>
+                              <m:t>𝑏</m:t>
+                            </m:r>
+                          </m:e>
+                          <m:sub>
+                            <m:r>
+                              <a:rPr lang="en-US" b="0" i="1" smtClean="0">
+                                <a:latin typeface="Cambria Math" charset="0"/>
+                              </a:rPr>
+                              <m:t>02</m:t>
+                            </m:r>
+                          </m:sub>
+                        </m:sSub>
+                        <m:r>
+                          <a:rPr lang="en-US" b="0" i="1" smtClean="0">
+                            <a:latin typeface="Cambria Math" charset="0"/>
+                          </a:rPr>
+                          <m:t>=−</m:t>
+                        </m:r>
+                        <m:r>
+                          <a:rPr lang="en-US" b="0" i="1" smtClean="0">
+                            <a:latin typeface="Cambria Math" charset="0"/>
+                          </a:rPr>
+                          <m:t>7</m:t>
+                        </m:r>
+                        <m:r>
+                          <a:rPr lang="en-US" b="0" i="1" smtClean="0">
+                            <a:latin typeface="Cambria Math" charset="0"/>
+                          </a:rPr>
+                          <m:t>000</m:t>
+                        </m:r>
+                      </m:oMath>
+                    </m:oMathPara>
+                  </a14:m>
+                  <a:endParaRPr lang="en-US" b="0" dirty="0" smtClean="0"/>
+                </a:p>
+                <a:p>
+                  <a:pPr/>
+                  <a14:m>
+                    <m:oMathPara xmlns:m="http://schemas.openxmlformats.org/officeDocument/2006/math">
+                      <m:oMathParaPr>
+                        <m:jc m:val="centerGroup"/>
+                      </m:oMathParaPr>
+                      <m:oMath xmlns:m="http://schemas.openxmlformats.org/officeDocument/2006/math">
+                        <m:sSub>
+                          <m:sSubPr>
+                            <m:ctrlPr>
+                              <a:rPr lang="en-US" i="1" smtClean="0">
+                                <a:latin typeface="Cambria Math" charset="0"/>
+                              </a:rPr>
+                            </m:ctrlPr>
+                          </m:sSubPr>
+                          <m:e>
+                            <m:r>
+                              <a:rPr lang="en-US" b="0" i="1" smtClean="0">
+                                <a:latin typeface="Cambria Math" charset="0"/>
+                              </a:rPr>
+                              <m:t>𝑤</m:t>
+                            </m:r>
+                          </m:e>
+                          <m:sub>
+                            <m:r>
+                              <a:rPr lang="en-US" b="0" i="1" smtClean="0">
+                                <a:latin typeface="Cambria Math" charset="0"/>
+                              </a:rPr>
+                              <m:t>02</m:t>
+                            </m:r>
+                          </m:sub>
+                        </m:sSub>
+                        <m:r>
+                          <a:rPr lang="en-US" b="0" i="1" smtClean="0">
+                            <a:latin typeface="Cambria Math" charset="0"/>
+                          </a:rPr>
+                          <m:t>=10000</m:t>
+                        </m:r>
+                      </m:oMath>
+                    </m:oMathPara>
+                  </a14:m>
+                  <a:endParaRPr lang="en-US" b="0" dirty="0" smtClean="0"/>
+                </a:p>
+                <a:p>
+                  <a:pPr/>
+                  <a14:m>
+                    <m:oMathPara xmlns:m="http://schemas.openxmlformats.org/officeDocument/2006/math">
+                      <m:oMathParaPr>
+                        <m:jc m:val="centerGroup"/>
+                      </m:oMathParaPr>
+                      <m:oMath xmlns:m="http://schemas.openxmlformats.org/officeDocument/2006/math">
+                        <m:sSub>
+                          <m:sSubPr>
+                            <m:ctrlPr>
+                              <a:rPr lang="en-US" i="1" smtClean="0">
+                                <a:latin typeface="Cambria Math" charset="0"/>
+                              </a:rPr>
+                            </m:ctrlPr>
+                          </m:sSubPr>
+                          <m:e>
+                            <m:r>
+                              <a:rPr lang="en-US" b="0" i="1" smtClean="0">
+                                <a:latin typeface="Cambria Math" charset="0"/>
+                              </a:rPr>
+                              <m:t>𝑤</m:t>
+                            </m:r>
+                          </m:e>
+                          <m:sub>
+                            <m:r>
+                              <a:rPr lang="en-US" b="0" i="1" smtClean="0">
+                                <a:latin typeface="Cambria Math" charset="0"/>
+                              </a:rPr>
+                              <m:t>13</m:t>
+                            </m:r>
+                          </m:sub>
+                        </m:sSub>
+                        <m:r>
+                          <a:rPr lang="en-US" b="0" i="1" smtClean="0">
+                            <a:latin typeface="Cambria Math" charset="0"/>
+                          </a:rPr>
+                          <m:t>=1</m:t>
+                        </m:r>
+                      </m:oMath>
+                    </m:oMathPara>
+                  </a14:m>
+                  <a:endParaRPr lang="en-US" b="0" dirty="0" smtClean="0"/>
+                </a:p>
+                <a:p>
+                  <a:pPr/>
                   <a14:m>
                     <m:oMathPara xmlns:m="http://schemas.openxmlformats.org/officeDocument/2006/math">
                       <m:oMathParaPr>
@@ -4621,7 +6376,7 @@
               </p:nvSpPr>
               <p:spPr>
                 <a:xfrm>
-                  <a:off x="684593" y="4445999"/>
+                  <a:off x="-37301" y="4734756"/>
                   <a:ext cx="2586789" cy="1754326"/>
                 </a:xfrm>
                 <a:prstGeom prst="rect">
@@ -4649,11 +6404,69 @@
             </p:sp>
           </mc:Fallback>
         </mc:AlternateContent>
+        <p:sp>
+          <p:nvSpPr>
+            <p:cNvPr id="29" name="Oval 28"/>
+            <p:cNvSpPr/>
+            <p:nvPr/>
+          </p:nvSpPr>
+          <p:spPr>
+            <a:xfrm>
+              <a:off x="2170904" y="3363556"/>
+              <a:ext cx="1070810" cy="1070810"/>
+            </a:xfrm>
+            <a:prstGeom prst="ellipse">
+              <a:avLst/>
+            </a:prstGeom>
+            <a:noFill/>
+            <a:ln w="28575">
+              <a:solidFill>
+                <a:schemeClr val="tx1"/>
+              </a:solidFill>
+            </a:ln>
+          </p:spPr>
+          <p:style>
+            <a:lnRef idx="2">
+              <a:schemeClr val="accent1">
+                <a:shade val="50000"/>
+              </a:schemeClr>
+            </a:lnRef>
+            <a:fillRef idx="1">
+              <a:schemeClr val="accent1"/>
+            </a:fillRef>
+            <a:effectRef idx="0">
+              <a:schemeClr val="accent1"/>
+            </a:effectRef>
+            <a:fontRef idx="minor">
+              <a:schemeClr val="lt1"/>
+            </a:fontRef>
+          </p:style>
+          <p:txBody>
+            <a:bodyPr rtlCol="0" anchor="ctr"/>
+            <a:lstStyle/>
+            <a:p>
+              <a:pPr algn="ctr"/>
+              <a:r>
+                <a:rPr lang="en-US" dirty="0" smtClean="0">
+                  <a:solidFill>
+                    <a:schemeClr val="tx1"/>
+                  </a:solidFill>
+                </a:rPr>
+                <a:t>x2</a:t>
+              </a:r>
+              <a:endParaRPr lang="en-US" dirty="0">
+                <a:solidFill>
+                  <a:schemeClr val="tx1"/>
+                </a:solidFill>
+              </a:endParaRPr>
+            </a:p>
+          </p:txBody>
+        </p:sp>
       </p:grpSp>
     </p:spTree>
     <p:extLst>
       <p:ext uri="{BB962C8B-B14F-4D97-AF65-F5344CB8AC3E}">
-        <p14:creationId xmlns:p14="http://schemas.microsoft.com/office/powerpoint/2010/main" val="1576104478"/>
+        <p14:creationId xmlns:p14="http://schemas.microsoft.com/office/powerpoint/2010/main" val="995820090"/>
       </p:ext>
     </p:extLst>
   </p:cSld>

--- a/hw6/hw6_answer/hw6.pptx
+++ b/hw6/hw6_answer/hw6.pptx
@@ -7,6 +7,7 @@
   <p:sldIdLst>
     <p:sldId id="256" r:id="rId2"/>
     <p:sldId id="257" r:id="rId3"/>
+    <p:sldId id="258" r:id="rId4"/>
   </p:sldIdLst>
   <p:sldSz cx="12192000" cy="6858000"/>
   <p:notesSz cx="6858000" cy="9144000"/>
@@ -244,7 +245,7 @@
           <a:p>
             <a:fld id="{726FC049-23C4-BA4F-9CFC-F62998BB9902}" type="datetimeFigureOut">
               <a:rPr lang="en-US" smtClean="0"/>
-              <a:t>4/8/18</a:t>
+              <a:t>4/9/18</a:t>
             </a:fld>
             <a:endParaRPr lang="en-US"/>
           </a:p>
@@ -414,7 +415,7 @@
           <a:p>
             <a:fld id="{726FC049-23C4-BA4F-9CFC-F62998BB9902}" type="datetimeFigureOut">
               <a:rPr lang="en-US" smtClean="0"/>
-              <a:t>4/8/18</a:t>
+              <a:t>4/9/18</a:t>
             </a:fld>
             <a:endParaRPr lang="en-US"/>
           </a:p>
@@ -594,7 +595,7 @@
           <a:p>
             <a:fld id="{726FC049-23C4-BA4F-9CFC-F62998BB9902}" type="datetimeFigureOut">
               <a:rPr lang="en-US" smtClean="0"/>
-              <a:t>4/8/18</a:t>
+              <a:t>4/9/18</a:t>
             </a:fld>
             <a:endParaRPr lang="en-US"/>
           </a:p>
@@ -764,7 +765,7 @@
           <a:p>
             <a:fld id="{726FC049-23C4-BA4F-9CFC-F62998BB9902}" type="datetimeFigureOut">
               <a:rPr lang="en-US" smtClean="0"/>
-              <a:t>4/8/18</a:t>
+              <a:t>4/9/18</a:t>
             </a:fld>
             <a:endParaRPr lang="en-US"/>
           </a:p>
@@ -1010,7 +1011,7 @@
           <a:p>
             <a:fld id="{726FC049-23C4-BA4F-9CFC-F62998BB9902}" type="datetimeFigureOut">
               <a:rPr lang="en-US" smtClean="0"/>
-              <a:t>4/8/18</a:t>
+              <a:t>4/9/18</a:t>
             </a:fld>
             <a:endParaRPr lang="en-US"/>
           </a:p>
@@ -1242,7 +1243,7 @@
           <a:p>
             <a:fld id="{726FC049-23C4-BA4F-9CFC-F62998BB9902}" type="datetimeFigureOut">
               <a:rPr lang="en-US" smtClean="0"/>
-              <a:t>4/8/18</a:t>
+              <a:t>4/9/18</a:t>
             </a:fld>
             <a:endParaRPr lang="en-US"/>
           </a:p>
@@ -1609,7 +1610,7 @@
           <a:p>
             <a:fld id="{726FC049-23C4-BA4F-9CFC-F62998BB9902}" type="datetimeFigureOut">
               <a:rPr lang="en-US" smtClean="0"/>
-              <a:t>4/8/18</a:t>
+              <a:t>4/9/18</a:t>
             </a:fld>
             <a:endParaRPr lang="en-US"/>
           </a:p>
@@ -1727,7 +1728,7 @@
           <a:p>
             <a:fld id="{726FC049-23C4-BA4F-9CFC-F62998BB9902}" type="datetimeFigureOut">
               <a:rPr lang="en-US" smtClean="0"/>
-              <a:t>4/8/18</a:t>
+              <a:t>4/9/18</a:t>
             </a:fld>
             <a:endParaRPr lang="en-US"/>
           </a:p>
@@ -1822,7 +1823,7 @@
           <a:p>
             <a:fld id="{726FC049-23C4-BA4F-9CFC-F62998BB9902}" type="datetimeFigureOut">
               <a:rPr lang="en-US" smtClean="0"/>
-              <a:t>4/8/18</a:t>
+              <a:t>4/9/18</a:t>
             </a:fld>
             <a:endParaRPr lang="en-US"/>
           </a:p>
@@ -2099,7 +2100,7 @@
           <a:p>
             <a:fld id="{726FC049-23C4-BA4F-9CFC-F62998BB9902}" type="datetimeFigureOut">
               <a:rPr lang="en-US" smtClean="0"/>
-              <a:t>4/8/18</a:t>
+              <a:t>4/9/18</a:t>
             </a:fld>
             <a:endParaRPr lang="en-US"/>
           </a:p>
@@ -2352,7 +2353,7 @@
           <a:p>
             <a:fld id="{726FC049-23C4-BA4F-9CFC-F62998BB9902}" type="datetimeFigureOut">
               <a:rPr lang="en-US" smtClean="0"/>
-              <a:t>4/8/18</a:t>
+              <a:t>4/9/18</a:t>
             </a:fld>
             <a:endParaRPr lang="en-US"/>
           </a:p>
@@ -2565,7 +2566,7 @@
           <a:p>
             <a:fld id="{726FC049-23C4-BA4F-9CFC-F62998BB9902}" type="datetimeFigureOut">
               <a:rPr lang="en-US" smtClean="0"/>
-              <a:t>4/8/18</a:t>
+              <a:t>4/9/18</a:t>
             </a:fld>
             <a:endParaRPr lang="en-US"/>
           </a:p>
@@ -4902,8 +4903,8 @@
               </a:fontRef>
             </p:style>
           </p:cxnSp>
-          <mc:AlternateContent xmlns:mc="http://schemas.openxmlformats.org/markup-compatibility/2006">
-            <mc:Choice xmlns:a14="http://schemas.microsoft.com/office/drawing/2010/main" Requires="a14">
+          <mc:AlternateContent xmlns:mc="http://schemas.openxmlformats.org/markup-compatibility/2006" xmlns:a14="http://schemas.microsoft.com/office/drawing/2010/main">
+            <mc:Choice Requires="a14">
               <p:sp>
                 <p:nvSpPr>
                   <p:cNvPr id="12" name="TextBox 11"/>
@@ -4997,7 +4998,7 @@
                 </p:txBody>
               </p:sp>
             </mc:Choice>
-            <mc:Fallback>
+            <mc:Fallback xmlns="">
               <p:sp>
                 <p:nvSpPr>
                   <p:cNvPr id="12" name="TextBox 11"/>
@@ -5036,8 +5037,8 @@
               </p:sp>
             </mc:Fallback>
           </mc:AlternateContent>
-          <mc:AlternateContent xmlns:mc="http://schemas.openxmlformats.org/markup-compatibility/2006">
-            <mc:Choice xmlns:a14="http://schemas.microsoft.com/office/drawing/2010/main" Requires="a14">
+          <mc:AlternateContent xmlns:mc="http://schemas.openxmlformats.org/markup-compatibility/2006" xmlns:a14="http://schemas.microsoft.com/office/drawing/2010/main">
+            <mc:Choice Requires="a14">
               <p:sp>
                 <p:nvSpPr>
                   <p:cNvPr id="14" name="TextBox 13"/>
@@ -5208,7 +5209,7 @@
                 </p:txBody>
               </p:sp>
             </mc:Choice>
-            <mc:Fallback>
+            <mc:Fallback xmlns="">
               <p:sp>
                 <p:nvSpPr>
                   <p:cNvPr id="14" name="TextBox 13"/>
@@ -5350,8 +5351,8 @@
               </a:fontRef>
             </p:style>
           </p:cxnSp>
-          <mc:AlternateContent xmlns:mc="http://schemas.openxmlformats.org/markup-compatibility/2006">
-            <mc:Choice xmlns:a14="http://schemas.microsoft.com/office/drawing/2010/main" Requires="a14">
+          <mc:AlternateContent xmlns:mc="http://schemas.openxmlformats.org/markup-compatibility/2006" xmlns:a14="http://schemas.microsoft.com/office/drawing/2010/main">
+            <mc:Choice Requires="a14">
               <p:sp>
                 <p:nvSpPr>
                   <p:cNvPr id="26" name="TextBox 25"/>
@@ -5445,7 +5446,7 @@
                 </p:txBody>
               </p:sp>
             </mc:Choice>
-            <mc:Fallback>
+            <mc:Fallback xmlns="">
               <p:sp>
                 <p:nvSpPr>
                   <p:cNvPr id="26" name="TextBox 25"/>
@@ -5484,8 +5485,8 @@
               </p:sp>
             </mc:Fallback>
           </mc:AlternateContent>
-          <mc:AlternateContent xmlns:mc="http://schemas.openxmlformats.org/markup-compatibility/2006">
-            <mc:Choice xmlns:a14="http://schemas.microsoft.com/office/drawing/2010/main" Requires="a14">
+          <mc:AlternateContent xmlns:mc="http://schemas.openxmlformats.org/markup-compatibility/2006" xmlns:a14="http://schemas.microsoft.com/office/drawing/2010/main">
+            <mc:Choice Requires="a14">
               <p:sp>
                 <p:nvSpPr>
                   <p:cNvPr id="27" name="TextBox 26"/>
@@ -5657,7 +5658,7 @@
                 </p:txBody>
               </p:sp>
             </mc:Choice>
-            <mc:Fallback>
+            <mc:Fallback xmlns="">
               <p:sp>
                 <p:nvSpPr>
                   <p:cNvPr id="27" name="TextBox 26"/>
@@ -5697,8 +5698,8 @@
             </mc:Fallback>
           </mc:AlternateContent>
         </p:grpSp>
-        <mc:AlternateContent xmlns:mc="http://schemas.openxmlformats.org/markup-compatibility/2006">
-          <mc:Choice xmlns:a14="http://schemas.microsoft.com/office/drawing/2010/main" Requires="a14">
+        <mc:AlternateContent xmlns:mc="http://schemas.openxmlformats.org/markup-compatibility/2006" xmlns:a14="http://schemas.microsoft.com/office/drawing/2010/main">
+          <mc:Choice Requires="a14">
             <p:sp>
               <p:nvSpPr>
                 <p:cNvPr id="28" name="TextBox 27"/>
@@ -5856,7 +5857,7 @@
               </p:txBody>
             </p:sp>
           </mc:Choice>
-          <mc:Fallback>
+          <mc:Fallback xmlns="">
             <p:sp>
               <p:nvSpPr>
                 <p:cNvPr id="28" name="TextBox 27"/>
@@ -6051,8 +6052,8 @@
             </a:fontRef>
           </p:style>
         </p:cxnSp>
-        <mc:AlternateContent xmlns:mc="http://schemas.openxmlformats.org/markup-compatibility/2006">
-          <mc:Choice xmlns:a14="http://schemas.microsoft.com/office/drawing/2010/main" Requires="a14">
+        <mc:AlternateContent xmlns:mc="http://schemas.openxmlformats.org/markup-compatibility/2006" xmlns:a14="http://schemas.microsoft.com/office/drawing/2010/main">
+          <mc:Choice Requires="a14">
             <p:sp>
               <p:nvSpPr>
                 <p:cNvPr id="42" name="TextBox 41"/>
@@ -6111,19 +6112,7 @@
                           <a:rPr lang="en-US" b="0" i="1" smtClean="0">
                             <a:latin typeface="Cambria Math" charset="0"/>
                           </a:rPr>
-                          <m:t>=−</m:t>
-                        </m:r>
-                        <m:r>
-                          <a:rPr lang="en-US" b="0" i="1" smtClean="0">
-                            <a:latin typeface="Cambria Math" charset="0"/>
-                          </a:rPr>
-                          <m:t>3</m:t>
-                        </m:r>
-                        <m:r>
-                          <a:rPr lang="en-US" b="0" i="1" smtClean="0">
-                            <a:latin typeface="Cambria Math" charset="0"/>
-                          </a:rPr>
-                          <m:t>000</m:t>
+                          <m:t>=−3000</m:t>
                         </m:r>
                       </m:oMath>
                     </m:oMathPara>
@@ -6211,19 +6200,7 @@
                           <a:rPr lang="en-US" b="0" i="1" smtClean="0">
                             <a:latin typeface="Cambria Math" charset="0"/>
                           </a:rPr>
-                          <m:t>=−</m:t>
-                        </m:r>
-                        <m:r>
-                          <a:rPr lang="en-US" b="0" i="1" smtClean="0">
-                            <a:latin typeface="Cambria Math" charset="0"/>
-                          </a:rPr>
-                          <m:t>7</m:t>
-                        </m:r>
-                        <m:r>
-                          <a:rPr lang="en-US" b="0" i="1" smtClean="0">
-                            <a:latin typeface="Cambria Math" charset="0"/>
-                          </a:rPr>
-                          <m:t>000</m:t>
+                          <m:t>=−7000</m:t>
                         </m:r>
                       </m:oMath>
                     </m:oMathPara>
@@ -6365,7 +6342,7 @@
               </p:txBody>
             </p:sp>
           </mc:Choice>
-          <mc:Fallback>
+          <mc:Fallback xmlns="">
             <p:sp>
               <p:nvSpPr>
                 <p:cNvPr id="42" name="TextBox 41"/>
@@ -6467,6 +6444,3956 @@
     <p:extLst>
       <p:ext uri="{BB962C8B-B14F-4D97-AF65-F5344CB8AC3E}">
         <p14:creationId xmlns:p14="http://schemas.microsoft.com/office/powerpoint/2010/main" val="995820090"/>
+      </p:ext>
+    </p:extLst>
+  </p:cSld>
+  <p:clrMapOvr>
+    <a:masterClrMapping/>
+  </p:clrMapOvr>
+</p:sld>
+</file>
+
+<file path=ppt/slides/slide3.xml><?xml version="1.0" encoding="utf-8"?>
+<p:sld xmlns:a="http://schemas.openxmlformats.org/drawingml/2006/main" xmlns:r="http://schemas.openxmlformats.org/officeDocument/2006/relationships" xmlns:p="http://schemas.openxmlformats.org/presentationml/2006/main">
+  <p:cSld>
+    <p:spTree>
+      <p:nvGrpSpPr>
+        <p:cNvPr id="1" name=""/>
+        <p:cNvGrpSpPr/>
+        <p:nvPr/>
+      </p:nvGrpSpPr>
+      <p:grpSpPr>
+        <a:xfrm>
+          <a:off x="0" y="0"/>
+          <a:ext cx="0" cy="0"/>
+          <a:chOff x="0" y="0"/>
+          <a:chExt cx="0" cy="0"/>
+        </a:xfrm>
+      </p:grpSpPr>
+      <p:grpSp>
+        <p:nvGrpSpPr>
+          <p:cNvPr id="114" name="Group 113"/>
+          <p:cNvGrpSpPr/>
+          <p:nvPr/>
+        </p:nvGrpSpPr>
+        <p:grpSpPr>
+          <a:xfrm>
+            <a:off x="571336" y="-67936"/>
+            <a:ext cx="11409671" cy="7114865"/>
+            <a:chOff x="571336" y="-67936"/>
+            <a:chExt cx="11409671" cy="7114865"/>
+          </a:xfrm>
+        </p:grpSpPr>
+        <mc:AlternateContent xmlns:mc="http://schemas.openxmlformats.org/markup-compatibility/2006">
+          <mc:Choice xmlns:a14="http://schemas.microsoft.com/office/drawing/2010/main" Requires="a14">
+            <p:sp>
+              <p:nvSpPr>
+                <p:cNvPr id="42" name="TextBox 41"/>
+                <p:cNvSpPr txBox="1"/>
+                <p:nvPr/>
+              </p:nvSpPr>
+              <p:spPr>
+                <a:xfrm>
+                  <a:off x="2810986" y="-67936"/>
+                  <a:ext cx="1192213" cy="1815882"/>
+                </a:xfrm>
+                <a:prstGeom prst="rect">
+                  <a:avLst/>
+                </a:prstGeom>
+                <a:noFill/>
+              </p:spPr>
+              <p:txBody>
+                <a:bodyPr wrap="square" rtlCol="0">
+                  <a:spAutoFit/>
+                </a:bodyPr>
+                <a:lstStyle/>
+                <a:p>
+                  <a:pPr/>
+                  <a14:m>
+                    <m:oMathPara xmlns:m="http://schemas.openxmlformats.org/officeDocument/2006/math">
+                      <m:oMathParaPr>
+                        <m:jc m:val="centerGroup"/>
+                      </m:oMathParaPr>
+                      <m:oMath xmlns:m="http://schemas.openxmlformats.org/officeDocument/2006/math">
+                        <m:sSub>
+                          <m:sSubPr>
+                            <m:ctrlPr>
+                              <a:rPr lang="en-US" sz="1400" i="1" smtClean="0">
+                                <a:latin typeface="Cambria Math" charset="0"/>
+                              </a:rPr>
+                            </m:ctrlPr>
+                          </m:sSubPr>
+                          <m:e>
+                            <m:r>
+                              <a:rPr lang="en-US" sz="1400" b="0" i="1" smtClean="0">
+                                <a:latin typeface="Cambria Math" charset="0"/>
+                              </a:rPr>
+                              <m:t>𝑏</m:t>
+                            </m:r>
+                          </m:e>
+                          <m:sub>
+                            <m:r>
+                              <a:rPr lang="en-US" sz="1400" b="0" i="1" smtClean="0">
+                                <a:latin typeface="Cambria Math" charset="0"/>
+                              </a:rPr>
+                              <m:t>01</m:t>
+                            </m:r>
+                          </m:sub>
+                        </m:sSub>
+                        <m:r>
+                          <a:rPr lang="en-US" sz="1400" b="0" i="1" smtClean="0">
+                            <a:latin typeface="Cambria Math" charset="0"/>
+                          </a:rPr>
+                          <m:t>=−</m:t>
+                        </m:r>
+                        <m:r>
+                          <a:rPr lang="en-US" sz="1400" b="0" i="1" smtClean="0">
+                            <a:latin typeface="Cambria Math" charset="0"/>
+                          </a:rPr>
+                          <m:t>4</m:t>
+                        </m:r>
+                        <m:r>
+                          <a:rPr lang="en-US" sz="1400" b="0" i="1" smtClean="0">
+                            <a:latin typeface="Cambria Math" charset="0"/>
+                          </a:rPr>
+                          <m:t>000</m:t>
+                        </m:r>
+                      </m:oMath>
+                    </m:oMathPara>
+                  </a14:m>
+                  <a:endParaRPr lang="en-US" sz="1400" b="0" dirty="0" smtClean="0"/>
+                </a:p>
+                <a:p>
+                  <a:pPr/>
+                  <a14:m>
+                    <m:oMathPara xmlns:m="http://schemas.openxmlformats.org/officeDocument/2006/math">
+                      <m:oMathParaPr>
+                        <m:jc m:val="centerGroup"/>
+                      </m:oMathParaPr>
+                      <m:oMath xmlns:m="http://schemas.openxmlformats.org/officeDocument/2006/math">
+                        <m:sSub>
+                          <m:sSubPr>
+                            <m:ctrlPr>
+                              <a:rPr lang="en-US" sz="1400" i="1" smtClean="0">
+                                <a:latin typeface="Cambria Math" charset="0"/>
+                              </a:rPr>
+                            </m:ctrlPr>
+                          </m:sSubPr>
+                          <m:e>
+                            <m:r>
+                              <a:rPr lang="en-US" sz="1400" b="0" i="1" smtClean="0">
+                                <a:latin typeface="Cambria Math" charset="0"/>
+                              </a:rPr>
+                              <m:t>𝑤</m:t>
+                            </m:r>
+                          </m:e>
+                          <m:sub>
+                            <m:r>
+                              <a:rPr lang="en-US" sz="1400" b="0" i="1" smtClean="0">
+                                <a:latin typeface="Cambria Math" charset="0"/>
+                              </a:rPr>
+                              <m:t>01</m:t>
+                            </m:r>
+                          </m:sub>
+                        </m:sSub>
+                        <m:r>
+                          <a:rPr lang="en-US" sz="1400" b="0" i="1" smtClean="0">
+                            <a:latin typeface="Cambria Math" charset="0"/>
+                          </a:rPr>
+                          <m:t>=10000</m:t>
+                        </m:r>
+                      </m:oMath>
+                    </m:oMathPara>
+                  </a14:m>
+                  <a:endParaRPr lang="en-US" sz="1400" b="0" dirty="0" smtClean="0"/>
+                </a:p>
+                <a:p>
+                  <a:pPr/>
+                  <a14:m>
+                    <m:oMathPara xmlns:m="http://schemas.openxmlformats.org/officeDocument/2006/math">
+                      <m:oMathParaPr>
+                        <m:jc m:val="centerGroup"/>
+                      </m:oMathParaPr>
+                      <m:oMath xmlns:m="http://schemas.openxmlformats.org/officeDocument/2006/math">
+                        <m:sSub>
+                          <m:sSubPr>
+                            <m:ctrlPr>
+                              <a:rPr lang="en-US" sz="1400" i="1" smtClean="0">
+                                <a:latin typeface="Cambria Math" charset="0"/>
+                              </a:rPr>
+                            </m:ctrlPr>
+                          </m:sSubPr>
+                          <m:e>
+                            <m:r>
+                              <a:rPr lang="en-US" sz="1400" b="0" i="1" smtClean="0">
+                                <a:latin typeface="Cambria Math" charset="0"/>
+                              </a:rPr>
+                              <m:t>𝑏</m:t>
+                            </m:r>
+                          </m:e>
+                          <m:sub>
+                            <m:r>
+                              <a:rPr lang="en-US" sz="1400" b="0" i="1" smtClean="0">
+                                <a:latin typeface="Cambria Math" charset="0"/>
+                              </a:rPr>
+                              <m:t>02</m:t>
+                            </m:r>
+                          </m:sub>
+                        </m:sSub>
+                        <m:r>
+                          <a:rPr lang="en-US" sz="1400" b="0" i="1" smtClean="0">
+                            <a:latin typeface="Cambria Math" charset="0"/>
+                          </a:rPr>
+                          <m:t>=−</m:t>
+                        </m:r>
+                        <m:r>
+                          <a:rPr lang="en-US" sz="1400" b="0" i="1" smtClean="0">
+                            <a:latin typeface="Cambria Math" charset="0"/>
+                          </a:rPr>
+                          <m:t>6</m:t>
+                        </m:r>
+                        <m:r>
+                          <a:rPr lang="en-US" sz="1400" b="0" i="1" smtClean="0">
+                            <a:latin typeface="Cambria Math" charset="0"/>
+                          </a:rPr>
+                          <m:t>000</m:t>
+                        </m:r>
+                      </m:oMath>
+                    </m:oMathPara>
+                  </a14:m>
+                  <a:endParaRPr lang="en-US" sz="1400" b="0" dirty="0" smtClean="0"/>
+                </a:p>
+                <a:p>
+                  <a:pPr/>
+                  <a14:m>
+                    <m:oMathPara xmlns:m="http://schemas.openxmlformats.org/officeDocument/2006/math">
+                      <m:oMathParaPr>
+                        <m:jc m:val="centerGroup"/>
+                      </m:oMathParaPr>
+                      <m:oMath xmlns:m="http://schemas.openxmlformats.org/officeDocument/2006/math">
+                        <m:sSub>
+                          <m:sSubPr>
+                            <m:ctrlPr>
+                              <a:rPr lang="en-US" sz="1400" i="1" smtClean="0">
+                                <a:latin typeface="Cambria Math" charset="0"/>
+                              </a:rPr>
+                            </m:ctrlPr>
+                          </m:sSubPr>
+                          <m:e>
+                            <m:r>
+                              <a:rPr lang="en-US" sz="1400" b="0" i="1" smtClean="0">
+                                <a:latin typeface="Cambria Math" charset="0"/>
+                              </a:rPr>
+                              <m:t>𝑤</m:t>
+                            </m:r>
+                          </m:e>
+                          <m:sub>
+                            <m:r>
+                              <a:rPr lang="en-US" sz="1400" b="0" i="1" smtClean="0">
+                                <a:latin typeface="Cambria Math" charset="0"/>
+                              </a:rPr>
+                              <m:t>02</m:t>
+                            </m:r>
+                          </m:sub>
+                        </m:sSub>
+                        <m:r>
+                          <a:rPr lang="en-US" sz="1400" b="0" i="1" smtClean="0">
+                            <a:latin typeface="Cambria Math" charset="0"/>
+                          </a:rPr>
+                          <m:t>=10000</m:t>
+                        </m:r>
+                      </m:oMath>
+                    </m:oMathPara>
+                  </a14:m>
+                  <a:endParaRPr lang="en-US" sz="1400" b="0" dirty="0" smtClean="0"/>
+                </a:p>
+                <a:p>
+                  <a:pPr/>
+                  <a14:m>
+                    <m:oMathPara xmlns:m="http://schemas.openxmlformats.org/officeDocument/2006/math">
+                      <m:oMathParaPr>
+                        <m:jc m:val="centerGroup"/>
+                      </m:oMathParaPr>
+                      <m:oMath xmlns:m="http://schemas.openxmlformats.org/officeDocument/2006/math">
+                        <m:sSub>
+                          <m:sSubPr>
+                            <m:ctrlPr>
+                              <a:rPr lang="en-US" sz="1400" i="1">
+                                <a:latin typeface="Cambria Math" charset="0"/>
+                              </a:rPr>
+                            </m:ctrlPr>
+                          </m:sSubPr>
+                          <m:e>
+                            <m:r>
+                              <a:rPr lang="en-US" sz="1400" i="1">
+                                <a:latin typeface="Cambria Math" charset="0"/>
+                              </a:rPr>
+                              <m:t>𝑏</m:t>
+                            </m:r>
+                          </m:e>
+                          <m:sub>
+                            <m:r>
+                              <a:rPr lang="en-US" sz="1400" i="1">
+                                <a:latin typeface="Cambria Math" charset="0"/>
+                              </a:rPr>
+                              <m:t>0</m:t>
+                            </m:r>
+                            <m:r>
+                              <a:rPr lang="en-US" sz="1400" b="0" i="1" smtClean="0">
+                                <a:latin typeface="Cambria Math" charset="0"/>
+                              </a:rPr>
+                              <m:t>3</m:t>
+                            </m:r>
+                          </m:sub>
+                        </m:sSub>
+                        <m:r>
+                          <a:rPr lang="en-US" sz="1400" i="1">
+                            <a:latin typeface="Cambria Math" charset="0"/>
+                          </a:rPr>
+                          <m:t>=−4000</m:t>
+                        </m:r>
+                      </m:oMath>
+                    </m:oMathPara>
+                  </a14:m>
+                  <a:endParaRPr lang="en-US" sz="1400" dirty="0"/>
+                </a:p>
+                <a:p>
+                  <a:pPr/>
+                  <a14:m>
+                    <m:oMathPara xmlns:m="http://schemas.openxmlformats.org/officeDocument/2006/math">
+                      <m:oMathParaPr>
+                        <m:jc m:val="centerGroup"/>
+                      </m:oMathParaPr>
+                      <m:oMath xmlns:m="http://schemas.openxmlformats.org/officeDocument/2006/math">
+                        <m:sSub>
+                          <m:sSubPr>
+                            <m:ctrlPr>
+                              <a:rPr lang="en-US" sz="1400" i="1">
+                                <a:latin typeface="Cambria Math" charset="0"/>
+                              </a:rPr>
+                            </m:ctrlPr>
+                          </m:sSubPr>
+                          <m:e>
+                            <m:r>
+                              <a:rPr lang="en-US" sz="1400" i="1">
+                                <a:latin typeface="Cambria Math" charset="0"/>
+                              </a:rPr>
+                              <m:t>𝑤</m:t>
+                            </m:r>
+                          </m:e>
+                          <m:sub>
+                            <m:r>
+                              <a:rPr lang="en-US" sz="1400" i="1">
+                                <a:latin typeface="Cambria Math" charset="0"/>
+                              </a:rPr>
+                              <m:t>0</m:t>
+                            </m:r>
+                            <m:r>
+                              <a:rPr lang="en-US" sz="1400" b="0" i="1" smtClean="0">
+                                <a:latin typeface="Cambria Math" charset="0"/>
+                              </a:rPr>
+                              <m:t>3</m:t>
+                            </m:r>
+                          </m:sub>
+                        </m:sSub>
+                        <m:r>
+                          <a:rPr lang="en-US" sz="1400" i="1">
+                            <a:latin typeface="Cambria Math" charset="0"/>
+                          </a:rPr>
+                          <m:t>=10000</m:t>
+                        </m:r>
+                      </m:oMath>
+                    </m:oMathPara>
+                  </a14:m>
+                  <a:endParaRPr lang="en-US" sz="1400" dirty="0"/>
+                </a:p>
+                <a:p>
+                  <a:pPr/>
+                  <a14:m>
+                    <m:oMathPara xmlns:m="http://schemas.openxmlformats.org/officeDocument/2006/math">
+                      <m:oMathParaPr>
+                        <m:jc m:val="centerGroup"/>
+                      </m:oMathParaPr>
+                      <m:oMath xmlns:m="http://schemas.openxmlformats.org/officeDocument/2006/math">
+                        <m:sSub>
+                          <m:sSubPr>
+                            <m:ctrlPr>
+                              <a:rPr lang="en-US" sz="1400" i="1">
+                                <a:latin typeface="Cambria Math" charset="0"/>
+                              </a:rPr>
+                            </m:ctrlPr>
+                          </m:sSubPr>
+                          <m:e>
+                            <m:r>
+                              <a:rPr lang="en-US" sz="1400" i="1">
+                                <a:latin typeface="Cambria Math" charset="0"/>
+                              </a:rPr>
+                              <m:t>𝑏</m:t>
+                            </m:r>
+                          </m:e>
+                          <m:sub>
+                            <m:r>
+                              <a:rPr lang="en-US" sz="1400" i="1">
+                                <a:latin typeface="Cambria Math" charset="0"/>
+                              </a:rPr>
+                              <m:t>0</m:t>
+                            </m:r>
+                            <m:r>
+                              <a:rPr lang="en-US" sz="1400" b="0" i="1" smtClean="0">
+                                <a:latin typeface="Cambria Math" charset="0"/>
+                              </a:rPr>
+                              <m:t>4</m:t>
+                            </m:r>
+                          </m:sub>
+                        </m:sSub>
+                        <m:r>
+                          <a:rPr lang="en-US" sz="1400" i="1">
+                            <a:latin typeface="Cambria Math" charset="0"/>
+                          </a:rPr>
+                          <m:t>=−6000</m:t>
+                        </m:r>
+                      </m:oMath>
+                    </m:oMathPara>
+                  </a14:m>
+                  <a:endParaRPr lang="en-US" sz="1400" dirty="0"/>
+                </a:p>
+                <a:p>
+                  <a:pPr/>
+                  <a14:m>
+                    <m:oMathPara xmlns:m="http://schemas.openxmlformats.org/officeDocument/2006/math">
+                      <m:oMathParaPr>
+                        <m:jc m:val="centerGroup"/>
+                      </m:oMathParaPr>
+                      <m:oMath xmlns:m="http://schemas.openxmlformats.org/officeDocument/2006/math">
+                        <m:sSub>
+                          <m:sSubPr>
+                            <m:ctrlPr>
+                              <a:rPr lang="en-US" sz="1400" i="1">
+                                <a:latin typeface="Cambria Math" charset="0"/>
+                              </a:rPr>
+                            </m:ctrlPr>
+                          </m:sSubPr>
+                          <m:e>
+                            <m:r>
+                              <a:rPr lang="en-US" sz="1400" i="1">
+                                <a:latin typeface="Cambria Math" charset="0"/>
+                              </a:rPr>
+                              <m:t>𝑤</m:t>
+                            </m:r>
+                          </m:e>
+                          <m:sub>
+                            <m:r>
+                              <a:rPr lang="en-US" sz="1400" i="1">
+                                <a:latin typeface="Cambria Math" charset="0"/>
+                              </a:rPr>
+                              <m:t>0</m:t>
+                            </m:r>
+                            <m:r>
+                              <a:rPr lang="en-US" sz="1400" b="0" i="1" smtClean="0">
+                                <a:latin typeface="Cambria Math" charset="0"/>
+                              </a:rPr>
+                              <m:t>4</m:t>
+                            </m:r>
+                          </m:sub>
+                        </m:sSub>
+                        <m:r>
+                          <a:rPr lang="en-US" sz="1400" i="1">
+                            <a:latin typeface="Cambria Math" charset="0"/>
+                          </a:rPr>
+                          <m:t>=10000</m:t>
+                        </m:r>
+                      </m:oMath>
+                    </m:oMathPara>
+                  </a14:m>
+                  <a:endParaRPr lang="en-US" sz="1400" dirty="0"/>
+                </a:p>
+              </p:txBody>
+            </p:sp>
+          </mc:Choice>
+          <mc:Fallback>
+            <p:sp>
+              <p:nvSpPr>
+                <p:cNvPr id="42" name="TextBox 41"/>
+                <p:cNvSpPr txBox="1">
+                  <a:spLocks noRot="1" noChangeAspect="1" noMove="1" noResize="1" noEditPoints="1" noAdjustHandles="1" noChangeArrowheads="1" noChangeShapeType="1" noTextEdit="1"/>
+                </p:cNvSpPr>
+                <p:nvPr/>
+              </p:nvSpPr>
+              <p:spPr>
+                <a:xfrm>
+                  <a:off x="2810986" y="-67936"/>
+                  <a:ext cx="1192213" cy="1815882"/>
+                </a:xfrm>
+                <a:prstGeom prst="rect">
+                  <a:avLst/>
+                </a:prstGeom>
+                <a:blipFill rotWithShape="0">
+                  <a:blip r:embed="rId2"/>
+                  <a:stretch>
+                    <a:fillRect/>
+                  </a:stretch>
+                </a:blipFill>
+              </p:spPr>
+              <p:txBody>
+                <a:bodyPr/>
+                <a:lstStyle/>
+                <a:p>
+                  <a:r>
+                    <a:rPr lang="en-US">
+                      <a:noFill/>
+                    </a:rPr>
+                    <a:t> </a:t>
+                  </a:r>
+                </a:p>
+              </p:txBody>
+            </p:sp>
+          </mc:Fallback>
+        </mc:AlternateContent>
+        <p:sp>
+          <p:nvSpPr>
+            <p:cNvPr id="4" name="Oval 3"/>
+            <p:cNvSpPr/>
+            <p:nvPr/>
+          </p:nvSpPr>
+          <p:spPr>
+            <a:xfrm>
+              <a:off x="571336" y="2832328"/>
+              <a:ext cx="868551" cy="848702"/>
+            </a:xfrm>
+            <a:prstGeom prst="ellipse">
+              <a:avLst/>
+            </a:prstGeom>
+            <a:noFill/>
+            <a:ln w="28575">
+              <a:solidFill>
+                <a:schemeClr val="tx1"/>
+              </a:solidFill>
+            </a:ln>
+          </p:spPr>
+          <p:style>
+            <a:lnRef idx="2">
+              <a:schemeClr val="accent1">
+                <a:shade val="50000"/>
+              </a:schemeClr>
+            </a:lnRef>
+            <a:fillRef idx="1">
+              <a:schemeClr val="accent1"/>
+            </a:fillRef>
+            <a:effectRef idx="0">
+              <a:schemeClr val="accent1"/>
+            </a:effectRef>
+            <a:fontRef idx="minor">
+              <a:schemeClr val="lt1"/>
+            </a:fontRef>
+          </p:style>
+          <p:txBody>
+            <a:bodyPr rtlCol="0" anchor="ctr"/>
+            <a:lstStyle/>
+            <a:p>
+              <a:pPr algn="ctr"/>
+              <a:r>
+                <a:rPr lang="en-US" sz="1400" dirty="0" smtClean="0">
+                  <a:solidFill>
+                    <a:schemeClr val="tx1"/>
+                  </a:solidFill>
+                </a:rPr>
+                <a:t>x1</a:t>
+              </a:r>
+              <a:endParaRPr lang="en-US" sz="1400" dirty="0">
+                <a:solidFill>
+                  <a:schemeClr val="tx1"/>
+                </a:solidFill>
+              </a:endParaRPr>
+            </a:p>
+          </p:txBody>
+        </p:sp>
+        <p:sp>
+          <p:nvSpPr>
+            <p:cNvPr id="5" name="Oval 4"/>
+            <p:cNvSpPr/>
+            <p:nvPr/>
+          </p:nvSpPr>
+          <p:spPr>
+            <a:xfrm>
+              <a:off x="6882599" y="4062346"/>
+              <a:ext cx="3133760" cy="1244445"/>
+            </a:xfrm>
+            <a:prstGeom prst="ellipse">
+              <a:avLst/>
+            </a:prstGeom>
+            <a:noFill/>
+            <a:ln w="28575">
+              <a:solidFill>
+                <a:schemeClr val="tx1"/>
+              </a:solidFill>
+            </a:ln>
+          </p:spPr>
+          <p:style>
+            <a:lnRef idx="2">
+              <a:schemeClr val="accent1">
+                <a:shade val="50000"/>
+              </a:schemeClr>
+            </a:lnRef>
+            <a:fillRef idx="1">
+              <a:schemeClr val="accent1"/>
+            </a:fillRef>
+            <a:effectRef idx="0">
+              <a:schemeClr val="accent1"/>
+            </a:effectRef>
+            <a:fontRef idx="minor">
+              <a:schemeClr val="lt1"/>
+            </a:fontRef>
+          </p:style>
+          <p:txBody>
+            <a:bodyPr rtlCol="0" anchor="ctr"/>
+            <a:lstStyle/>
+            <a:p>
+              <a:pPr algn="ctr"/>
+              <a:endParaRPr lang="en-US"/>
+            </a:p>
+          </p:txBody>
+        </p:sp>
+        <p:sp>
+          <p:nvSpPr>
+            <p:cNvPr id="6" name="Oval 5"/>
+            <p:cNvSpPr/>
+            <p:nvPr/>
+          </p:nvSpPr>
+          <p:spPr>
+            <a:xfrm>
+              <a:off x="2302692" y="1902371"/>
+              <a:ext cx="3719011" cy="1041353"/>
+            </a:xfrm>
+            <a:prstGeom prst="ellipse">
+              <a:avLst/>
+            </a:prstGeom>
+            <a:noFill/>
+            <a:ln w="28575">
+              <a:solidFill>
+                <a:schemeClr val="tx1"/>
+              </a:solidFill>
+            </a:ln>
+          </p:spPr>
+          <p:style>
+            <a:lnRef idx="2">
+              <a:schemeClr val="accent1">
+                <a:shade val="50000"/>
+              </a:schemeClr>
+            </a:lnRef>
+            <a:fillRef idx="1">
+              <a:schemeClr val="accent1"/>
+            </a:fillRef>
+            <a:effectRef idx="0">
+              <a:schemeClr val="accent1"/>
+            </a:effectRef>
+            <a:fontRef idx="minor">
+              <a:schemeClr val="lt1"/>
+            </a:fontRef>
+          </p:style>
+          <p:txBody>
+            <a:bodyPr rtlCol="0" anchor="ctr"/>
+            <a:lstStyle/>
+            <a:p>
+              <a:pPr algn="ctr"/>
+              <a:endParaRPr lang="en-US">
+                <a:solidFill>
+                  <a:schemeClr val="tx1"/>
+                </a:solidFill>
+              </a:endParaRPr>
+            </a:p>
+          </p:txBody>
+        </p:sp>
+        <p:cxnSp>
+          <p:nvCxnSpPr>
+            <p:cNvPr id="11" name="Straight Connector 10"/>
+            <p:cNvCxnSpPr>
+              <a:stCxn id="6" idx="0"/>
+              <a:endCxn id="6" idx="4"/>
+            </p:cNvCxnSpPr>
+            <p:nvPr/>
+          </p:nvCxnSpPr>
+          <p:spPr>
+            <a:xfrm>
+              <a:off x="4162198" y="1902371"/>
+              <a:ext cx="0" cy="1041353"/>
+            </a:xfrm>
+            <a:prstGeom prst="line">
+              <a:avLst/>
+            </a:prstGeom>
+            <a:ln w="12700">
+              <a:solidFill>
+                <a:schemeClr val="tx1"/>
+              </a:solidFill>
+            </a:ln>
+          </p:spPr>
+          <p:style>
+            <a:lnRef idx="1">
+              <a:schemeClr val="accent1"/>
+            </a:lnRef>
+            <a:fillRef idx="0">
+              <a:schemeClr val="accent1"/>
+            </a:fillRef>
+            <a:effectRef idx="0">
+              <a:schemeClr val="accent1"/>
+            </a:effectRef>
+            <a:fontRef idx="minor">
+              <a:schemeClr val="tx1"/>
+            </a:fontRef>
+          </p:style>
+        </p:cxnSp>
+        <mc:AlternateContent xmlns:mc="http://schemas.openxmlformats.org/markup-compatibility/2006">
+          <mc:Choice xmlns:a14="http://schemas.microsoft.com/office/drawing/2010/main" Requires="a14">
+            <p:sp>
+              <p:nvSpPr>
+                <p:cNvPr id="12" name="TextBox 11"/>
+                <p:cNvSpPr txBox="1"/>
+                <p:nvPr/>
+              </p:nvSpPr>
+              <p:spPr>
+                <a:xfrm>
+                  <a:off x="2786239" y="2237258"/>
+                  <a:ext cx="1421541" cy="299310"/>
+                </a:xfrm>
+                <a:prstGeom prst="rect">
+                  <a:avLst/>
+                </a:prstGeom>
+                <a:noFill/>
+              </p:spPr>
+              <p:txBody>
+                <a:bodyPr wrap="square" rtlCol="0">
+                  <a:spAutoFit/>
+                </a:bodyPr>
+                <a:lstStyle/>
+                <a:p>
+                  <a14:m>
+                    <m:oMath xmlns:m="http://schemas.openxmlformats.org/officeDocument/2006/math">
+                      <m:sSub>
+                        <m:sSubPr>
+                          <m:ctrlPr>
+                            <a:rPr lang="en-US" sz="1400" i="1" smtClean="0">
+                              <a:latin typeface="Cambria Math" charset="0"/>
+                            </a:rPr>
+                          </m:ctrlPr>
+                        </m:sSubPr>
+                        <m:e>
+                          <m:r>
+                            <a:rPr lang="en-US" sz="1400" b="0" i="1" smtClean="0">
+                              <a:latin typeface="Cambria Math" charset="0"/>
+                            </a:rPr>
+                            <m:t>𝑏</m:t>
+                          </m:r>
+                        </m:e>
+                        <m:sub>
+                          <m:r>
+                            <a:rPr lang="en-US" sz="1400" b="0" i="1" smtClean="0">
+                              <a:latin typeface="Cambria Math" charset="0"/>
+                            </a:rPr>
+                            <m:t>01</m:t>
+                          </m:r>
+                        </m:sub>
+                      </m:sSub>
+                    </m:oMath>
+                  </a14:m>
+                  <a:r>
+                    <a:rPr lang="en-US" sz="1400" dirty="0" smtClean="0"/>
+                    <a:t> + </a:t>
+                  </a:r>
+                  <a14:m>
+                    <m:oMath xmlns:m="http://schemas.openxmlformats.org/officeDocument/2006/math">
+                      <m:sSub>
+                        <m:sSubPr>
+                          <m:ctrlPr>
+                            <a:rPr lang="en-US" sz="1400" i="1" smtClean="0">
+                              <a:latin typeface="Cambria Math" charset="0"/>
+                            </a:rPr>
+                          </m:ctrlPr>
+                        </m:sSubPr>
+                        <m:e>
+                          <m:r>
+                            <a:rPr lang="en-US" sz="1400" b="0" i="1" smtClean="0">
+                              <a:latin typeface="Cambria Math" charset="0"/>
+                            </a:rPr>
+                            <m:t>𝑤</m:t>
+                          </m:r>
+                        </m:e>
+                        <m:sub>
+                          <m:r>
+                            <a:rPr lang="en-US" sz="1400" b="0" i="1" smtClean="0">
+                              <a:latin typeface="Cambria Math" charset="0"/>
+                            </a:rPr>
+                            <m:t>01</m:t>
+                          </m:r>
+                        </m:sub>
+                      </m:sSub>
+                    </m:oMath>
+                  </a14:m>
+                  <a:r>
+                    <a:rPr lang="en-US" sz="1400" dirty="0" smtClean="0"/>
+                    <a:t>x1</a:t>
+                  </a:r>
+                  <a:endParaRPr lang="en-US" sz="1400" dirty="0"/>
+                </a:p>
+              </p:txBody>
+            </p:sp>
+          </mc:Choice>
+          <mc:Fallback>
+            <p:sp>
+              <p:nvSpPr>
+                <p:cNvPr id="12" name="TextBox 11"/>
+                <p:cNvSpPr txBox="1">
+                  <a:spLocks noRot="1" noChangeAspect="1" noMove="1" noResize="1" noEditPoints="1" noAdjustHandles="1" noChangeArrowheads="1" noChangeShapeType="1" noTextEdit="1"/>
+                </p:cNvSpPr>
+                <p:nvPr/>
+              </p:nvSpPr>
+              <p:spPr>
+                <a:xfrm>
+                  <a:off x="2786239" y="2237258"/>
+                  <a:ext cx="1421541" cy="299310"/>
+                </a:xfrm>
+                <a:prstGeom prst="rect">
+                  <a:avLst/>
+                </a:prstGeom>
+                <a:blipFill rotWithShape="0">
+                  <a:blip r:embed="rId3"/>
+                  <a:stretch>
+                    <a:fillRect t="-4082" b="-24490"/>
+                  </a:stretch>
+                </a:blipFill>
+              </p:spPr>
+              <p:txBody>
+                <a:bodyPr/>
+                <a:lstStyle/>
+                <a:p>
+                  <a:r>
+                    <a:rPr lang="en-US">
+                      <a:noFill/>
+                    </a:rPr>
+                    <a:t> </a:t>
+                  </a:r>
+                </a:p>
+              </p:txBody>
+            </p:sp>
+          </mc:Fallback>
+        </mc:AlternateContent>
+        <mc:AlternateContent xmlns:mc="http://schemas.openxmlformats.org/markup-compatibility/2006">
+          <mc:Choice xmlns:a14="http://schemas.microsoft.com/office/drawing/2010/main" Requires="a14">
+            <p:sp>
+              <p:nvSpPr>
+                <p:cNvPr id="14" name="TextBox 13"/>
+                <p:cNvSpPr txBox="1"/>
+                <p:nvPr/>
+              </p:nvSpPr>
+              <p:spPr>
+                <a:xfrm>
+                  <a:off x="4162198" y="2249135"/>
+                  <a:ext cx="1891762" cy="299310"/>
+                </a:xfrm>
+                <a:prstGeom prst="rect">
+                  <a:avLst/>
+                </a:prstGeom>
+                <a:noFill/>
+              </p:spPr>
+              <p:txBody>
+                <a:bodyPr wrap="square" rtlCol="0">
+                  <a:spAutoFit/>
+                </a:bodyPr>
+                <a:lstStyle/>
+                <a:p>
+                  <a:pPr/>
+                  <a14:m>
+                    <m:oMathPara xmlns:m="http://schemas.openxmlformats.org/officeDocument/2006/math">
+                      <m:oMathParaPr>
+                        <m:jc m:val="centerGroup"/>
+                      </m:oMathParaPr>
+                      <m:oMath xmlns:m="http://schemas.openxmlformats.org/officeDocument/2006/math">
+                        <m:sSub>
+                          <m:sSubPr>
+                            <m:ctrlPr>
+                              <a:rPr lang="en-US" sz="1400" i="1" smtClean="0">
+                                <a:latin typeface="Cambria Math" charset="0"/>
+                                <a:ea typeface="Cambria Math" charset="0"/>
+                                <a:cs typeface="Cambria Math" charset="0"/>
+                              </a:rPr>
+                            </m:ctrlPr>
+                          </m:sSubPr>
+                          <m:e>
+                            <m:r>
+                              <a:rPr lang="en-US" sz="1400" b="0" i="1" smtClean="0">
+                                <a:latin typeface="Cambria Math" charset="0"/>
+                                <a:ea typeface="Cambria Math" charset="0"/>
+                                <a:cs typeface="Cambria Math" charset="0"/>
+                              </a:rPr>
+                              <m:t>𝑦</m:t>
+                            </m:r>
+                          </m:e>
+                          <m:sub>
+                            <m:r>
+                              <a:rPr lang="en-US" sz="1400" b="0" i="1" smtClean="0">
+                                <a:latin typeface="Cambria Math" charset="0"/>
+                                <a:ea typeface="Cambria Math" charset="0"/>
+                                <a:cs typeface="Cambria Math" charset="0"/>
+                              </a:rPr>
+                              <m:t>1</m:t>
+                            </m:r>
+                          </m:sub>
+                        </m:sSub>
+                        <m:r>
+                          <a:rPr lang="en-US" sz="1400" b="0" i="1" smtClean="0">
+                            <a:latin typeface="Cambria Math" charset="0"/>
+                            <a:ea typeface="Cambria Math" charset="0"/>
+                            <a:cs typeface="Cambria Math" charset="0"/>
+                          </a:rPr>
+                          <m:t>= </m:t>
+                        </m:r>
+                        <m:r>
+                          <a:rPr lang="en-US" sz="1400" i="1" smtClean="0">
+                            <a:latin typeface="Cambria Math" charset="0"/>
+                            <a:ea typeface="Cambria Math" charset="0"/>
+                            <a:cs typeface="Cambria Math" charset="0"/>
+                          </a:rPr>
+                          <m:t>𝜎</m:t>
+                        </m:r>
+                        <m:r>
+                          <a:rPr lang="en-US" sz="1400" b="0" i="1" smtClean="0">
+                            <a:latin typeface="Cambria Math" charset="0"/>
+                            <a:ea typeface="Cambria Math" charset="0"/>
+                            <a:cs typeface="Cambria Math" charset="0"/>
+                          </a:rPr>
+                          <m:t>(</m:t>
+                        </m:r>
+                        <m:sSub>
+                          <m:sSubPr>
+                            <m:ctrlPr>
+                              <a:rPr lang="en-US" sz="1400" i="1" smtClean="0">
+                                <a:latin typeface="Cambria Math" charset="0"/>
+                              </a:rPr>
+                            </m:ctrlPr>
+                          </m:sSubPr>
+                          <m:e>
+                            <m:r>
+                              <a:rPr lang="en-US" sz="1400" b="0" i="1" smtClean="0">
+                                <a:latin typeface="Cambria Math" charset="0"/>
+                              </a:rPr>
+                              <m:t>𝑏</m:t>
+                            </m:r>
+                          </m:e>
+                          <m:sub>
+                            <m:r>
+                              <a:rPr lang="en-US" sz="1400" b="0" i="1" smtClean="0">
+                                <a:latin typeface="Cambria Math" charset="0"/>
+                              </a:rPr>
+                              <m:t>01</m:t>
+                            </m:r>
+                          </m:sub>
+                        </m:sSub>
+                        <m:r>
+                          <m:rPr>
+                            <m:nor/>
+                          </m:rPr>
+                          <a:rPr lang="en-US" sz="1400" dirty="0" smtClean="0"/>
+                          <m:t> + </m:t>
+                        </m:r>
+                        <m:sSub>
+                          <m:sSubPr>
+                            <m:ctrlPr>
+                              <a:rPr lang="en-US" sz="1400" i="1" smtClean="0">
+                                <a:latin typeface="Cambria Math" charset="0"/>
+                              </a:rPr>
+                            </m:ctrlPr>
+                          </m:sSubPr>
+                          <m:e>
+                            <m:r>
+                              <a:rPr lang="en-US" sz="1400" b="0" i="1" smtClean="0">
+                                <a:latin typeface="Cambria Math" charset="0"/>
+                              </a:rPr>
+                              <m:t>𝑤</m:t>
+                            </m:r>
+                          </m:e>
+                          <m:sub>
+                            <m:r>
+                              <a:rPr lang="en-US" sz="1400" b="0" i="1" smtClean="0">
+                                <a:latin typeface="Cambria Math" charset="0"/>
+                              </a:rPr>
+                              <m:t>01</m:t>
+                            </m:r>
+                          </m:sub>
+                        </m:sSub>
+                        <m:r>
+                          <m:rPr>
+                            <m:nor/>
+                          </m:rPr>
+                          <a:rPr lang="en-US" sz="1400" dirty="0" smtClean="0"/>
+                          <m:t>x</m:t>
+                        </m:r>
+                        <m:r>
+                          <a:rPr lang="en-US" sz="1400" b="0" i="1" dirty="0" smtClean="0">
+                            <a:latin typeface="Cambria Math" charset="0"/>
+                          </a:rPr>
+                          <m:t>1</m:t>
+                        </m:r>
+                        <m:r>
+                          <a:rPr lang="en-US" sz="1400" b="0" i="1" smtClean="0">
+                            <a:latin typeface="Cambria Math" charset="0"/>
+                            <a:ea typeface="Cambria Math" charset="0"/>
+                            <a:cs typeface="Cambria Math" charset="0"/>
+                          </a:rPr>
+                          <m:t>)</m:t>
+                        </m:r>
+                      </m:oMath>
+                    </m:oMathPara>
+                  </a14:m>
+                  <a:endParaRPr lang="en-US" sz="1400" dirty="0"/>
+                </a:p>
+              </p:txBody>
+            </p:sp>
+          </mc:Choice>
+          <mc:Fallback>
+            <p:sp>
+              <p:nvSpPr>
+                <p:cNvPr id="14" name="TextBox 13"/>
+                <p:cNvSpPr txBox="1">
+                  <a:spLocks noRot="1" noChangeAspect="1" noMove="1" noResize="1" noEditPoints="1" noAdjustHandles="1" noChangeArrowheads="1" noChangeShapeType="1" noTextEdit="1"/>
+                </p:cNvSpPr>
+                <p:nvPr/>
+              </p:nvSpPr>
+              <p:spPr>
+                <a:xfrm>
+                  <a:off x="4162198" y="2249135"/>
+                  <a:ext cx="1891762" cy="299310"/>
+                </a:xfrm>
+                <a:prstGeom prst="rect">
+                  <a:avLst/>
+                </a:prstGeom>
+                <a:blipFill rotWithShape="0">
+                  <a:blip r:embed="rId4"/>
+                  <a:stretch>
+                    <a:fillRect t="-87755" b="-114286"/>
+                  </a:stretch>
+                </a:blipFill>
+              </p:spPr>
+              <p:txBody>
+                <a:bodyPr/>
+                <a:lstStyle/>
+                <a:p>
+                  <a:r>
+                    <a:rPr lang="en-US">
+                      <a:noFill/>
+                    </a:rPr>
+                    <a:t> </a:t>
+                  </a:r>
+                </a:p>
+              </p:txBody>
+            </p:sp>
+          </mc:Fallback>
+        </mc:AlternateContent>
+        <p:sp>
+          <p:nvSpPr>
+            <p:cNvPr id="24" name="Oval 23"/>
+            <p:cNvSpPr/>
+            <p:nvPr/>
+          </p:nvSpPr>
+          <p:spPr>
+            <a:xfrm>
+              <a:off x="2335874" y="3300297"/>
+              <a:ext cx="3654135" cy="1143365"/>
+            </a:xfrm>
+            <a:prstGeom prst="ellipse">
+              <a:avLst/>
+            </a:prstGeom>
+            <a:noFill/>
+            <a:ln w="28575">
+              <a:solidFill>
+                <a:schemeClr val="tx1"/>
+              </a:solidFill>
+            </a:ln>
+          </p:spPr>
+          <p:style>
+            <a:lnRef idx="2">
+              <a:schemeClr val="accent1">
+                <a:shade val="50000"/>
+              </a:schemeClr>
+            </a:lnRef>
+            <a:fillRef idx="1">
+              <a:schemeClr val="accent1"/>
+            </a:fillRef>
+            <a:effectRef idx="0">
+              <a:schemeClr val="accent1"/>
+            </a:effectRef>
+            <a:fontRef idx="minor">
+              <a:schemeClr val="lt1"/>
+            </a:fontRef>
+          </p:style>
+          <p:txBody>
+            <a:bodyPr rtlCol="0" anchor="ctr"/>
+            <a:lstStyle/>
+            <a:p>
+              <a:pPr algn="ctr"/>
+              <a:endParaRPr lang="en-US">
+                <a:solidFill>
+                  <a:schemeClr val="tx1"/>
+                </a:solidFill>
+              </a:endParaRPr>
+            </a:p>
+          </p:txBody>
+        </p:sp>
+        <p:cxnSp>
+          <p:nvCxnSpPr>
+            <p:cNvPr id="25" name="Straight Connector 24"/>
+            <p:cNvCxnSpPr>
+              <a:stCxn id="27" idx="0"/>
+              <a:endCxn id="27" idx="4"/>
+            </p:cNvCxnSpPr>
+            <p:nvPr/>
+          </p:nvCxnSpPr>
+          <p:spPr>
+            <a:xfrm>
+              <a:off x="4162942" y="3300297"/>
+              <a:ext cx="0" cy="1143365"/>
+            </a:xfrm>
+            <a:prstGeom prst="line">
+              <a:avLst/>
+            </a:prstGeom>
+            <a:ln w="12700">
+              <a:solidFill>
+                <a:schemeClr val="tx1"/>
+              </a:solidFill>
+            </a:ln>
+          </p:spPr>
+          <p:style>
+            <a:lnRef idx="1">
+              <a:schemeClr val="accent1"/>
+            </a:lnRef>
+            <a:fillRef idx="0">
+              <a:schemeClr val="accent1"/>
+            </a:fillRef>
+            <a:effectRef idx="0">
+              <a:schemeClr val="accent1"/>
+            </a:effectRef>
+            <a:fontRef idx="minor">
+              <a:schemeClr val="tx1"/>
+            </a:fontRef>
+          </p:style>
+        </p:cxnSp>
+        <mc:AlternateContent xmlns:mc="http://schemas.openxmlformats.org/markup-compatibility/2006">
+          <mc:Choice xmlns:a14="http://schemas.microsoft.com/office/drawing/2010/main" Requires="a14">
+            <p:sp>
+              <p:nvSpPr>
+                <p:cNvPr id="26" name="TextBox 25"/>
+                <p:cNvSpPr txBox="1"/>
+                <p:nvPr/>
+              </p:nvSpPr>
+              <p:spPr>
+                <a:xfrm>
+                  <a:off x="2810986" y="3667990"/>
+                  <a:ext cx="1396743" cy="394357"/>
+                </a:xfrm>
+                <a:prstGeom prst="rect">
+                  <a:avLst/>
+                </a:prstGeom>
+                <a:noFill/>
+              </p:spPr>
+              <p:txBody>
+                <a:bodyPr wrap="square" rtlCol="0">
+                  <a:spAutoFit/>
+                </a:bodyPr>
+                <a:lstStyle/>
+                <a:p>
+                  <a14:m>
+                    <m:oMath xmlns:m="http://schemas.openxmlformats.org/officeDocument/2006/math">
+                      <m:sSub>
+                        <m:sSubPr>
+                          <m:ctrlPr>
+                            <a:rPr lang="en-US" sz="1400" i="1" smtClean="0">
+                              <a:latin typeface="Cambria Math" charset="0"/>
+                            </a:rPr>
+                          </m:ctrlPr>
+                        </m:sSubPr>
+                        <m:e>
+                          <m:r>
+                            <a:rPr lang="en-US" sz="1400" b="0" i="1" smtClean="0">
+                              <a:latin typeface="Cambria Math" charset="0"/>
+                            </a:rPr>
+                            <m:t>𝑏</m:t>
+                          </m:r>
+                        </m:e>
+                        <m:sub>
+                          <m:r>
+                            <a:rPr lang="en-US" sz="1400" b="0" i="1" smtClean="0">
+                              <a:latin typeface="Cambria Math" charset="0"/>
+                            </a:rPr>
+                            <m:t>02</m:t>
+                          </m:r>
+                        </m:sub>
+                      </m:sSub>
+                    </m:oMath>
+                  </a14:m>
+                  <a:r>
+                    <a:rPr lang="en-US" sz="1400" dirty="0" smtClean="0"/>
+                    <a:t> + </a:t>
+                  </a:r>
+                  <a14:m>
+                    <m:oMath xmlns:m="http://schemas.openxmlformats.org/officeDocument/2006/math">
+                      <m:sSub>
+                        <m:sSubPr>
+                          <m:ctrlPr>
+                            <a:rPr lang="en-US" sz="1400" i="1" smtClean="0">
+                              <a:latin typeface="Cambria Math" charset="0"/>
+                            </a:rPr>
+                          </m:ctrlPr>
+                        </m:sSubPr>
+                        <m:e>
+                          <m:r>
+                            <a:rPr lang="en-US" sz="1400" b="0" i="1" smtClean="0">
+                              <a:latin typeface="Cambria Math" charset="0"/>
+                            </a:rPr>
+                            <m:t>𝑤</m:t>
+                          </m:r>
+                        </m:e>
+                        <m:sub>
+                          <m:r>
+                            <a:rPr lang="en-US" sz="1400" b="0" i="1" smtClean="0">
+                              <a:latin typeface="Cambria Math" charset="0"/>
+                            </a:rPr>
+                            <m:t>02</m:t>
+                          </m:r>
+                        </m:sub>
+                      </m:sSub>
+                    </m:oMath>
+                  </a14:m>
+                  <a:r>
+                    <a:rPr lang="en-US" sz="1400" dirty="0" smtClean="0"/>
+                    <a:t>x1</a:t>
+                  </a:r>
+                  <a:endParaRPr lang="en-US" sz="1400" dirty="0"/>
+                </a:p>
+              </p:txBody>
+            </p:sp>
+          </mc:Choice>
+          <mc:Fallback>
+            <p:sp>
+              <p:nvSpPr>
+                <p:cNvPr id="26" name="TextBox 25"/>
+                <p:cNvSpPr txBox="1">
+                  <a:spLocks noRot="1" noChangeAspect="1" noMove="1" noResize="1" noEditPoints="1" noAdjustHandles="1" noChangeArrowheads="1" noChangeShapeType="1" noTextEdit="1"/>
+                </p:cNvSpPr>
+                <p:nvPr/>
+              </p:nvSpPr>
+              <p:spPr>
+                <a:xfrm>
+                  <a:off x="2810986" y="3667990"/>
+                  <a:ext cx="1396743" cy="394357"/>
+                </a:xfrm>
+                <a:prstGeom prst="rect">
+                  <a:avLst/>
+                </a:prstGeom>
+                <a:blipFill rotWithShape="0">
+                  <a:blip r:embed="rId5"/>
+                  <a:stretch>
+                    <a:fillRect t="-3125"/>
+                  </a:stretch>
+                </a:blipFill>
+              </p:spPr>
+              <p:txBody>
+                <a:bodyPr/>
+                <a:lstStyle/>
+                <a:p>
+                  <a:r>
+                    <a:rPr lang="en-US">
+                      <a:noFill/>
+                    </a:rPr>
+                    <a:t> </a:t>
+                  </a:r>
+                </a:p>
+              </p:txBody>
+            </p:sp>
+          </mc:Fallback>
+        </mc:AlternateContent>
+        <mc:AlternateContent xmlns:mc="http://schemas.openxmlformats.org/markup-compatibility/2006">
+          <mc:Choice xmlns:a14="http://schemas.microsoft.com/office/drawing/2010/main" Requires="a14">
+            <p:sp>
+              <p:nvSpPr>
+                <p:cNvPr id="27" name="TextBox 26"/>
+                <p:cNvSpPr txBox="1"/>
+                <p:nvPr/>
+              </p:nvSpPr>
+              <p:spPr>
+                <a:xfrm>
+                  <a:off x="4162942" y="3681030"/>
+                  <a:ext cx="1858761" cy="394357"/>
+                </a:xfrm>
+                <a:prstGeom prst="rect">
+                  <a:avLst/>
+                </a:prstGeom>
+                <a:noFill/>
+              </p:spPr>
+              <p:txBody>
+                <a:bodyPr wrap="square" rtlCol="0">
+                  <a:spAutoFit/>
+                </a:bodyPr>
+                <a:lstStyle/>
+                <a:p>
+                  <a:pPr/>
+                  <a14:m>
+                    <m:oMathPara xmlns:m="http://schemas.openxmlformats.org/officeDocument/2006/math">
+                      <m:oMathParaPr>
+                        <m:jc m:val="centerGroup"/>
+                      </m:oMathParaPr>
+                      <m:oMath xmlns:m="http://schemas.openxmlformats.org/officeDocument/2006/math">
+                        <m:sSub>
+                          <m:sSubPr>
+                            <m:ctrlPr>
+                              <a:rPr lang="en-US" sz="1400" i="1" smtClean="0">
+                                <a:latin typeface="Cambria Math" charset="0"/>
+                                <a:ea typeface="Cambria Math" charset="0"/>
+                                <a:cs typeface="Cambria Math" charset="0"/>
+                              </a:rPr>
+                            </m:ctrlPr>
+                          </m:sSubPr>
+                          <m:e>
+                            <m:r>
+                              <a:rPr lang="en-US" sz="1400" b="0" i="1" smtClean="0">
+                                <a:latin typeface="Cambria Math" charset="0"/>
+                                <a:ea typeface="Cambria Math" charset="0"/>
+                                <a:cs typeface="Cambria Math" charset="0"/>
+                              </a:rPr>
+                              <m:t>𝑦</m:t>
+                            </m:r>
+                          </m:e>
+                          <m:sub>
+                            <m:r>
+                              <a:rPr lang="en-US" sz="1400" b="0" i="1" smtClean="0">
+                                <a:latin typeface="Cambria Math" charset="0"/>
+                                <a:ea typeface="Cambria Math" charset="0"/>
+                                <a:cs typeface="Cambria Math" charset="0"/>
+                              </a:rPr>
+                              <m:t>2</m:t>
+                            </m:r>
+                          </m:sub>
+                        </m:sSub>
+                        <m:r>
+                          <a:rPr lang="en-US" sz="1400" b="0" i="1" smtClean="0">
+                            <a:latin typeface="Cambria Math" charset="0"/>
+                            <a:ea typeface="Cambria Math" charset="0"/>
+                            <a:cs typeface="Cambria Math" charset="0"/>
+                          </a:rPr>
+                          <m:t>= </m:t>
+                        </m:r>
+                        <m:r>
+                          <a:rPr lang="en-US" sz="1400" i="1" smtClean="0">
+                            <a:latin typeface="Cambria Math" charset="0"/>
+                            <a:ea typeface="Cambria Math" charset="0"/>
+                            <a:cs typeface="Cambria Math" charset="0"/>
+                          </a:rPr>
+                          <m:t>𝜎</m:t>
+                        </m:r>
+                        <m:r>
+                          <a:rPr lang="en-US" sz="1400" b="0" i="1" smtClean="0">
+                            <a:latin typeface="Cambria Math" charset="0"/>
+                            <a:ea typeface="Cambria Math" charset="0"/>
+                            <a:cs typeface="Cambria Math" charset="0"/>
+                          </a:rPr>
+                          <m:t>(</m:t>
+                        </m:r>
+                        <m:sSub>
+                          <m:sSubPr>
+                            <m:ctrlPr>
+                              <a:rPr lang="en-US" sz="1400" i="1" smtClean="0">
+                                <a:latin typeface="Cambria Math" charset="0"/>
+                              </a:rPr>
+                            </m:ctrlPr>
+                          </m:sSubPr>
+                          <m:e>
+                            <m:r>
+                              <a:rPr lang="en-US" sz="1400" b="0" i="1" smtClean="0">
+                                <a:latin typeface="Cambria Math" charset="0"/>
+                              </a:rPr>
+                              <m:t>𝑏</m:t>
+                            </m:r>
+                          </m:e>
+                          <m:sub>
+                            <m:r>
+                              <a:rPr lang="en-US" sz="1400" b="0" i="1" smtClean="0">
+                                <a:latin typeface="Cambria Math" charset="0"/>
+                              </a:rPr>
+                              <m:t>02</m:t>
+                            </m:r>
+                          </m:sub>
+                        </m:sSub>
+                        <m:r>
+                          <m:rPr>
+                            <m:nor/>
+                          </m:rPr>
+                          <a:rPr lang="en-US" sz="1400" dirty="0" smtClean="0"/>
+                          <m:t> + </m:t>
+                        </m:r>
+                        <m:sSub>
+                          <m:sSubPr>
+                            <m:ctrlPr>
+                              <a:rPr lang="en-US" sz="1400" i="1" smtClean="0">
+                                <a:latin typeface="Cambria Math" charset="0"/>
+                              </a:rPr>
+                            </m:ctrlPr>
+                          </m:sSubPr>
+                          <m:e>
+                            <m:r>
+                              <a:rPr lang="en-US" sz="1400" b="0" i="1" smtClean="0">
+                                <a:latin typeface="Cambria Math" charset="0"/>
+                              </a:rPr>
+                              <m:t>𝑤</m:t>
+                            </m:r>
+                          </m:e>
+                          <m:sub>
+                            <m:r>
+                              <a:rPr lang="en-US" sz="1400" b="0" i="1" smtClean="0">
+                                <a:latin typeface="Cambria Math" charset="0"/>
+                              </a:rPr>
+                              <m:t>02</m:t>
+                            </m:r>
+                          </m:sub>
+                        </m:sSub>
+                        <m:r>
+                          <m:rPr>
+                            <m:nor/>
+                          </m:rPr>
+                          <a:rPr lang="en-US" sz="1400" dirty="0" smtClean="0"/>
+                          <m:t>x</m:t>
+                        </m:r>
+                        <m:r>
+                          <m:rPr>
+                            <m:nor/>
+                          </m:rPr>
+                          <a:rPr lang="en-US" sz="1400" b="0" i="0" dirty="0" smtClean="0"/>
+                          <m:t>1</m:t>
+                        </m:r>
+                        <m:r>
+                          <a:rPr lang="en-US" sz="1400" b="0" i="1" smtClean="0">
+                            <a:latin typeface="Cambria Math" charset="0"/>
+                            <a:ea typeface="Cambria Math" charset="0"/>
+                            <a:cs typeface="Cambria Math" charset="0"/>
+                          </a:rPr>
+                          <m:t>)</m:t>
+                        </m:r>
+                      </m:oMath>
+                    </m:oMathPara>
+                  </a14:m>
+                  <a:endParaRPr lang="en-US" sz="1400" dirty="0"/>
+                </a:p>
+              </p:txBody>
+            </p:sp>
+          </mc:Choice>
+          <mc:Fallback>
+            <p:sp>
+              <p:nvSpPr>
+                <p:cNvPr id="27" name="TextBox 26"/>
+                <p:cNvSpPr txBox="1">
+                  <a:spLocks noRot="1" noChangeAspect="1" noMove="1" noResize="1" noEditPoints="1" noAdjustHandles="1" noChangeArrowheads="1" noChangeShapeType="1" noTextEdit="1"/>
+                </p:cNvSpPr>
+                <p:nvPr/>
+              </p:nvSpPr>
+              <p:spPr>
+                <a:xfrm>
+                  <a:off x="4162942" y="3681030"/>
+                  <a:ext cx="1858761" cy="394357"/>
+                </a:xfrm>
+                <a:prstGeom prst="rect">
+                  <a:avLst/>
+                </a:prstGeom>
+                <a:blipFill rotWithShape="0">
+                  <a:blip r:embed="rId6"/>
+                  <a:stretch>
+                    <a:fillRect t="-66154" b="-60000"/>
+                  </a:stretch>
+                </a:blipFill>
+              </p:spPr>
+              <p:txBody>
+                <a:bodyPr/>
+                <a:lstStyle/>
+                <a:p>
+                  <a:r>
+                    <a:rPr lang="en-US">
+                      <a:noFill/>
+                    </a:rPr>
+                    <a:t> </a:t>
+                  </a:r>
+                </a:p>
+              </p:txBody>
+            </p:sp>
+          </mc:Fallback>
+        </mc:AlternateContent>
+        <p:cxnSp>
+          <p:nvCxnSpPr>
+            <p:cNvPr id="31" name="Straight Arrow Connector 30"/>
+            <p:cNvCxnSpPr>
+              <a:stCxn id="4" idx="6"/>
+              <a:endCxn id="6" idx="2"/>
+            </p:cNvCxnSpPr>
+            <p:nvPr/>
+          </p:nvCxnSpPr>
+          <p:spPr>
+            <a:xfrm flipV="1">
+              <a:off x="1439887" y="2423048"/>
+              <a:ext cx="862805" cy="833631"/>
+            </a:xfrm>
+            <a:prstGeom prst="straightConnector1">
+              <a:avLst/>
+            </a:prstGeom>
+            <a:ln>
+              <a:solidFill>
+                <a:schemeClr val="tx1"/>
+              </a:solidFill>
+              <a:tailEnd type="triangle"/>
+            </a:ln>
+          </p:spPr>
+          <p:style>
+            <a:lnRef idx="1">
+              <a:schemeClr val="accent1"/>
+            </a:lnRef>
+            <a:fillRef idx="0">
+              <a:schemeClr val="accent1"/>
+            </a:fillRef>
+            <a:effectRef idx="0">
+              <a:schemeClr val="accent1"/>
+            </a:effectRef>
+            <a:fontRef idx="minor">
+              <a:schemeClr val="tx1"/>
+            </a:fontRef>
+          </p:style>
+        </p:cxnSp>
+        <p:cxnSp>
+          <p:nvCxnSpPr>
+            <p:cNvPr id="33" name="Straight Arrow Connector 32"/>
+            <p:cNvCxnSpPr>
+              <a:stCxn id="4" idx="6"/>
+              <a:endCxn id="24" idx="2"/>
+            </p:cNvCxnSpPr>
+            <p:nvPr/>
+          </p:nvCxnSpPr>
+          <p:spPr>
+            <a:xfrm>
+              <a:off x="1439887" y="3256679"/>
+              <a:ext cx="895987" cy="615301"/>
+            </a:xfrm>
+            <a:prstGeom prst="straightConnector1">
+              <a:avLst/>
+            </a:prstGeom>
+            <a:ln>
+              <a:solidFill>
+                <a:schemeClr val="tx1"/>
+              </a:solidFill>
+              <a:tailEnd type="triangle"/>
+            </a:ln>
+          </p:spPr>
+          <p:style>
+            <a:lnRef idx="1">
+              <a:schemeClr val="accent1"/>
+            </a:lnRef>
+            <a:fillRef idx="0">
+              <a:schemeClr val="accent1"/>
+            </a:fillRef>
+            <a:effectRef idx="0">
+              <a:schemeClr val="accent1"/>
+            </a:effectRef>
+            <a:fontRef idx="minor">
+              <a:schemeClr val="tx1"/>
+            </a:fontRef>
+          </p:style>
+        </p:cxnSp>
+        <p:cxnSp>
+          <p:nvCxnSpPr>
+            <p:cNvPr id="35" name="Straight Arrow Connector 34"/>
+            <p:cNvCxnSpPr>
+              <a:stCxn id="14" idx="3"/>
+              <a:endCxn id="5" idx="2"/>
+            </p:cNvCxnSpPr>
+            <p:nvPr/>
+          </p:nvCxnSpPr>
+          <p:spPr>
+            <a:xfrm>
+              <a:off x="6053960" y="2398790"/>
+              <a:ext cx="828639" cy="2285779"/>
+            </a:xfrm>
+            <a:prstGeom prst="straightConnector1">
+              <a:avLst/>
+            </a:prstGeom>
+            <a:ln>
+              <a:solidFill>
+                <a:schemeClr val="tx1"/>
+              </a:solidFill>
+              <a:tailEnd type="triangle"/>
+            </a:ln>
+          </p:spPr>
+          <p:style>
+            <a:lnRef idx="1">
+              <a:schemeClr val="accent1"/>
+            </a:lnRef>
+            <a:fillRef idx="0">
+              <a:schemeClr val="accent1"/>
+            </a:fillRef>
+            <a:effectRef idx="0">
+              <a:schemeClr val="accent1"/>
+            </a:effectRef>
+            <a:fontRef idx="minor">
+              <a:schemeClr val="tx1"/>
+            </a:fontRef>
+          </p:style>
+        </p:cxnSp>
+        <p:cxnSp>
+          <p:nvCxnSpPr>
+            <p:cNvPr id="37" name="Straight Arrow Connector 36"/>
+            <p:cNvCxnSpPr>
+              <a:stCxn id="27" idx="3"/>
+              <a:endCxn id="5" idx="2"/>
+            </p:cNvCxnSpPr>
+            <p:nvPr/>
+          </p:nvCxnSpPr>
+          <p:spPr>
+            <a:xfrm>
+              <a:off x="6021703" y="3878209"/>
+              <a:ext cx="860896" cy="806360"/>
+            </a:xfrm>
+            <a:prstGeom prst="straightConnector1">
+              <a:avLst/>
+            </a:prstGeom>
+            <a:ln>
+              <a:solidFill>
+                <a:schemeClr val="tx1"/>
+              </a:solidFill>
+              <a:tailEnd type="triangle"/>
+            </a:ln>
+          </p:spPr>
+          <p:style>
+            <a:lnRef idx="1">
+              <a:schemeClr val="accent1"/>
+            </a:lnRef>
+            <a:fillRef idx="0">
+              <a:schemeClr val="accent1"/>
+            </a:fillRef>
+            <a:effectRef idx="0">
+              <a:schemeClr val="accent1"/>
+            </a:effectRef>
+            <a:fontRef idx="minor">
+              <a:schemeClr val="tx1"/>
+            </a:fontRef>
+          </p:style>
+        </p:cxnSp>
+        <p:sp>
+          <p:nvSpPr>
+            <p:cNvPr id="29" name="Oval 28"/>
+            <p:cNvSpPr/>
+            <p:nvPr/>
+          </p:nvSpPr>
+          <p:spPr>
+            <a:xfrm>
+              <a:off x="571536" y="5299169"/>
+              <a:ext cx="868351" cy="877306"/>
+            </a:xfrm>
+            <a:prstGeom prst="ellipse">
+              <a:avLst/>
+            </a:prstGeom>
+            <a:noFill/>
+            <a:ln w="28575">
+              <a:solidFill>
+                <a:schemeClr val="tx1"/>
+              </a:solidFill>
+            </a:ln>
+          </p:spPr>
+          <p:style>
+            <a:lnRef idx="2">
+              <a:schemeClr val="accent1">
+                <a:shade val="50000"/>
+              </a:schemeClr>
+            </a:lnRef>
+            <a:fillRef idx="1">
+              <a:schemeClr val="accent1"/>
+            </a:fillRef>
+            <a:effectRef idx="0">
+              <a:schemeClr val="accent1"/>
+            </a:effectRef>
+            <a:fontRef idx="minor">
+              <a:schemeClr val="lt1"/>
+            </a:fontRef>
+          </p:style>
+          <p:txBody>
+            <a:bodyPr rtlCol="0" anchor="ctr"/>
+            <a:lstStyle/>
+            <a:p>
+              <a:pPr algn="ctr"/>
+              <a:r>
+                <a:rPr lang="en-US" sz="1400" dirty="0" smtClean="0">
+                  <a:solidFill>
+                    <a:schemeClr val="tx1"/>
+                  </a:solidFill>
+                </a:rPr>
+                <a:t>x2</a:t>
+              </a:r>
+              <a:endParaRPr lang="en-US" sz="1400" dirty="0">
+                <a:solidFill>
+                  <a:schemeClr val="tx1"/>
+                </a:solidFill>
+              </a:endParaRPr>
+            </a:p>
+          </p:txBody>
+        </p:sp>
+        <p:sp>
+          <p:nvSpPr>
+            <p:cNvPr id="30" name="Oval 29"/>
+            <p:cNvSpPr/>
+            <p:nvPr/>
+          </p:nvSpPr>
+          <p:spPr>
+            <a:xfrm>
+              <a:off x="2282987" y="4609286"/>
+              <a:ext cx="3756512" cy="1128536"/>
+            </a:xfrm>
+            <a:prstGeom prst="ellipse">
+              <a:avLst/>
+            </a:prstGeom>
+            <a:noFill/>
+            <a:ln w="28575">
+              <a:solidFill>
+                <a:schemeClr val="tx1"/>
+              </a:solidFill>
+            </a:ln>
+          </p:spPr>
+          <p:style>
+            <a:lnRef idx="2">
+              <a:schemeClr val="accent1">
+                <a:shade val="50000"/>
+              </a:schemeClr>
+            </a:lnRef>
+            <a:fillRef idx="1">
+              <a:schemeClr val="accent1"/>
+            </a:fillRef>
+            <a:effectRef idx="0">
+              <a:schemeClr val="accent1"/>
+            </a:effectRef>
+            <a:fontRef idx="minor">
+              <a:schemeClr val="lt1"/>
+            </a:fontRef>
+          </p:style>
+          <p:txBody>
+            <a:bodyPr rtlCol="0" anchor="ctr"/>
+            <a:lstStyle/>
+            <a:p>
+              <a:pPr algn="ctr"/>
+              <a:endParaRPr lang="en-US">
+                <a:solidFill>
+                  <a:schemeClr val="tx1"/>
+                </a:solidFill>
+              </a:endParaRPr>
+            </a:p>
+          </p:txBody>
+        </p:sp>
+        <p:cxnSp>
+          <p:nvCxnSpPr>
+            <p:cNvPr id="32" name="Straight Connector 31"/>
+            <p:cNvCxnSpPr>
+              <a:stCxn id="36" idx="0"/>
+              <a:endCxn id="36" idx="4"/>
+            </p:cNvCxnSpPr>
+            <p:nvPr/>
+          </p:nvCxnSpPr>
+          <p:spPr>
+            <a:xfrm>
+              <a:off x="4161244" y="4609286"/>
+              <a:ext cx="0" cy="1128536"/>
+            </a:xfrm>
+            <a:prstGeom prst="line">
+              <a:avLst/>
+            </a:prstGeom>
+            <a:ln w="12700">
+              <a:solidFill>
+                <a:schemeClr val="tx1"/>
+              </a:solidFill>
+            </a:ln>
+          </p:spPr>
+          <p:style>
+            <a:lnRef idx="1">
+              <a:schemeClr val="accent1"/>
+            </a:lnRef>
+            <a:fillRef idx="0">
+              <a:schemeClr val="accent1"/>
+            </a:fillRef>
+            <a:effectRef idx="0">
+              <a:schemeClr val="accent1"/>
+            </a:effectRef>
+            <a:fontRef idx="minor">
+              <a:schemeClr val="tx1"/>
+            </a:fontRef>
+          </p:style>
+        </p:cxnSp>
+        <mc:AlternateContent xmlns:mc="http://schemas.openxmlformats.org/markup-compatibility/2006">
+          <mc:Choice xmlns:a14="http://schemas.microsoft.com/office/drawing/2010/main" Requires="a14">
+            <p:sp>
+              <p:nvSpPr>
+                <p:cNvPr id="34" name="TextBox 33"/>
+                <p:cNvSpPr txBox="1"/>
+                <p:nvPr/>
+              </p:nvSpPr>
+              <p:spPr>
+                <a:xfrm>
+                  <a:off x="2771410" y="4972210"/>
+                  <a:ext cx="1435875" cy="389242"/>
+                </a:xfrm>
+                <a:prstGeom prst="rect">
+                  <a:avLst/>
+                </a:prstGeom>
+                <a:noFill/>
+              </p:spPr>
+              <p:txBody>
+                <a:bodyPr wrap="square" rtlCol="0">
+                  <a:spAutoFit/>
+                </a:bodyPr>
+                <a:lstStyle/>
+                <a:p>
+                  <a14:m>
+                    <m:oMath xmlns:m="http://schemas.openxmlformats.org/officeDocument/2006/math">
+                      <m:sSub>
+                        <m:sSubPr>
+                          <m:ctrlPr>
+                            <a:rPr lang="en-US" sz="1400" i="1" smtClean="0">
+                              <a:latin typeface="Cambria Math" charset="0"/>
+                            </a:rPr>
+                          </m:ctrlPr>
+                        </m:sSubPr>
+                        <m:e>
+                          <m:r>
+                            <a:rPr lang="en-US" sz="1400" b="0" i="1" smtClean="0">
+                              <a:latin typeface="Cambria Math" charset="0"/>
+                            </a:rPr>
+                            <m:t>𝑏</m:t>
+                          </m:r>
+                        </m:e>
+                        <m:sub>
+                          <m:r>
+                            <a:rPr lang="en-US" sz="1400" b="0" i="1" smtClean="0">
+                              <a:latin typeface="Cambria Math" charset="0"/>
+                            </a:rPr>
+                            <m:t>0</m:t>
+                          </m:r>
+                          <m:r>
+                            <a:rPr lang="en-US" sz="1400" b="0" i="1" smtClean="0">
+                              <a:latin typeface="Cambria Math" charset="0"/>
+                            </a:rPr>
+                            <m:t>3</m:t>
+                          </m:r>
+                        </m:sub>
+                      </m:sSub>
+                    </m:oMath>
+                  </a14:m>
+                  <a:r>
+                    <a:rPr lang="en-US" sz="1400" dirty="0" smtClean="0"/>
+                    <a:t> + </a:t>
+                  </a:r>
+                  <a14:m>
+                    <m:oMath xmlns:m="http://schemas.openxmlformats.org/officeDocument/2006/math">
+                      <m:sSub>
+                        <m:sSubPr>
+                          <m:ctrlPr>
+                            <a:rPr lang="en-US" sz="1400" i="1" smtClean="0">
+                              <a:latin typeface="Cambria Math" charset="0"/>
+                            </a:rPr>
+                          </m:ctrlPr>
+                        </m:sSubPr>
+                        <m:e>
+                          <m:r>
+                            <a:rPr lang="en-US" sz="1400" b="0" i="1" smtClean="0">
+                              <a:latin typeface="Cambria Math" charset="0"/>
+                            </a:rPr>
+                            <m:t>𝑤</m:t>
+                          </m:r>
+                        </m:e>
+                        <m:sub>
+                          <m:r>
+                            <a:rPr lang="en-US" sz="1400" b="0" i="1" smtClean="0">
+                              <a:latin typeface="Cambria Math" charset="0"/>
+                            </a:rPr>
+                            <m:t>0</m:t>
+                          </m:r>
+                          <m:r>
+                            <a:rPr lang="en-US" sz="1400" b="0" i="1" smtClean="0">
+                              <a:latin typeface="Cambria Math" charset="0"/>
+                            </a:rPr>
+                            <m:t>3</m:t>
+                          </m:r>
+                        </m:sub>
+                      </m:sSub>
+                    </m:oMath>
+                  </a14:m>
+                  <a:r>
+                    <a:rPr lang="en-US" sz="1400" dirty="0" smtClean="0"/>
+                    <a:t>x2</a:t>
+                  </a:r>
+                  <a:endParaRPr lang="en-US" sz="1400" dirty="0"/>
+                </a:p>
+              </p:txBody>
+            </p:sp>
+          </mc:Choice>
+          <mc:Fallback>
+            <p:sp>
+              <p:nvSpPr>
+                <p:cNvPr id="34" name="TextBox 33"/>
+                <p:cNvSpPr txBox="1">
+                  <a:spLocks noRot="1" noChangeAspect="1" noMove="1" noResize="1" noEditPoints="1" noAdjustHandles="1" noChangeArrowheads="1" noChangeShapeType="1" noTextEdit="1"/>
+                </p:cNvSpPr>
+                <p:nvPr/>
+              </p:nvSpPr>
+              <p:spPr>
+                <a:xfrm>
+                  <a:off x="2771410" y="4972210"/>
+                  <a:ext cx="1435875" cy="389242"/>
+                </a:xfrm>
+                <a:prstGeom prst="rect">
+                  <a:avLst/>
+                </a:prstGeom>
+                <a:blipFill rotWithShape="0">
+                  <a:blip r:embed="rId7"/>
+                  <a:stretch>
+                    <a:fillRect t="-3125"/>
+                  </a:stretch>
+                </a:blipFill>
+              </p:spPr>
+              <p:txBody>
+                <a:bodyPr/>
+                <a:lstStyle/>
+                <a:p>
+                  <a:r>
+                    <a:rPr lang="en-US">
+                      <a:noFill/>
+                    </a:rPr>
+                    <a:t> </a:t>
+                  </a:r>
+                </a:p>
+              </p:txBody>
+            </p:sp>
+          </mc:Fallback>
+        </mc:AlternateContent>
+        <mc:AlternateContent xmlns:mc="http://schemas.openxmlformats.org/markup-compatibility/2006">
+          <mc:Choice xmlns:a14="http://schemas.microsoft.com/office/drawing/2010/main" Requires="a14">
+            <p:sp>
+              <p:nvSpPr>
+                <p:cNvPr id="36" name="TextBox 35"/>
+                <p:cNvSpPr txBox="1"/>
+                <p:nvPr/>
+              </p:nvSpPr>
+              <p:spPr>
+                <a:xfrm>
+                  <a:off x="4161244" y="4985081"/>
+                  <a:ext cx="1910837" cy="389242"/>
+                </a:xfrm>
+                <a:prstGeom prst="rect">
+                  <a:avLst/>
+                </a:prstGeom>
+                <a:noFill/>
+              </p:spPr>
+              <p:txBody>
+                <a:bodyPr wrap="square" rtlCol="0">
+                  <a:spAutoFit/>
+                </a:bodyPr>
+                <a:lstStyle/>
+                <a:p>
+                  <a:pPr/>
+                  <a14:m>
+                    <m:oMathPara xmlns:m="http://schemas.openxmlformats.org/officeDocument/2006/math">
+                      <m:oMathParaPr>
+                        <m:jc m:val="centerGroup"/>
+                      </m:oMathParaPr>
+                      <m:oMath xmlns:m="http://schemas.openxmlformats.org/officeDocument/2006/math">
+                        <m:sSub>
+                          <m:sSubPr>
+                            <m:ctrlPr>
+                              <a:rPr lang="en-US" sz="1400" i="1" smtClean="0">
+                                <a:latin typeface="Cambria Math" charset="0"/>
+                                <a:ea typeface="Cambria Math" charset="0"/>
+                                <a:cs typeface="Cambria Math" charset="0"/>
+                              </a:rPr>
+                            </m:ctrlPr>
+                          </m:sSubPr>
+                          <m:e>
+                            <m:r>
+                              <a:rPr lang="en-US" sz="1400" b="0" i="1" smtClean="0">
+                                <a:latin typeface="Cambria Math" charset="0"/>
+                                <a:ea typeface="Cambria Math" charset="0"/>
+                                <a:cs typeface="Cambria Math" charset="0"/>
+                              </a:rPr>
+                              <m:t>𝑦</m:t>
+                            </m:r>
+                          </m:e>
+                          <m:sub>
+                            <m:r>
+                              <a:rPr lang="en-US" sz="1400" b="0" i="1" smtClean="0">
+                                <a:latin typeface="Cambria Math" charset="0"/>
+                                <a:ea typeface="Cambria Math" charset="0"/>
+                                <a:cs typeface="Cambria Math" charset="0"/>
+                              </a:rPr>
+                              <m:t>3</m:t>
+                            </m:r>
+                          </m:sub>
+                        </m:sSub>
+                        <m:r>
+                          <a:rPr lang="en-US" sz="1400" b="0" i="1" smtClean="0">
+                            <a:latin typeface="Cambria Math" charset="0"/>
+                            <a:ea typeface="Cambria Math" charset="0"/>
+                            <a:cs typeface="Cambria Math" charset="0"/>
+                          </a:rPr>
+                          <m:t>= </m:t>
+                        </m:r>
+                        <m:r>
+                          <a:rPr lang="en-US" sz="1400" i="1" smtClean="0">
+                            <a:latin typeface="Cambria Math" charset="0"/>
+                            <a:ea typeface="Cambria Math" charset="0"/>
+                            <a:cs typeface="Cambria Math" charset="0"/>
+                          </a:rPr>
+                          <m:t>𝜎</m:t>
+                        </m:r>
+                        <m:r>
+                          <a:rPr lang="en-US" sz="1400" b="0" i="1" smtClean="0">
+                            <a:latin typeface="Cambria Math" charset="0"/>
+                            <a:ea typeface="Cambria Math" charset="0"/>
+                            <a:cs typeface="Cambria Math" charset="0"/>
+                          </a:rPr>
+                          <m:t>(</m:t>
+                        </m:r>
+                        <m:sSub>
+                          <m:sSubPr>
+                            <m:ctrlPr>
+                              <a:rPr lang="en-US" sz="1400" i="1" smtClean="0">
+                                <a:latin typeface="Cambria Math" charset="0"/>
+                              </a:rPr>
+                            </m:ctrlPr>
+                          </m:sSubPr>
+                          <m:e>
+                            <m:r>
+                              <a:rPr lang="en-US" sz="1400" b="0" i="1" smtClean="0">
+                                <a:latin typeface="Cambria Math" charset="0"/>
+                              </a:rPr>
+                              <m:t>𝑏</m:t>
+                            </m:r>
+                          </m:e>
+                          <m:sub>
+                            <m:r>
+                              <a:rPr lang="en-US" sz="1400" b="0" i="1" smtClean="0">
+                                <a:latin typeface="Cambria Math" charset="0"/>
+                              </a:rPr>
+                              <m:t>0</m:t>
+                            </m:r>
+                            <m:r>
+                              <a:rPr lang="en-US" sz="1400" b="0" i="1" smtClean="0">
+                                <a:latin typeface="Cambria Math" charset="0"/>
+                              </a:rPr>
+                              <m:t>3</m:t>
+                            </m:r>
+                          </m:sub>
+                        </m:sSub>
+                        <m:r>
+                          <m:rPr>
+                            <m:nor/>
+                          </m:rPr>
+                          <a:rPr lang="en-US" sz="1400" dirty="0" smtClean="0"/>
+                          <m:t> + </m:t>
+                        </m:r>
+                        <m:sSub>
+                          <m:sSubPr>
+                            <m:ctrlPr>
+                              <a:rPr lang="en-US" sz="1400" i="1" smtClean="0">
+                                <a:latin typeface="Cambria Math" charset="0"/>
+                              </a:rPr>
+                            </m:ctrlPr>
+                          </m:sSubPr>
+                          <m:e>
+                            <m:r>
+                              <a:rPr lang="en-US" sz="1400" b="0" i="1" smtClean="0">
+                                <a:latin typeface="Cambria Math" charset="0"/>
+                              </a:rPr>
+                              <m:t>𝑤</m:t>
+                            </m:r>
+                          </m:e>
+                          <m:sub>
+                            <m:r>
+                              <a:rPr lang="en-US" sz="1400" b="0" i="1" smtClean="0">
+                                <a:latin typeface="Cambria Math" charset="0"/>
+                              </a:rPr>
+                              <m:t>0</m:t>
+                            </m:r>
+                            <m:r>
+                              <a:rPr lang="en-US" sz="1400" b="0" i="1" smtClean="0">
+                                <a:latin typeface="Cambria Math" charset="0"/>
+                              </a:rPr>
+                              <m:t>3</m:t>
+                            </m:r>
+                          </m:sub>
+                        </m:sSub>
+                        <m:r>
+                          <m:rPr>
+                            <m:nor/>
+                          </m:rPr>
+                          <a:rPr lang="en-US" sz="1400" dirty="0" smtClean="0"/>
+                          <m:t>x</m:t>
+                        </m:r>
+                        <m:r>
+                          <a:rPr lang="en-US" sz="1400" b="0" i="1" dirty="0" smtClean="0">
+                            <a:latin typeface="Cambria Math" charset="0"/>
+                          </a:rPr>
+                          <m:t>1</m:t>
+                        </m:r>
+                        <m:r>
+                          <a:rPr lang="en-US" sz="1400" b="0" i="1" smtClean="0">
+                            <a:latin typeface="Cambria Math" charset="0"/>
+                            <a:ea typeface="Cambria Math" charset="0"/>
+                            <a:cs typeface="Cambria Math" charset="0"/>
+                          </a:rPr>
+                          <m:t>)</m:t>
+                        </m:r>
+                      </m:oMath>
+                    </m:oMathPara>
+                  </a14:m>
+                  <a:endParaRPr lang="en-US" sz="1400" dirty="0"/>
+                </a:p>
+              </p:txBody>
+            </p:sp>
+          </mc:Choice>
+          <mc:Fallback>
+            <p:sp>
+              <p:nvSpPr>
+                <p:cNvPr id="36" name="TextBox 35"/>
+                <p:cNvSpPr txBox="1">
+                  <a:spLocks noRot="1" noChangeAspect="1" noMove="1" noResize="1" noEditPoints="1" noAdjustHandles="1" noChangeArrowheads="1" noChangeShapeType="1" noTextEdit="1"/>
+                </p:cNvSpPr>
+                <p:nvPr/>
+              </p:nvSpPr>
+              <p:spPr>
+                <a:xfrm>
+                  <a:off x="4161244" y="4985081"/>
+                  <a:ext cx="1910837" cy="389242"/>
+                </a:xfrm>
+                <a:prstGeom prst="rect">
+                  <a:avLst/>
+                </a:prstGeom>
+                <a:blipFill rotWithShape="0">
+                  <a:blip r:embed="rId8"/>
+                  <a:stretch>
+                    <a:fillRect t="-67188" b="-62500"/>
+                  </a:stretch>
+                </a:blipFill>
+              </p:spPr>
+              <p:txBody>
+                <a:bodyPr/>
+                <a:lstStyle/>
+                <a:p>
+                  <a:r>
+                    <a:rPr lang="en-US">
+                      <a:noFill/>
+                    </a:rPr>
+                    <a:t> </a:t>
+                  </a:r>
+                </a:p>
+              </p:txBody>
+            </p:sp>
+          </mc:Fallback>
+        </mc:AlternateContent>
+        <p:sp>
+          <p:nvSpPr>
+            <p:cNvPr id="39" name="Oval 38"/>
+            <p:cNvSpPr/>
+            <p:nvPr/>
+          </p:nvSpPr>
+          <p:spPr>
+            <a:xfrm>
+              <a:off x="2282986" y="5976460"/>
+              <a:ext cx="3756513" cy="1070469"/>
+            </a:xfrm>
+            <a:prstGeom prst="ellipse">
+              <a:avLst/>
+            </a:prstGeom>
+            <a:noFill/>
+            <a:ln w="28575">
+              <a:solidFill>
+                <a:schemeClr val="tx1"/>
+              </a:solidFill>
+            </a:ln>
+          </p:spPr>
+          <p:style>
+            <a:lnRef idx="2">
+              <a:schemeClr val="accent1">
+                <a:shade val="50000"/>
+              </a:schemeClr>
+            </a:lnRef>
+            <a:fillRef idx="1">
+              <a:schemeClr val="accent1"/>
+            </a:fillRef>
+            <a:effectRef idx="0">
+              <a:schemeClr val="accent1"/>
+            </a:effectRef>
+            <a:fontRef idx="minor">
+              <a:schemeClr val="lt1"/>
+            </a:fontRef>
+          </p:style>
+          <p:txBody>
+            <a:bodyPr rtlCol="0" anchor="ctr"/>
+            <a:lstStyle/>
+            <a:p>
+              <a:pPr algn="ctr"/>
+              <a:endParaRPr lang="en-US">
+                <a:solidFill>
+                  <a:schemeClr val="tx1"/>
+                </a:solidFill>
+              </a:endParaRPr>
+            </a:p>
+          </p:txBody>
+        </p:sp>
+        <p:cxnSp>
+          <p:nvCxnSpPr>
+            <p:cNvPr id="40" name="Straight Connector 39"/>
+            <p:cNvCxnSpPr>
+              <a:stCxn id="43" idx="0"/>
+              <a:endCxn id="43" idx="4"/>
+            </p:cNvCxnSpPr>
+            <p:nvPr/>
+          </p:nvCxnSpPr>
+          <p:spPr>
+            <a:xfrm>
+              <a:off x="4161243" y="5976460"/>
+              <a:ext cx="0" cy="1070469"/>
+            </a:xfrm>
+            <a:prstGeom prst="line">
+              <a:avLst/>
+            </a:prstGeom>
+            <a:ln w="12700">
+              <a:solidFill>
+                <a:schemeClr val="tx1"/>
+              </a:solidFill>
+            </a:ln>
+          </p:spPr>
+          <p:style>
+            <a:lnRef idx="1">
+              <a:schemeClr val="accent1"/>
+            </a:lnRef>
+            <a:fillRef idx="0">
+              <a:schemeClr val="accent1"/>
+            </a:fillRef>
+            <a:effectRef idx="0">
+              <a:schemeClr val="accent1"/>
+            </a:effectRef>
+            <a:fontRef idx="minor">
+              <a:schemeClr val="tx1"/>
+            </a:fontRef>
+          </p:style>
+        </p:cxnSp>
+        <mc:AlternateContent xmlns:mc="http://schemas.openxmlformats.org/markup-compatibility/2006">
+          <mc:Choice xmlns:a14="http://schemas.microsoft.com/office/drawing/2010/main" Requires="a14">
+            <p:sp>
+              <p:nvSpPr>
+                <p:cNvPr id="41" name="TextBox 40"/>
+                <p:cNvSpPr txBox="1"/>
+                <p:nvPr/>
+              </p:nvSpPr>
+              <p:spPr>
+                <a:xfrm>
+                  <a:off x="2771409" y="6320710"/>
+                  <a:ext cx="1435875" cy="369214"/>
+                </a:xfrm>
+                <a:prstGeom prst="rect">
+                  <a:avLst/>
+                </a:prstGeom>
+                <a:noFill/>
+              </p:spPr>
+              <p:txBody>
+                <a:bodyPr wrap="square" rtlCol="0">
+                  <a:spAutoFit/>
+                </a:bodyPr>
+                <a:lstStyle/>
+                <a:p>
+                  <a14:m>
+                    <m:oMath xmlns:m="http://schemas.openxmlformats.org/officeDocument/2006/math">
+                      <m:sSub>
+                        <m:sSubPr>
+                          <m:ctrlPr>
+                            <a:rPr lang="en-US" sz="1400" i="1" smtClean="0">
+                              <a:latin typeface="Cambria Math" charset="0"/>
+                            </a:rPr>
+                          </m:ctrlPr>
+                        </m:sSubPr>
+                        <m:e>
+                          <m:r>
+                            <a:rPr lang="en-US" sz="1400" b="0" i="1" smtClean="0">
+                              <a:latin typeface="Cambria Math" charset="0"/>
+                            </a:rPr>
+                            <m:t>𝑏</m:t>
+                          </m:r>
+                        </m:e>
+                        <m:sub>
+                          <m:r>
+                            <a:rPr lang="en-US" sz="1400" b="0" i="1" smtClean="0">
+                              <a:latin typeface="Cambria Math" charset="0"/>
+                            </a:rPr>
+                            <m:t>0</m:t>
+                          </m:r>
+                          <m:r>
+                            <a:rPr lang="en-US" sz="1400" b="0" i="1" smtClean="0">
+                              <a:latin typeface="Cambria Math" charset="0"/>
+                            </a:rPr>
+                            <m:t>4</m:t>
+                          </m:r>
+                        </m:sub>
+                      </m:sSub>
+                    </m:oMath>
+                  </a14:m>
+                  <a:r>
+                    <a:rPr lang="en-US" sz="1400" dirty="0" smtClean="0"/>
+                    <a:t> + </a:t>
+                  </a:r>
+                  <a14:m>
+                    <m:oMath xmlns:m="http://schemas.openxmlformats.org/officeDocument/2006/math">
+                      <m:sSub>
+                        <m:sSubPr>
+                          <m:ctrlPr>
+                            <a:rPr lang="en-US" sz="1400" i="1" smtClean="0">
+                              <a:latin typeface="Cambria Math" charset="0"/>
+                            </a:rPr>
+                          </m:ctrlPr>
+                        </m:sSubPr>
+                        <m:e>
+                          <m:r>
+                            <a:rPr lang="en-US" sz="1400" b="0" i="1" smtClean="0">
+                              <a:latin typeface="Cambria Math" charset="0"/>
+                            </a:rPr>
+                            <m:t>𝑤</m:t>
+                          </m:r>
+                        </m:e>
+                        <m:sub>
+                          <m:r>
+                            <a:rPr lang="en-US" sz="1400" b="0" i="1" smtClean="0">
+                              <a:latin typeface="Cambria Math" charset="0"/>
+                            </a:rPr>
+                            <m:t>0</m:t>
+                          </m:r>
+                          <m:r>
+                            <a:rPr lang="en-US" sz="1400" b="0" i="1" smtClean="0">
+                              <a:latin typeface="Cambria Math" charset="0"/>
+                            </a:rPr>
+                            <m:t>4</m:t>
+                          </m:r>
+                        </m:sub>
+                      </m:sSub>
+                    </m:oMath>
+                  </a14:m>
+                  <a:r>
+                    <a:rPr lang="en-US" sz="1400" dirty="0" smtClean="0"/>
+                    <a:t>x2</a:t>
+                  </a:r>
+                  <a:endParaRPr lang="en-US" sz="1400" dirty="0"/>
+                </a:p>
+              </p:txBody>
+            </p:sp>
+          </mc:Choice>
+          <mc:Fallback>
+            <p:sp>
+              <p:nvSpPr>
+                <p:cNvPr id="41" name="TextBox 40"/>
+                <p:cNvSpPr txBox="1">
+                  <a:spLocks noRot="1" noChangeAspect="1" noMove="1" noResize="1" noEditPoints="1" noAdjustHandles="1" noChangeArrowheads="1" noChangeShapeType="1" noTextEdit="1"/>
+                </p:cNvSpPr>
+                <p:nvPr/>
+              </p:nvSpPr>
+              <p:spPr>
+                <a:xfrm>
+                  <a:off x="2771409" y="6320710"/>
+                  <a:ext cx="1435875" cy="369214"/>
+                </a:xfrm>
+                <a:prstGeom prst="rect">
+                  <a:avLst/>
+                </a:prstGeom>
+                <a:blipFill rotWithShape="0">
+                  <a:blip r:embed="rId9"/>
+                  <a:stretch>
+                    <a:fillRect t="-3333"/>
+                  </a:stretch>
+                </a:blipFill>
+              </p:spPr>
+              <p:txBody>
+                <a:bodyPr/>
+                <a:lstStyle/>
+                <a:p>
+                  <a:r>
+                    <a:rPr lang="en-US">
+                      <a:noFill/>
+                    </a:rPr>
+                    <a:t> </a:t>
+                  </a:r>
+                </a:p>
+              </p:txBody>
+            </p:sp>
+          </mc:Fallback>
+        </mc:AlternateContent>
+        <mc:AlternateContent xmlns:mc="http://schemas.openxmlformats.org/markup-compatibility/2006">
+          <mc:Choice xmlns:a14="http://schemas.microsoft.com/office/drawing/2010/main" Requires="a14">
+            <p:sp>
+              <p:nvSpPr>
+                <p:cNvPr id="43" name="TextBox 42"/>
+                <p:cNvSpPr txBox="1"/>
+                <p:nvPr/>
+              </p:nvSpPr>
+              <p:spPr>
+                <a:xfrm>
+                  <a:off x="4161243" y="6332919"/>
+                  <a:ext cx="1910838" cy="369214"/>
+                </a:xfrm>
+                <a:prstGeom prst="rect">
+                  <a:avLst/>
+                </a:prstGeom>
+                <a:noFill/>
+              </p:spPr>
+              <p:txBody>
+                <a:bodyPr wrap="square" rtlCol="0">
+                  <a:spAutoFit/>
+                </a:bodyPr>
+                <a:lstStyle/>
+                <a:p>
+                  <a:pPr/>
+                  <a14:m>
+                    <m:oMathPara xmlns:m="http://schemas.openxmlformats.org/officeDocument/2006/math">
+                      <m:oMathParaPr>
+                        <m:jc m:val="centerGroup"/>
+                      </m:oMathParaPr>
+                      <m:oMath xmlns:m="http://schemas.openxmlformats.org/officeDocument/2006/math">
+                        <m:sSub>
+                          <m:sSubPr>
+                            <m:ctrlPr>
+                              <a:rPr lang="en-US" sz="1400" i="1" smtClean="0">
+                                <a:latin typeface="Cambria Math" charset="0"/>
+                                <a:ea typeface="Cambria Math" charset="0"/>
+                                <a:cs typeface="Cambria Math" charset="0"/>
+                              </a:rPr>
+                            </m:ctrlPr>
+                          </m:sSubPr>
+                          <m:e>
+                            <m:r>
+                              <a:rPr lang="en-US" sz="1400" b="0" i="1" smtClean="0">
+                                <a:latin typeface="Cambria Math" charset="0"/>
+                                <a:ea typeface="Cambria Math" charset="0"/>
+                                <a:cs typeface="Cambria Math" charset="0"/>
+                              </a:rPr>
+                              <m:t>𝑦</m:t>
+                            </m:r>
+                          </m:e>
+                          <m:sub>
+                            <m:r>
+                              <a:rPr lang="en-US" sz="1400" b="0" i="1" smtClean="0">
+                                <a:latin typeface="Cambria Math" charset="0"/>
+                                <a:ea typeface="Cambria Math" charset="0"/>
+                                <a:cs typeface="Cambria Math" charset="0"/>
+                              </a:rPr>
+                              <m:t>4</m:t>
+                            </m:r>
+                          </m:sub>
+                        </m:sSub>
+                        <m:r>
+                          <a:rPr lang="en-US" sz="1400" b="0" i="1" smtClean="0">
+                            <a:latin typeface="Cambria Math" charset="0"/>
+                            <a:ea typeface="Cambria Math" charset="0"/>
+                            <a:cs typeface="Cambria Math" charset="0"/>
+                          </a:rPr>
+                          <m:t>= </m:t>
+                        </m:r>
+                        <m:r>
+                          <a:rPr lang="en-US" sz="1400" i="1" smtClean="0">
+                            <a:latin typeface="Cambria Math" charset="0"/>
+                            <a:ea typeface="Cambria Math" charset="0"/>
+                            <a:cs typeface="Cambria Math" charset="0"/>
+                          </a:rPr>
+                          <m:t>𝜎</m:t>
+                        </m:r>
+                        <m:r>
+                          <a:rPr lang="en-US" sz="1400" b="0" i="1" smtClean="0">
+                            <a:latin typeface="Cambria Math" charset="0"/>
+                            <a:ea typeface="Cambria Math" charset="0"/>
+                            <a:cs typeface="Cambria Math" charset="0"/>
+                          </a:rPr>
+                          <m:t>(</m:t>
+                        </m:r>
+                        <m:sSub>
+                          <m:sSubPr>
+                            <m:ctrlPr>
+                              <a:rPr lang="en-US" sz="1400" i="1" smtClean="0">
+                                <a:latin typeface="Cambria Math" charset="0"/>
+                              </a:rPr>
+                            </m:ctrlPr>
+                          </m:sSubPr>
+                          <m:e>
+                            <m:r>
+                              <a:rPr lang="en-US" sz="1400" b="0" i="1" smtClean="0">
+                                <a:latin typeface="Cambria Math" charset="0"/>
+                              </a:rPr>
+                              <m:t>𝑏</m:t>
+                            </m:r>
+                          </m:e>
+                          <m:sub>
+                            <m:r>
+                              <a:rPr lang="en-US" sz="1400" b="0" i="1" smtClean="0">
+                                <a:latin typeface="Cambria Math" charset="0"/>
+                              </a:rPr>
+                              <m:t>0</m:t>
+                            </m:r>
+                            <m:r>
+                              <a:rPr lang="en-US" sz="1400" b="0" i="1" smtClean="0">
+                                <a:latin typeface="Cambria Math" charset="0"/>
+                              </a:rPr>
+                              <m:t>4</m:t>
+                            </m:r>
+                          </m:sub>
+                        </m:sSub>
+                        <m:r>
+                          <m:rPr>
+                            <m:nor/>
+                          </m:rPr>
+                          <a:rPr lang="en-US" sz="1400" dirty="0" smtClean="0"/>
+                          <m:t> + </m:t>
+                        </m:r>
+                        <m:sSub>
+                          <m:sSubPr>
+                            <m:ctrlPr>
+                              <a:rPr lang="en-US" sz="1400" i="1" smtClean="0">
+                                <a:latin typeface="Cambria Math" charset="0"/>
+                              </a:rPr>
+                            </m:ctrlPr>
+                          </m:sSubPr>
+                          <m:e>
+                            <m:r>
+                              <a:rPr lang="en-US" sz="1400" b="0" i="1" smtClean="0">
+                                <a:latin typeface="Cambria Math" charset="0"/>
+                              </a:rPr>
+                              <m:t>𝑤</m:t>
+                            </m:r>
+                          </m:e>
+                          <m:sub>
+                            <m:r>
+                              <a:rPr lang="en-US" sz="1400" b="0" i="1" smtClean="0">
+                                <a:latin typeface="Cambria Math" charset="0"/>
+                              </a:rPr>
+                              <m:t>0</m:t>
+                            </m:r>
+                            <m:r>
+                              <a:rPr lang="en-US" sz="1400" b="0" i="1" smtClean="0">
+                                <a:latin typeface="Cambria Math" charset="0"/>
+                              </a:rPr>
+                              <m:t>4</m:t>
+                            </m:r>
+                          </m:sub>
+                        </m:sSub>
+                        <m:r>
+                          <m:rPr>
+                            <m:nor/>
+                          </m:rPr>
+                          <a:rPr lang="en-US" sz="1400" dirty="0" smtClean="0"/>
+                          <m:t>x</m:t>
+                        </m:r>
+                        <m:r>
+                          <a:rPr lang="en-US" sz="1400" b="0" i="1" dirty="0" smtClean="0">
+                            <a:latin typeface="Cambria Math" charset="0"/>
+                          </a:rPr>
+                          <m:t>1</m:t>
+                        </m:r>
+                        <m:r>
+                          <a:rPr lang="en-US" sz="1400" b="0" i="1" smtClean="0">
+                            <a:latin typeface="Cambria Math" charset="0"/>
+                            <a:ea typeface="Cambria Math" charset="0"/>
+                            <a:cs typeface="Cambria Math" charset="0"/>
+                          </a:rPr>
+                          <m:t>)</m:t>
+                        </m:r>
+                      </m:oMath>
+                    </m:oMathPara>
+                  </a14:m>
+                  <a:endParaRPr lang="en-US" sz="1400" dirty="0"/>
+                </a:p>
+              </p:txBody>
+            </p:sp>
+          </mc:Choice>
+          <mc:Fallback>
+            <p:sp>
+              <p:nvSpPr>
+                <p:cNvPr id="43" name="TextBox 42"/>
+                <p:cNvSpPr txBox="1">
+                  <a:spLocks noRot="1" noChangeAspect="1" noMove="1" noResize="1" noEditPoints="1" noAdjustHandles="1" noChangeArrowheads="1" noChangeShapeType="1" noTextEdit="1"/>
+                </p:cNvSpPr>
+                <p:nvPr/>
+              </p:nvSpPr>
+              <p:spPr>
+                <a:xfrm>
+                  <a:off x="4161243" y="6332919"/>
+                  <a:ext cx="1910838" cy="369214"/>
+                </a:xfrm>
+                <a:prstGeom prst="rect">
+                  <a:avLst/>
+                </a:prstGeom>
+                <a:blipFill rotWithShape="0">
+                  <a:blip r:embed="rId10"/>
+                  <a:stretch>
+                    <a:fillRect t="-71667" b="-73333"/>
+                  </a:stretch>
+                </a:blipFill>
+              </p:spPr>
+              <p:txBody>
+                <a:bodyPr/>
+                <a:lstStyle/>
+                <a:p>
+                  <a:r>
+                    <a:rPr lang="en-US">
+                      <a:noFill/>
+                    </a:rPr>
+                    <a:t> </a:t>
+                  </a:r>
+                </a:p>
+              </p:txBody>
+            </p:sp>
+          </mc:Fallback>
+        </mc:AlternateContent>
+        <p:cxnSp>
+          <p:nvCxnSpPr>
+            <p:cNvPr id="44" name="Straight Arrow Connector 43"/>
+            <p:cNvCxnSpPr>
+              <a:stCxn id="29" idx="6"/>
+              <a:endCxn id="30" idx="2"/>
+            </p:cNvCxnSpPr>
+            <p:nvPr/>
+          </p:nvCxnSpPr>
+          <p:spPr>
+            <a:xfrm flipV="1">
+              <a:off x="1439887" y="5173554"/>
+              <a:ext cx="843100" cy="564268"/>
+            </a:xfrm>
+            <a:prstGeom prst="straightConnector1">
+              <a:avLst/>
+            </a:prstGeom>
+            <a:ln>
+              <a:solidFill>
+                <a:schemeClr val="tx1"/>
+              </a:solidFill>
+              <a:tailEnd type="triangle"/>
+            </a:ln>
+          </p:spPr>
+          <p:style>
+            <a:lnRef idx="1">
+              <a:schemeClr val="accent1"/>
+            </a:lnRef>
+            <a:fillRef idx="0">
+              <a:schemeClr val="accent1"/>
+            </a:fillRef>
+            <a:effectRef idx="0">
+              <a:schemeClr val="accent1"/>
+            </a:effectRef>
+            <a:fontRef idx="minor">
+              <a:schemeClr val="tx1"/>
+            </a:fontRef>
+          </p:style>
+        </p:cxnSp>
+        <p:cxnSp>
+          <p:nvCxnSpPr>
+            <p:cNvPr id="45" name="Straight Arrow Connector 44"/>
+            <p:cNvCxnSpPr>
+              <a:stCxn id="29" idx="6"/>
+              <a:endCxn id="39" idx="2"/>
+            </p:cNvCxnSpPr>
+            <p:nvPr/>
+          </p:nvCxnSpPr>
+          <p:spPr>
+            <a:xfrm>
+              <a:off x="1439887" y="5737822"/>
+              <a:ext cx="843099" cy="773873"/>
+            </a:xfrm>
+            <a:prstGeom prst="straightConnector1">
+              <a:avLst/>
+            </a:prstGeom>
+            <a:ln>
+              <a:solidFill>
+                <a:schemeClr val="tx1"/>
+              </a:solidFill>
+              <a:tailEnd type="triangle"/>
+            </a:ln>
+          </p:spPr>
+          <p:style>
+            <a:lnRef idx="1">
+              <a:schemeClr val="accent1"/>
+            </a:lnRef>
+            <a:fillRef idx="0">
+              <a:schemeClr val="accent1"/>
+            </a:fillRef>
+            <a:effectRef idx="0">
+              <a:schemeClr val="accent1"/>
+            </a:effectRef>
+            <a:fontRef idx="minor">
+              <a:schemeClr val="tx1"/>
+            </a:fontRef>
+          </p:style>
+        </p:cxnSp>
+        <p:cxnSp>
+          <p:nvCxnSpPr>
+            <p:cNvPr id="52" name="Straight Arrow Connector 51"/>
+            <p:cNvCxnSpPr>
+              <a:stCxn id="36" idx="3"/>
+              <a:endCxn id="5" idx="2"/>
+            </p:cNvCxnSpPr>
+            <p:nvPr/>
+          </p:nvCxnSpPr>
+          <p:spPr>
+            <a:xfrm flipV="1">
+              <a:off x="6072081" y="4684569"/>
+              <a:ext cx="810518" cy="495133"/>
+            </a:xfrm>
+            <a:prstGeom prst="straightConnector1">
+              <a:avLst/>
+            </a:prstGeom>
+            <a:ln>
+              <a:solidFill>
+                <a:schemeClr val="tx1"/>
+              </a:solidFill>
+              <a:tailEnd type="triangle"/>
+            </a:ln>
+          </p:spPr>
+          <p:style>
+            <a:lnRef idx="1">
+              <a:schemeClr val="accent1"/>
+            </a:lnRef>
+            <a:fillRef idx="0">
+              <a:schemeClr val="accent1"/>
+            </a:fillRef>
+            <a:effectRef idx="0">
+              <a:schemeClr val="accent1"/>
+            </a:effectRef>
+            <a:fontRef idx="minor">
+              <a:schemeClr val="tx1"/>
+            </a:fontRef>
+          </p:style>
+        </p:cxnSp>
+        <p:cxnSp>
+          <p:nvCxnSpPr>
+            <p:cNvPr id="55" name="Straight Arrow Connector 54"/>
+            <p:cNvCxnSpPr>
+              <a:stCxn id="43" idx="3"/>
+              <a:endCxn id="5" idx="2"/>
+            </p:cNvCxnSpPr>
+            <p:nvPr/>
+          </p:nvCxnSpPr>
+          <p:spPr>
+            <a:xfrm flipV="1">
+              <a:off x="6072081" y="4684569"/>
+              <a:ext cx="810518" cy="1832957"/>
+            </a:xfrm>
+            <a:prstGeom prst="straightConnector1">
+              <a:avLst/>
+            </a:prstGeom>
+            <a:ln>
+              <a:solidFill>
+                <a:schemeClr val="tx1"/>
+              </a:solidFill>
+              <a:tailEnd type="triangle"/>
+            </a:ln>
+          </p:spPr>
+          <p:style>
+            <a:lnRef idx="1">
+              <a:schemeClr val="accent1"/>
+            </a:lnRef>
+            <a:fillRef idx="0">
+              <a:schemeClr val="accent1"/>
+            </a:fillRef>
+            <a:effectRef idx="0">
+              <a:schemeClr val="accent1"/>
+            </a:effectRef>
+            <a:fontRef idx="minor">
+              <a:schemeClr val="tx1"/>
+            </a:fontRef>
+          </p:style>
+        </p:cxnSp>
+        <mc:AlternateContent xmlns:mc="http://schemas.openxmlformats.org/markup-compatibility/2006">
+          <mc:Choice xmlns:a14="http://schemas.microsoft.com/office/drawing/2010/main" Requires="a14">
+            <p:sp>
+              <p:nvSpPr>
+                <p:cNvPr id="58" name="TextBox 57"/>
+                <p:cNvSpPr txBox="1"/>
+                <p:nvPr/>
+              </p:nvSpPr>
+              <p:spPr>
+                <a:xfrm>
+                  <a:off x="6985418" y="4325775"/>
+                  <a:ext cx="1696263" cy="733727"/>
+                </a:xfrm>
+                <a:prstGeom prst="rect">
+                  <a:avLst/>
+                </a:prstGeom>
+                <a:noFill/>
+              </p:spPr>
+              <p:txBody>
+                <a:bodyPr wrap="square" rtlCol="0">
+                  <a:spAutoFit/>
+                </a:bodyPr>
+                <a:lstStyle/>
+                <a:p>
+                  <a14:m>
+                    <m:oMath xmlns:m="http://schemas.openxmlformats.org/officeDocument/2006/math">
+                      <m:sSub>
+                        <m:sSubPr>
+                          <m:ctrlPr>
+                            <a:rPr lang="en-US" sz="1400" i="1" smtClean="0">
+                              <a:latin typeface="Cambria Math" charset="0"/>
+                            </a:rPr>
+                          </m:ctrlPr>
+                        </m:sSubPr>
+                        <m:e>
+                          <m:r>
+                            <a:rPr lang="en-US" sz="1400" b="0" i="1" smtClean="0">
+                              <a:latin typeface="Cambria Math" charset="0"/>
+                            </a:rPr>
+                            <m:t>𝑏</m:t>
+                          </m:r>
+                        </m:e>
+                        <m:sub>
+                          <m:r>
+                            <a:rPr lang="en-US" sz="1400" b="0" i="1" smtClean="0">
+                              <a:latin typeface="Cambria Math" charset="0"/>
+                            </a:rPr>
+                            <m:t>5</m:t>
+                          </m:r>
+                        </m:sub>
+                      </m:sSub>
+                      <m:r>
+                        <a:rPr lang="en-US" sz="1400" b="0" i="1" smtClean="0">
+                          <a:latin typeface="Cambria Math" charset="0"/>
+                        </a:rPr>
+                        <m:t>+ </m:t>
+                      </m:r>
+                      <m:sSub>
+                        <m:sSubPr>
+                          <m:ctrlPr>
+                            <a:rPr lang="en-US" sz="1400" b="0" i="1" smtClean="0">
+                              <a:latin typeface="Cambria Math" charset="0"/>
+                            </a:rPr>
+                          </m:ctrlPr>
+                        </m:sSubPr>
+                        <m:e>
+                          <m:r>
+                            <a:rPr lang="en-US" sz="1400" b="0" i="1" smtClean="0">
+                              <a:latin typeface="Cambria Math" charset="0"/>
+                            </a:rPr>
+                            <m:t>𝑤</m:t>
+                          </m:r>
+                        </m:e>
+                        <m:sub>
+                          <m:r>
+                            <a:rPr lang="en-US" sz="1400" b="0" i="1" smtClean="0">
+                              <a:latin typeface="Cambria Math" charset="0"/>
+                            </a:rPr>
+                            <m:t>15</m:t>
+                          </m:r>
+                        </m:sub>
+                      </m:sSub>
+                      <m:r>
+                        <a:rPr lang="en-US" sz="1400" b="0" i="1" smtClean="0">
+                          <a:latin typeface="Cambria Math" charset="0"/>
+                        </a:rPr>
+                        <m:t> </m:t>
+                      </m:r>
+                      <m:sSub>
+                        <m:sSubPr>
+                          <m:ctrlPr>
+                            <a:rPr lang="en-US" sz="1400" b="0" i="1" smtClean="0">
+                              <a:latin typeface="Cambria Math" charset="0"/>
+                            </a:rPr>
+                          </m:ctrlPr>
+                        </m:sSubPr>
+                        <m:e>
+                          <m:r>
+                            <a:rPr lang="en-US" sz="1400" b="0" i="1" smtClean="0">
+                              <a:latin typeface="Cambria Math" charset="0"/>
+                            </a:rPr>
+                            <m:t>𝑦</m:t>
+                          </m:r>
+                        </m:e>
+                        <m:sub>
+                          <m:r>
+                            <a:rPr lang="en-US" sz="1400" b="0" i="1" smtClean="0">
+                              <a:latin typeface="Cambria Math" charset="0"/>
+                            </a:rPr>
+                            <m:t>1</m:t>
+                          </m:r>
+                        </m:sub>
+                      </m:sSub>
+                      <m:r>
+                        <a:rPr lang="en-US" sz="1400" b="0" i="1" smtClean="0">
+                          <a:latin typeface="Cambria Math" charset="0"/>
+                        </a:rPr>
+                        <m:t>+</m:t>
+                      </m:r>
+                      <m:sSub>
+                        <m:sSubPr>
+                          <m:ctrlPr>
+                            <a:rPr lang="en-US" sz="1400" i="1">
+                              <a:latin typeface="Cambria Math" charset="0"/>
+                            </a:rPr>
+                          </m:ctrlPr>
+                        </m:sSubPr>
+                        <m:e>
+                          <m:r>
+                            <a:rPr lang="en-US" sz="1400" i="1">
+                              <a:latin typeface="Cambria Math" charset="0"/>
+                            </a:rPr>
+                            <m:t>𝑤</m:t>
+                          </m:r>
+                        </m:e>
+                        <m:sub>
+                          <m:r>
+                            <a:rPr lang="en-US" sz="1400" b="0" i="1" smtClean="0">
+                              <a:latin typeface="Cambria Math" charset="0"/>
+                            </a:rPr>
+                            <m:t>2</m:t>
+                          </m:r>
+                          <m:r>
+                            <a:rPr lang="en-US" sz="1400" i="1">
+                              <a:latin typeface="Cambria Math" charset="0"/>
+                            </a:rPr>
+                            <m:t>5</m:t>
+                          </m:r>
+                        </m:sub>
+                      </m:sSub>
+                      <m:r>
+                        <a:rPr lang="en-US" sz="1400" i="1">
+                          <a:latin typeface="Cambria Math" charset="0"/>
+                        </a:rPr>
+                        <m:t> </m:t>
+                      </m:r>
+                      <m:sSub>
+                        <m:sSubPr>
+                          <m:ctrlPr>
+                            <a:rPr lang="en-US" sz="1400" i="1">
+                              <a:latin typeface="Cambria Math" charset="0"/>
+                            </a:rPr>
+                          </m:ctrlPr>
+                        </m:sSubPr>
+                        <m:e>
+                          <m:r>
+                            <a:rPr lang="en-US" sz="1400" i="1">
+                              <a:latin typeface="Cambria Math" charset="0"/>
+                            </a:rPr>
+                            <m:t>𝑦</m:t>
+                          </m:r>
+                        </m:e>
+                        <m:sub>
+                          <m:r>
+                            <a:rPr lang="en-US" sz="1400" b="0" i="1" smtClean="0">
+                              <a:latin typeface="Cambria Math" charset="0"/>
+                            </a:rPr>
+                            <m:t>2</m:t>
+                          </m:r>
+                        </m:sub>
+                      </m:sSub>
+                      <m:r>
+                        <a:rPr lang="en-US" sz="1400" b="0" i="0" smtClean="0">
+                          <a:latin typeface="Cambria Math" charset="0"/>
+                        </a:rPr>
+                        <m:t>+</m:t>
+                      </m:r>
+                    </m:oMath>
+                  </a14:m>
+                  <a:r>
+                    <a:rPr lang="en-US" sz="1400" dirty="0" smtClean="0"/>
+                    <a:t> </a:t>
+                  </a:r>
+                  <a14:m>
+                    <m:oMath xmlns:m="http://schemas.openxmlformats.org/officeDocument/2006/math">
+                      <m:sSub>
+                        <m:sSubPr>
+                          <m:ctrlPr>
+                            <a:rPr lang="en-US" sz="1400" i="1">
+                              <a:latin typeface="Cambria Math" charset="0"/>
+                            </a:rPr>
+                          </m:ctrlPr>
+                        </m:sSubPr>
+                        <m:e>
+                          <m:r>
+                            <a:rPr lang="en-US" sz="1400" i="1">
+                              <a:latin typeface="Cambria Math" charset="0"/>
+                            </a:rPr>
+                            <m:t>𝑤</m:t>
+                          </m:r>
+                        </m:e>
+                        <m:sub>
+                          <m:r>
+                            <a:rPr lang="en-US" sz="1400" b="0" i="1" smtClean="0">
+                              <a:latin typeface="Cambria Math" charset="0"/>
+                            </a:rPr>
+                            <m:t>3</m:t>
+                          </m:r>
+                          <m:r>
+                            <a:rPr lang="en-US" sz="1400" i="1">
+                              <a:latin typeface="Cambria Math" charset="0"/>
+                            </a:rPr>
+                            <m:t>5</m:t>
+                          </m:r>
+                        </m:sub>
+                      </m:sSub>
+                      <m:r>
+                        <a:rPr lang="en-US" sz="1400" i="1">
+                          <a:latin typeface="Cambria Math" charset="0"/>
+                        </a:rPr>
+                        <m:t> </m:t>
+                      </m:r>
+                      <m:sSub>
+                        <m:sSubPr>
+                          <m:ctrlPr>
+                            <a:rPr lang="en-US" sz="1400" i="1">
+                              <a:latin typeface="Cambria Math" charset="0"/>
+                            </a:rPr>
+                          </m:ctrlPr>
+                        </m:sSubPr>
+                        <m:e>
+                          <m:r>
+                            <a:rPr lang="en-US" sz="1400" i="1">
+                              <a:latin typeface="Cambria Math" charset="0"/>
+                            </a:rPr>
+                            <m:t>𝑦</m:t>
+                          </m:r>
+                        </m:e>
+                        <m:sub>
+                          <m:r>
+                            <a:rPr lang="en-US" sz="1400" b="0" i="1" smtClean="0">
+                              <a:latin typeface="Cambria Math" charset="0"/>
+                            </a:rPr>
+                            <m:t>3</m:t>
+                          </m:r>
+                        </m:sub>
+                      </m:sSub>
+                    </m:oMath>
+                  </a14:m>
+                  <a:r>
+                    <a:rPr lang="en-US" sz="1400" dirty="0" smtClean="0"/>
+                    <a:t> + </a:t>
+                  </a:r>
+                  <a14:m>
+                    <m:oMath xmlns:m="http://schemas.openxmlformats.org/officeDocument/2006/math">
+                      <m:sSub>
+                        <m:sSubPr>
+                          <m:ctrlPr>
+                            <a:rPr lang="en-US" sz="1400" i="1">
+                              <a:latin typeface="Cambria Math" charset="0"/>
+                            </a:rPr>
+                          </m:ctrlPr>
+                        </m:sSubPr>
+                        <m:e>
+                          <m:r>
+                            <a:rPr lang="en-US" sz="1400" i="1">
+                              <a:latin typeface="Cambria Math" charset="0"/>
+                            </a:rPr>
+                            <m:t>𝑤</m:t>
+                          </m:r>
+                        </m:e>
+                        <m:sub>
+                          <m:r>
+                            <a:rPr lang="en-US" sz="1400" b="0" i="1" smtClean="0">
+                              <a:latin typeface="Cambria Math" charset="0"/>
+                            </a:rPr>
+                            <m:t>4</m:t>
+                          </m:r>
+                          <m:r>
+                            <a:rPr lang="en-US" sz="1400" i="1">
+                              <a:latin typeface="Cambria Math" charset="0"/>
+                            </a:rPr>
+                            <m:t>5</m:t>
+                          </m:r>
+                        </m:sub>
+                      </m:sSub>
+                      <m:r>
+                        <a:rPr lang="en-US" sz="1400" i="1">
+                          <a:latin typeface="Cambria Math" charset="0"/>
+                        </a:rPr>
+                        <m:t> </m:t>
+                      </m:r>
+                      <m:sSub>
+                        <m:sSubPr>
+                          <m:ctrlPr>
+                            <a:rPr lang="en-US" sz="1400" i="1">
+                              <a:latin typeface="Cambria Math" charset="0"/>
+                            </a:rPr>
+                          </m:ctrlPr>
+                        </m:sSubPr>
+                        <m:e>
+                          <m:r>
+                            <a:rPr lang="en-US" sz="1400" i="1">
+                              <a:latin typeface="Cambria Math" charset="0"/>
+                            </a:rPr>
+                            <m:t>𝑦</m:t>
+                          </m:r>
+                        </m:e>
+                        <m:sub>
+                          <m:r>
+                            <a:rPr lang="en-US" sz="1400" b="0" i="1" smtClean="0">
+                              <a:latin typeface="Cambria Math" charset="0"/>
+                            </a:rPr>
+                            <m:t>4</m:t>
+                          </m:r>
+                        </m:sub>
+                      </m:sSub>
+                    </m:oMath>
+                  </a14:m>
+                  <a:endParaRPr lang="en-US" sz="1400" dirty="0"/>
+                </a:p>
+              </p:txBody>
+            </p:sp>
+          </mc:Choice>
+          <mc:Fallback>
+            <p:sp>
+              <p:nvSpPr>
+                <p:cNvPr id="58" name="TextBox 57"/>
+                <p:cNvSpPr txBox="1">
+                  <a:spLocks noRot="1" noChangeAspect="1" noMove="1" noResize="1" noEditPoints="1" noAdjustHandles="1" noChangeArrowheads="1" noChangeShapeType="1" noTextEdit="1"/>
+                </p:cNvSpPr>
+                <p:nvPr/>
+              </p:nvSpPr>
+              <p:spPr>
+                <a:xfrm>
+                  <a:off x="6985418" y="4325775"/>
+                  <a:ext cx="1696263" cy="733727"/>
+                </a:xfrm>
+                <a:prstGeom prst="rect">
+                  <a:avLst/>
+                </a:prstGeom>
+                <a:blipFill rotWithShape="0">
+                  <a:blip r:embed="rId11"/>
+                  <a:stretch>
+                    <a:fillRect t="-35000" b="-45000"/>
+                  </a:stretch>
+                </a:blipFill>
+              </p:spPr>
+              <p:txBody>
+                <a:bodyPr/>
+                <a:lstStyle/>
+                <a:p>
+                  <a:r>
+                    <a:rPr lang="en-US">
+                      <a:noFill/>
+                    </a:rPr>
+                    <a:t> </a:t>
+                  </a:r>
+                </a:p>
+              </p:txBody>
+            </p:sp>
+          </mc:Fallback>
+        </mc:AlternateContent>
+        <mc:AlternateContent xmlns:mc="http://schemas.openxmlformats.org/markup-compatibility/2006">
+          <mc:Choice xmlns:a14="http://schemas.microsoft.com/office/drawing/2010/main" Requires="a14">
+            <p:sp>
+              <p:nvSpPr>
+                <p:cNvPr id="63" name="TextBox 62"/>
+                <p:cNvSpPr txBox="1"/>
+                <p:nvPr/>
+              </p:nvSpPr>
+              <p:spPr>
+                <a:xfrm>
+                  <a:off x="8345034" y="4462469"/>
+                  <a:ext cx="1355834" cy="307777"/>
+                </a:xfrm>
+                <a:prstGeom prst="rect">
+                  <a:avLst/>
+                </a:prstGeom>
+                <a:noFill/>
+              </p:spPr>
+              <p:txBody>
+                <a:bodyPr wrap="square" rtlCol="0">
+                  <a:spAutoFit/>
+                </a:bodyPr>
+                <a:lstStyle/>
+                <a:p>
+                  <a14:m>
+                    <m:oMathPara xmlns:m="http://schemas.openxmlformats.org/officeDocument/2006/math">
+                      <m:oMathParaPr>
+                        <m:jc m:val="centerGroup"/>
+                      </m:oMathParaPr>
+                      <m:oMath xmlns:m="http://schemas.openxmlformats.org/officeDocument/2006/math">
+                        <m:sSub>
+                          <m:sSubPr>
+                            <m:ctrlPr>
+                              <a:rPr lang="en-US" sz="1400" i="1" smtClean="0">
+                                <a:latin typeface="Cambria Math" charset="0"/>
+                              </a:rPr>
+                            </m:ctrlPr>
+                          </m:sSubPr>
+                          <m:e>
+                            <m:r>
+                              <a:rPr lang="en-US" sz="1400" b="0" i="1" smtClean="0">
+                                <a:latin typeface="Cambria Math" charset="0"/>
+                              </a:rPr>
+                              <m:t>𝑦</m:t>
+                            </m:r>
+                          </m:e>
+                          <m:sub>
+                            <m:r>
+                              <a:rPr lang="en-US" sz="1400" b="0" i="1" smtClean="0">
+                                <a:latin typeface="Cambria Math" charset="0"/>
+                              </a:rPr>
+                              <m:t>5</m:t>
+                            </m:r>
+                          </m:sub>
+                        </m:sSub>
+                        <m:r>
+                          <a:rPr lang="en-US" sz="1400" b="0" i="1" smtClean="0">
+                            <a:latin typeface="Cambria Math" charset="0"/>
+                          </a:rPr>
+                          <m:t>= </m:t>
+                        </m:r>
+                        <m:r>
+                          <a:rPr lang="en-US" sz="1400" b="0" i="1" smtClean="0">
+                            <a:latin typeface="Cambria Math" charset="0"/>
+                            <a:ea typeface="Cambria Math" charset="0"/>
+                            <a:cs typeface="Cambria Math" charset="0"/>
+                          </a:rPr>
+                          <m:t>𝜎</m:t>
+                        </m:r>
+                        <m:r>
+                          <a:rPr lang="en-US" sz="1400" b="0" i="1" smtClean="0">
+                            <a:latin typeface="Cambria Math" charset="0"/>
+                            <a:ea typeface="Cambria Math" charset="0"/>
+                            <a:cs typeface="Cambria Math" charset="0"/>
+                          </a:rPr>
+                          <m:t>(∙)</m:t>
+                        </m:r>
+                      </m:oMath>
+                    </m:oMathPara>
+                  </a14:m>
+                  <a:endParaRPr lang="en-US" sz="1400" dirty="0"/>
+                </a:p>
+              </p:txBody>
+            </p:sp>
+          </mc:Choice>
+          <mc:Fallback>
+            <p:sp>
+              <p:nvSpPr>
+                <p:cNvPr id="63" name="TextBox 62"/>
+                <p:cNvSpPr txBox="1">
+                  <a:spLocks noRot="1" noChangeAspect="1" noMove="1" noResize="1" noEditPoints="1" noAdjustHandles="1" noChangeArrowheads="1" noChangeShapeType="1" noTextEdit="1"/>
+                </p:cNvSpPr>
+                <p:nvPr/>
+              </p:nvSpPr>
+              <p:spPr>
+                <a:xfrm>
+                  <a:off x="8345034" y="4462469"/>
+                  <a:ext cx="1355834" cy="307777"/>
+                </a:xfrm>
+                <a:prstGeom prst="rect">
+                  <a:avLst/>
+                </a:prstGeom>
+                <a:blipFill rotWithShape="0">
+                  <a:blip r:embed="rId12"/>
+                  <a:stretch>
+                    <a:fillRect t="-84314" b="-105882"/>
+                  </a:stretch>
+                </a:blipFill>
+              </p:spPr>
+              <p:txBody>
+                <a:bodyPr/>
+                <a:lstStyle/>
+                <a:p>
+                  <a:r>
+                    <a:rPr lang="en-US">
+                      <a:noFill/>
+                    </a:rPr>
+                    <a:t> </a:t>
+                  </a:r>
+                </a:p>
+              </p:txBody>
+            </p:sp>
+          </mc:Fallback>
+        </mc:AlternateContent>
+        <p:cxnSp>
+          <p:nvCxnSpPr>
+            <p:cNvPr id="65" name="Straight Connector 64"/>
+            <p:cNvCxnSpPr>
+              <a:stCxn id="5" idx="0"/>
+              <a:endCxn id="5" idx="4"/>
+            </p:cNvCxnSpPr>
+            <p:nvPr/>
+          </p:nvCxnSpPr>
+          <p:spPr>
+            <a:xfrm>
+              <a:off x="8449479" y="4062346"/>
+              <a:ext cx="0" cy="1244445"/>
+            </a:xfrm>
+            <a:prstGeom prst="line">
+              <a:avLst/>
+            </a:prstGeom>
+            <a:ln>
+              <a:solidFill>
+                <a:schemeClr val="tx1"/>
+              </a:solidFill>
+            </a:ln>
+          </p:spPr>
+          <p:style>
+            <a:lnRef idx="1">
+              <a:schemeClr val="accent1"/>
+            </a:lnRef>
+            <a:fillRef idx="0">
+              <a:schemeClr val="accent1"/>
+            </a:fillRef>
+            <a:effectRef idx="0">
+              <a:schemeClr val="accent1"/>
+            </a:effectRef>
+            <a:fontRef idx="minor">
+              <a:schemeClr val="tx1"/>
+            </a:fontRef>
+          </p:style>
+        </p:cxnSp>
+        <p:sp>
+          <p:nvSpPr>
+            <p:cNvPr id="72" name="Oval 71"/>
+            <p:cNvSpPr/>
+            <p:nvPr/>
+          </p:nvSpPr>
+          <p:spPr>
+            <a:xfrm>
+              <a:off x="10490643" y="4133805"/>
+              <a:ext cx="1139681" cy="1101527"/>
+            </a:xfrm>
+            <a:prstGeom prst="ellipse">
+              <a:avLst/>
+            </a:prstGeom>
+            <a:noFill/>
+            <a:ln w="28575">
+              <a:solidFill>
+                <a:schemeClr val="tx1"/>
+              </a:solidFill>
+            </a:ln>
+          </p:spPr>
+          <p:style>
+            <a:lnRef idx="2">
+              <a:schemeClr val="accent1">
+                <a:shade val="50000"/>
+              </a:schemeClr>
+            </a:lnRef>
+            <a:fillRef idx="1">
+              <a:schemeClr val="accent1"/>
+            </a:fillRef>
+            <a:effectRef idx="0">
+              <a:schemeClr val="accent1"/>
+            </a:effectRef>
+            <a:fontRef idx="minor">
+              <a:schemeClr val="lt1"/>
+            </a:fontRef>
+          </p:style>
+          <p:txBody>
+            <a:bodyPr rtlCol="0" anchor="ctr"/>
+            <a:lstStyle/>
+            <a:p>
+              <a:pPr algn="ctr"/>
+              <a:endParaRPr lang="en-US"/>
+            </a:p>
+          </p:txBody>
+        </p:sp>
+        <mc:AlternateContent xmlns:mc="http://schemas.openxmlformats.org/markup-compatibility/2006">
+          <mc:Choice xmlns:a14="http://schemas.microsoft.com/office/drawing/2010/main" Requires="a14">
+            <p:sp>
+              <p:nvSpPr>
+                <p:cNvPr id="73" name="TextBox 72"/>
+                <p:cNvSpPr txBox="1"/>
+                <p:nvPr/>
+              </p:nvSpPr>
+              <p:spPr>
+                <a:xfrm>
+                  <a:off x="10625172" y="4519110"/>
+                  <a:ext cx="1355835" cy="307777"/>
+                </a:xfrm>
+                <a:prstGeom prst="rect">
+                  <a:avLst/>
+                </a:prstGeom>
+                <a:noFill/>
+              </p:spPr>
+              <p:txBody>
+                <a:bodyPr wrap="square" rtlCol="0">
+                  <a:spAutoFit/>
+                </a:bodyPr>
+                <a:lstStyle/>
+                <a:p>
+                  <a:r>
+                    <a:rPr lang="en-US" sz="1400" dirty="0" smtClean="0"/>
+                    <a:t>y = </a:t>
+                  </a:r>
+                  <a14:m>
+                    <m:oMath xmlns:m="http://schemas.openxmlformats.org/officeDocument/2006/math">
+                      <m:sSub>
+                        <m:sSubPr>
+                          <m:ctrlPr>
+                            <a:rPr lang="en-US" sz="1400" i="1" smtClean="0">
+                              <a:latin typeface="Cambria Math" charset="0"/>
+                            </a:rPr>
+                          </m:ctrlPr>
+                        </m:sSubPr>
+                        <m:e>
+                          <m:r>
+                            <a:rPr lang="en-US" sz="1400" b="0" i="1" smtClean="0">
+                              <a:latin typeface="Cambria Math" charset="0"/>
+                            </a:rPr>
+                            <m:t>𝑤</m:t>
+                          </m:r>
+                        </m:e>
+                        <m:sub>
+                          <m:r>
+                            <a:rPr lang="en-US" sz="1400" b="0" i="1" smtClean="0">
+                              <a:latin typeface="Cambria Math" charset="0"/>
+                            </a:rPr>
+                            <m:t>56</m:t>
+                          </m:r>
+                        </m:sub>
+                      </m:sSub>
+                      <m:r>
+                        <a:rPr lang="en-US" sz="1400" b="0" i="1" smtClean="0">
+                          <a:latin typeface="Cambria Math" charset="0"/>
+                        </a:rPr>
+                        <m:t> </m:t>
+                      </m:r>
+                      <m:sSub>
+                        <m:sSubPr>
+                          <m:ctrlPr>
+                            <a:rPr lang="en-US" sz="1400" b="0" i="1" smtClean="0">
+                              <a:latin typeface="Cambria Math" charset="0"/>
+                            </a:rPr>
+                          </m:ctrlPr>
+                        </m:sSubPr>
+                        <m:e>
+                          <m:r>
+                            <a:rPr lang="en-US" sz="1400" b="0" i="1" smtClean="0">
+                              <a:latin typeface="Cambria Math" charset="0"/>
+                            </a:rPr>
+                            <m:t>𝑦</m:t>
+                          </m:r>
+                        </m:e>
+                        <m:sub>
+                          <m:r>
+                            <a:rPr lang="en-US" sz="1400" b="0" i="1" smtClean="0">
+                              <a:latin typeface="Cambria Math" charset="0"/>
+                            </a:rPr>
+                            <m:t>5</m:t>
+                          </m:r>
+                        </m:sub>
+                      </m:sSub>
+                    </m:oMath>
+                  </a14:m>
+                  <a:endParaRPr lang="en-US" sz="1400" dirty="0"/>
+                </a:p>
+              </p:txBody>
+            </p:sp>
+          </mc:Choice>
+          <mc:Fallback>
+            <p:sp>
+              <p:nvSpPr>
+                <p:cNvPr id="73" name="TextBox 72"/>
+                <p:cNvSpPr txBox="1">
+                  <a:spLocks noRot="1" noChangeAspect="1" noMove="1" noResize="1" noEditPoints="1" noAdjustHandles="1" noChangeArrowheads="1" noChangeShapeType="1" noTextEdit="1"/>
+                </p:cNvSpPr>
+                <p:nvPr/>
+              </p:nvSpPr>
+              <p:spPr>
+                <a:xfrm>
+                  <a:off x="10625172" y="4519110"/>
+                  <a:ext cx="1355835" cy="307777"/>
+                </a:xfrm>
+                <a:prstGeom prst="rect">
+                  <a:avLst/>
+                </a:prstGeom>
+                <a:blipFill rotWithShape="0">
+                  <a:blip r:embed="rId13"/>
+                  <a:stretch>
+                    <a:fillRect l="-1351" t="-84314" b="-105882"/>
+                  </a:stretch>
+                </a:blipFill>
+              </p:spPr>
+              <p:txBody>
+                <a:bodyPr/>
+                <a:lstStyle/>
+                <a:p>
+                  <a:r>
+                    <a:rPr lang="en-US">
+                      <a:noFill/>
+                    </a:rPr>
+                    <a:t> </a:t>
+                  </a:r>
+                </a:p>
+              </p:txBody>
+            </p:sp>
+          </mc:Fallback>
+        </mc:AlternateContent>
+        <p:cxnSp>
+          <p:nvCxnSpPr>
+            <p:cNvPr id="74" name="Straight Arrow Connector 73"/>
+            <p:cNvCxnSpPr>
+              <a:stCxn id="5" idx="6"/>
+              <a:endCxn id="72" idx="2"/>
+            </p:cNvCxnSpPr>
+            <p:nvPr/>
+          </p:nvCxnSpPr>
+          <p:spPr>
+            <a:xfrm>
+              <a:off x="10016359" y="4684569"/>
+              <a:ext cx="474284" cy="0"/>
+            </a:xfrm>
+            <a:prstGeom prst="straightConnector1">
+              <a:avLst/>
+            </a:prstGeom>
+            <a:ln>
+              <a:solidFill>
+                <a:schemeClr val="tx1"/>
+              </a:solidFill>
+              <a:tailEnd type="triangle"/>
+            </a:ln>
+          </p:spPr>
+          <p:style>
+            <a:lnRef idx="1">
+              <a:schemeClr val="accent1"/>
+            </a:lnRef>
+            <a:fillRef idx="0">
+              <a:schemeClr val="accent1"/>
+            </a:fillRef>
+            <a:effectRef idx="0">
+              <a:schemeClr val="accent1"/>
+            </a:effectRef>
+            <a:fontRef idx="minor">
+              <a:schemeClr val="tx1"/>
+            </a:fontRef>
+          </p:style>
+        </p:cxnSp>
+        <mc:AlternateContent xmlns:mc="http://schemas.openxmlformats.org/markup-compatibility/2006">
+          <mc:Choice xmlns:a14="http://schemas.microsoft.com/office/drawing/2010/main" Requires="a14">
+            <p:sp>
+              <p:nvSpPr>
+                <p:cNvPr id="77" name="TextBox 76"/>
+                <p:cNvSpPr txBox="1"/>
+                <p:nvPr/>
+              </p:nvSpPr>
+              <p:spPr>
+                <a:xfrm>
+                  <a:off x="7365968" y="2536568"/>
+                  <a:ext cx="1671145" cy="1384995"/>
+                </a:xfrm>
+                <a:prstGeom prst="rect">
+                  <a:avLst/>
+                </a:prstGeom>
+                <a:noFill/>
+              </p:spPr>
+              <p:txBody>
+                <a:bodyPr wrap="square" rtlCol="0">
+                  <a:spAutoFit/>
+                </a:bodyPr>
+                <a:lstStyle/>
+                <a:p>
+                  <a14:m>
+                    <m:oMathPara xmlns:m="http://schemas.openxmlformats.org/officeDocument/2006/math">
+                      <m:oMathParaPr>
+                        <m:jc m:val="centerGroup"/>
+                      </m:oMathParaPr>
+                      <m:oMath xmlns:m="http://schemas.openxmlformats.org/officeDocument/2006/math">
+                        <m:sSub>
+                          <m:sSubPr>
+                            <m:ctrlPr>
+                              <a:rPr lang="en-US" sz="1400" i="1" smtClean="0">
+                                <a:latin typeface="Cambria Math" charset="0"/>
+                              </a:rPr>
+                            </m:ctrlPr>
+                          </m:sSubPr>
+                          <m:e>
+                            <m:r>
+                              <a:rPr lang="en-US" sz="1400" b="0" i="1" smtClean="0">
+                                <a:latin typeface="Cambria Math" charset="0"/>
+                              </a:rPr>
+                              <m:t>𝑏</m:t>
+                            </m:r>
+                          </m:e>
+                          <m:sub>
+                            <m:r>
+                              <a:rPr lang="en-US" sz="1400" b="0" i="1" smtClean="0">
+                                <a:latin typeface="Cambria Math" charset="0"/>
+                              </a:rPr>
+                              <m:t>5</m:t>
+                            </m:r>
+                          </m:sub>
+                        </m:sSub>
+                        <m:r>
+                          <a:rPr lang="en-US" sz="1400" b="0" i="1" smtClean="0">
+                            <a:latin typeface="Cambria Math" charset="0"/>
+                          </a:rPr>
+                          <m:t>=−30000</m:t>
+                        </m:r>
+                      </m:oMath>
+                    </m:oMathPara>
+                  </a14:m>
+                  <a:endParaRPr lang="en-US" sz="1400" dirty="0" smtClean="0"/>
+                </a:p>
+                <a:p>
+                  <a14:m>
+                    <m:oMathPara xmlns:m="http://schemas.openxmlformats.org/officeDocument/2006/math">
+                      <m:oMathParaPr>
+                        <m:jc m:val="centerGroup"/>
+                      </m:oMathParaPr>
+                      <m:oMath xmlns:m="http://schemas.openxmlformats.org/officeDocument/2006/math">
+                        <m:sSub>
+                          <m:sSubPr>
+                            <m:ctrlPr>
+                              <a:rPr lang="en-US" sz="1400" i="1" smtClean="0">
+                                <a:latin typeface="Cambria Math" charset="0"/>
+                              </a:rPr>
+                            </m:ctrlPr>
+                          </m:sSubPr>
+                          <m:e>
+                            <m:r>
+                              <a:rPr lang="en-US" sz="1400" b="0" i="1" smtClean="0">
+                                <a:latin typeface="Cambria Math" charset="0"/>
+                              </a:rPr>
+                              <m:t>𝑤</m:t>
+                            </m:r>
+                          </m:e>
+                          <m:sub>
+                            <m:r>
+                              <a:rPr lang="en-US" sz="1400" b="0" i="1" smtClean="0">
+                                <a:latin typeface="Cambria Math" charset="0"/>
+                              </a:rPr>
+                              <m:t>15</m:t>
+                            </m:r>
+                          </m:sub>
+                        </m:sSub>
+                        <m:r>
+                          <a:rPr lang="en-US" sz="1400" b="0" i="1" smtClean="0">
+                            <a:latin typeface="Cambria Math" charset="0"/>
+                          </a:rPr>
+                          <m:t>=20000</m:t>
+                        </m:r>
+                      </m:oMath>
+                    </m:oMathPara>
+                  </a14:m>
+                  <a:endParaRPr lang="en-US" sz="1400" b="0" dirty="0" smtClean="0"/>
+                </a:p>
+                <a:p>
+                  <a14:m>
+                    <m:oMathPara xmlns:m="http://schemas.openxmlformats.org/officeDocument/2006/math">
+                      <m:oMathParaPr>
+                        <m:jc m:val="centerGroup"/>
+                      </m:oMathParaPr>
+                      <m:oMath xmlns:m="http://schemas.openxmlformats.org/officeDocument/2006/math">
+                        <m:sSub>
+                          <m:sSubPr>
+                            <m:ctrlPr>
+                              <a:rPr lang="en-US" sz="1400" i="1">
+                                <a:latin typeface="Cambria Math" charset="0"/>
+                              </a:rPr>
+                            </m:ctrlPr>
+                          </m:sSubPr>
+                          <m:e>
+                            <m:r>
+                              <a:rPr lang="en-US" sz="1400" i="1">
+                                <a:latin typeface="Cambria Math" charset="0"/>
+                              </a:rPr>
+                              <m:t>𝑤</m:t>
+                            </m:r>
+                          </m:e>
+                          <m:sub>
+                            <m:r>
+                              <a:rPr lang="en-US" sz="1400" b="0" i="1" smtClean="0">
+                                <a:latin typeface="Cambria Math" charset="0"/>
+                              </a:rPr>
+                              <m:t>2</m:t>
+                            </m:r>
+                            <m:r>
+                              <a:rPr lang="en-US" sz="1400" i="1">
+                                <a:latin typeface="Cambria Math" charset="0"/>
+                              </a:rPr>
+                              <m:t>5</m:t>
+                            </m:r>
+                          </m:sub>
+                        </m:sSub>
+                        <m:r>
+                          <a:rPr lang="en-US" sz="1400" i="1">
+                            <a:latin typeface="Cambria Math" charset="0"/>
+                          </a:rPr>
+                          <m:t>=</m:t>
+                        </m:r>
+                        <m:r>
+                          <a:rPr lang="en-US" sz="1400" b="0" i="1" smtClean="0">
+                            <a:latin typeface="Cambria Math" charset="0"/>
+                          </a:rPr>
+                          <m:t>−</m:t>
+                        </m:r>
+                        <m:r>
+                          <a:rPr lang="en-US" sz="1400" i="1">
+                            <a:latin typeface="Cambria Math" charset="0"/>
+                          </a:rPr>
+                          <m:t>20000</m:t>
+                        </m:r>
+                      </m:oMath>
+                    </m:oMathPara>
+                  </a14:m>
+                  <a:endParaRPr lang="en-US" sz="1400" dirty="0"/>
+                </a:p>
+                <a:p>
+                  <a14:m>
+                    <m:oMathPara xmlns:m="http://schemas.openxmlformats.org/officeDocument/2006/math">
+                      <m:oMathParaPr>
+                        <m:jc m:val="centerGroup"/>
+                      </m:oMathParaPr>
+                      <m:oMath xmlns:m="http://schemas.openxmlformats.org/officeDocument/2006/math">
+                        <m:sSub>
+                          <m:sSubPr>
+                            <m:ctrlPr>
+                              <a:rPr lang="en-US" sz="1400" i="1">
+                                <a:latin typeface="Cambria Math" charset="0"/>
+                              </a:rPr>
+                            </m:ctrlPr>
+                          </m:sSubPr>
+                          <m:e>
+                            <m:r>
+                              <a:rPr lang="en-US" sz="1400" i="1">
+                                <a:latin typeface="Cambria Math" charset="0"/>
+                              </a:rPr>
+                              <m:t>𝑤</m:t>
+                            </m:r>
+                          </m:e>
+                          <m:sub>
+                            <m:r>
+                              <a:rPr lang="en-US" sz="1400" b="0" i="1" smtClean="0">
+                                <a:latin typeface="Cambria Math" charset="0"/>
+                              </a:rPr>
+                              <m:t>3</m:t>
+                            </m:r>
+                            <m:r>
+                              <a:rPr lang="en-US" sz="1400" i="1">
+                                <a:latin typeface="Cambria Math" charset="0"/>
+                              </a:rPr>
+                              <m:t>5</m:t>
+                            </m:r>
+                          </m:sub>
+                        </m:sSub>
+                        <m:r>
+                          <a:rPr lang="en-US" sz="1400" i="1">
+                            <a:latin typeface="Cambria Math" charset="0"/>
+                          </a:rPr>
+                          <m:t>=20000</m:t>
+                        </m:r>
+                      </m:oMath>
+                    </m:oMathPara>
+                  </a14:m>
+                  <a:endParaRPr lang="en-US" sz="1400" dirty="0"/>
+                </a:p>
+                <a:p>
+                  <a14:m>
+                    <m:oMathPara xmlns:m="http://schemas.openxmlformats.org/officeDocument/2006/math">
+                      <m:oMathParaPr>
+                        <m:jc m:val="centerGroup"/>
+                      </m:oMathParaPr>
+                      <m:oMath xmlns:m="http://schemas.openxmlformats.org/officeDocument/2006/math">
+                        <m:sSub>
+                          <m:sSubPr>
+                            <m:ctrlPr>
+                              <a:rPr lang="en-US" sz="1400" i="1">
+                                <a:latin typeface="Cambria Math" charset="0"/>
+                              </a:rPr>
+                            </m:ctrlPr>
+                          </m:sSubPr>
+                          <m:e>
+                            <m:r>
+                              <a:rPr lang="en-US" sz="1400" i="1">
+                                <a:latin typeface="Cambria Math" charset="0"/>
+                              </a:rPr>
+                              <m:t>𝑤</m:t>
+                            </m:r>
+                          </m:e>
+                          <m:sub>
+                            <m:r>
+                              <a:rPr lang="en-US" sz="1400" b="0" i="1" smtClean="0">
+                                <a:latin typeface="Cambria Math" charset="0"/>
+                              </a:rPr>
+                              <m:t>4</m:t>
+                            </m:r>
+                            <m:r>
+                              <a:rPr lang="en-US" sz="1400" i="1">
+                                <a:latin typeface="Cambria Math" charset="0"/>
+                              </a:rPr>
+                              <m:t>5</m:t>
+                            </m:r>
+                          </m:sub>
+                        </m:sSub>
+                        <m:r>
+                          <a:rPr lang="en-US" sz="1400" i="1">
+                            <a:latin typeface="Cambria Math" charset="0"/>
+                          </a:rPr>
+                          <m:t>=</m:t>
+                        </m:r>
+                        <m:r>
+                          <a:rPr lang="en-US" sz="1400" b="0" i="1" smtClean="0">
+                            <a:latin typeface="Cambria Math" charset="0"/>
+                          </a:rPr>
+                          <m:t>−</m:t>
+                        </m:r>
+                        <m:r>
+                          <a:rPr lang="en-US" sz="1400" i="1">
+                            <a:latin typeface="Cambria Math" charset="0"/>
+                          </a:rPr>
+                          <m:t>20000</m:t>
+                        </m:r>
+                      </m:oMath>
+                    </m:oMathPara>
+                  </a14:m>
+                  <a:endParaRPr lang="en-US" sz="1400" dirty="0" smtClean="0"/>
+                </a:p>
+                <a:p>
+                  <a:endParaRPr lang="en-US" sz="1400" dirty="0"/>
+                </a:p>
+              </p:txBody>
+            </p:sp>
+          </mc:Choice>
+          <mc:Fallback>
+            <p:sp>
+              <p:nvSpPr>
+                <p:cNvPr id="77" name="TextBox 76"/>
+                <p:cNvSpPr txBox="1">
+                  <a:spLocks noRot="1" noChangeAspect="1" noMove="1" noResize="1" noEditPoints="1" noAdjustHandles="1" noChangeArrowheads="1" noChangeShapeType="1" noTextEdit="1"/>
+                </p:cNvSpPr>
+                <p:nvPr/>
+              </p:nvSpPr>
+              <p:spPr>
+                <a:xfrm>
+                  <a:off x="7365968" y="2536568"/>
+                  <a:ext cx="1671145" cy="1384995"/>
+                </a:xfrm>
+                <a:prstGeom prst="rect">
+                  <a:avLst/>
+                </a:prstGeom>
+                <a:blipFill rotWithShape="0">
+                  <a:blip r:embed="rId14"/>
+                  <a:stretch>
+                    <a:fillRect/>
+                  </a:stretch>
+                </a:blipFill>
+              </p:spPr>
+              <p:txBody>
+                <a:bodyPr/>
+                <a:lstStyle/>
+                <a:p>
+                  <a:r>
+                    <a:rPr lang="en-US">
+                      <a:noFill/>
+                    </a:rPr>
+                    <a:t> </a:t>
+                  </a:r>
+                </a:p>
+              </p:txBody>
+            </p:sp>
+          </mc:Fallback>
+        </mc:AlternateContent>
+        <mc:AlternateContent xmlns:mc="http://schemas.openxmlformats.org/markup-compatibility/2006">
+          <mc:Choice xmlns:a14="http://schemas.microsoft.com/office/drawing/2010/main" Requires="a14">
+            <p:sp>
+              <p:nvSpPr>
+                <p:cNvPr id="78" name="TextBox 77"/>
+                <p:cNvSpPr txBox="1"/>
+                <p:nvPr/>
+              </p:nvSpPr>
+              <p:spPr>
+                <a:xfrm>
+                  <a:off x="10253501" y="3203807"/>
+                  <a:ext cx="1334814" cy="307777"/>
+                </a:xfrm>
+                <a:prstGeom prst="rect">
+                  <a:avLst/>
+                </a:prstGeom>
+                <a:noFill/>
+              </p:spPr>
+              <p:txBody>
+                <a:bodyPr wrap="square" rtlCol="0">
+                  <a:spAutoFit/>
+                </a:bodyPr>
+                <a:lstStyle/>
+                <a:p>
+                  <a14:m>
+                    <m:oMathPara xmlns:m="http://schemas.openxmlformats.org/officeDocument/2006/math">
+                      <m:oMathParaPr>
+                        <m:jc m:val="centerGroup"/>
+                      </m:oMathParaPr>
+                      <m:oMath xmlns:m="http://schemas.openxmlformats.org/officeDocument/2006/math">
+                        <m:sSub>
+                          <m:sSubPr>
+                            <m:ctrlPr>
+                              <a:rPr lang="en-US" sz="1400" i="1" smtClean="0">
+                                <a:latin typeface="Cambria Math" charset="0"/>
+                              </a:rPr>
+                            </m:ctrlPr>
+                          </m:sSubPr>
+                          <m:e>
+                            <m:r>
+                              <a:rPr lang="en-US" sz="1400" b="0" i="1" smtClean="0">
+                                <a:latin typeface="Cambria Math" charset="0"/>
+                              </a:rPr>
+                              <m:t>𝑤</m:t>
+                            </m:r>
+                          </m:e>
+                          <m:sub>
+                            <m:r>
+                              <a:rPr lang="en-US" sz="1400" b="0" i="1" smtClean="0">
+                                <a:latin typeface="Cambria Math" charset="0"/>
+                              </a:rPr>
+                              <m:t>56</m:t>
+                            </m:r>
+                          </m:sub>
+                        </m:sSub>
+                        <m:r>
+                          <a:rPr lang="en-US" sz="1400" b="0" i="1" smtClean="0">
+                            <a:latin typeface="Cambria Math" charset="0"/>
+                          </a:rPr>
+                          <m:t>=1 </m:t>
+                        </m:r>
+                      </m:oMath>
+                    </m:oMathPara>
+                  </a14:m>
+                  <a:endParaRPr lang="en-US" sz="1400" dirty="0"/>
+                </a:p>
+              </p:txBody>
+            </p:sp>
+          </mc:Choice>
+          <mc:Fallback>
+            <p:sp>
+              <p:nvSpPr>
+                <p:cNvPr id="78" name="TextBox 77"/>
+                <p:cNvSpPr txBox="1">
+                  <a:spLocks noRot="1" noChangeAspect="1" noMove="1" noResize="1" noEditPoints="1" noAdjustHandles="1" noChangeArrowheads="1" noChangeShapeType="1" noTextEdit="1"/>
+                </p:cNvSpPr>
+                <p:nvPr/>
+              </p:nvSpPr>
+              <p:spPr>
+                <a:xfrm>
+                  <a:off x="10253501" y="3203807"/>
+                  <a:ext cx="1334814" cy="307777"/>
+                </a:xfrm>
+                <a:prstGeom prst="rect">
+                  <a:avLst/>
+                </a:prstGeom>
+                <a:blipFill rotWithShape="0">
+                  <a:blip r:embed="rId15"/>
+                  <a:stretch>
+                    <a:fillRect t="-86000" b="-108000"/>
+                  </a:stretch>
+                </a:blipFill>
+              </p:spPr>
+              <p:txBody>
+                <a:bodyPr/>
+                <a:lstStyle/>
+                <a:p>
+                  <a:r>
+                    <a:rPr lang="en-US">
+                      <a:noFill/>
+                    </a:rPr>
+                    <a:t> </a:t>
+                  </a:r>
+                </a:p>
+              </p:txBody>
+            </p:sp>
+          </mc:Fallback>
+        </mc:AlternateContent>
+      </p:grpSp>
+    </p:spTree>
+    <p:extLst>
+      <p:ext uri="{BB962C8B-B14F-4D97-AF65-F5344CB8AC3E}">
+        <p14:creationId xmlns:p14="http://schemas.microsoft.com/office/powerpoint/2010/main" val="1355344776"/>
       </p:ext>
     </p:extLst>
   </p:cSld>

--- a/hw6/hw6_answer/hw6.pptx
+++ b/hw6/hw6_answer/hw6.pptx
@@ -245,7 +245,7 @@
           <a:p>
             <a:fld id="{726FC049-23C4-BA4F-9CFC-F62998BB9902}" type="datetimeFigureOut">
               <a:rPr lang="en-US" smtClean="0"/>
-              <a:t>4/9/18</a:t>
+              <a:t>4/10/18</a:t>
             </a:fld>
             <a:endParaRPr lang="en-US"/>
           </a:p>
@@ -415,7 +415,7 @@
           <a:p>
             <a:fld id="{726FC049-23C4-BA4F-9CFC-F62998BB9902}" type="datetimeFigureOut">
               <a:rPr lang="en-US" smtClean="0"/>
-              <a:t>4/9/18</a:t>
+              <a:t>4/10/18</a:t>
             </a:fld>
             <a:endParaRPr lang="en-US"/>
           </a:p>
@@ -595,7 +595,7 @@
           <a:p>
             <a:fld id="{726FC049-23C4-BA4F-9CFC-F62998BB9902}" type="datetimeFigureOut">
               <a:rPr lang="en-US" smtClean="0"/>
-              <a:t>4/9/18</a:t>
+              <a:t>4/10/18</a:t>
             </a:fld>
             <a:endParaRPr lang="en-US"/>
           </a:p>
@@ -765,7 +765,7 @@
           <a:p>
             <a:fld id="{726FC049-23C4-BA4F-9CFC-F62998BB9902}" type="datetimeFigureOut">
               <a:rPr lang="en-US" smtClean="0"/>
-              <a:t>4/9/18</a:t>
+              <a:t>4/10/18</a:t>
             </a:fld>
             <a:endParaRPr lang="en-US"/>
           </a:p>
@@ -1011,7 +1011,7 @@
           <a:p>
             <a:fld id="{726FC049-23C4-BA4F-9CFC-F62998BB9902}" type="datetimeFigureOut">
               <a:rPr lang="en-US" smtClean="0"/>
-              <a:t>4/9/18</a:t>
+              <a:t>4/10/18</a:t>
             </a:fld>
             <a:endParaRPr lang="en-US"/>
           </a:p>
@@ -1243,7 +1243,7 @@
           <a:p>
             <a:fld id="{726FC049-23C4-BA4F-9CFC-F62998BB9902}" type="datetimeFigureOut">
               <a:rPr lang="en-US" smtClean="0"/>
-              <a:t>4/9/18</a:t>
+              <a:t>4/10/18</a:t>
             </a:fld>
             <a:endParaRPr lang="en-US"/>
           </a:p>
@@ -1610,7 +1610,7 @@
           <a:p>
             <a:fld id="{726FC049-23C4-BA4F-9CFC-F62998BB9902}" type="datetimeFigureOut">
               <a:rPr lang="en-US" smtClean="0"/>
-              <a:t>4/9/18</a:t>
+              <a:t>4/10/18</a:t>
             </a:fld>
             <a:endParaRPr lang="en-US"/>
           </a:p>
@@ -1728,7 +1728,7 @@
           <a:p>
             <a:fld id="{726FC049-23C4-BA4F-9CFC-F62998BB9902}" type="datetimeFigureOut">
               <a:rPr lang="en-US" smtClean="0"/>
-              <a:t>4/9/18</a:t>
+              <a:t>4/10/18</a:t>
             </a:fld>
             <a:endParaRPr lang="en-US"/>
           </a:p>
@@ -1823,7 +1823,7 @@
           <a:p>
             <a:fld id="{726FC049-23C4-BA4F-9CFC-F62998BB9902}" type="datetimeFigureOut">
               <a:rPr lang="en-US" smtClean="0"/>
-              <a:t>4/9/18</a:t>
+              <a:t>4/10/18</a:t>
             </a:fld>
             <a:endParaRPr lang="en-US"/>
           </a:p>
@@ -2100,7 +2100,7 @@
           <a:p>
             <a:fld id="{726FC049-23C4-BA4F-9CFC-F62998BB9902}" type="datetimeFigureOut">
               <a:rPr lang="en-US" smtClean="0"/>
-              <a:t>4/9/18</a:t>
+              <a:t>4/10/18</a:t>
             </a:fld>
             <a:endParaRPr lang="en-US"/>
           </a:p>
@@ -2353,7 +2353,7 @@
           <a:p>
             <a:fld id="{726FC049-23C4-BA4F-9CFC-F62998BB9902}" type="datetimeFigureOut">
               <a:rPr lang="en-US" smtClean="0"/>
-              <a:t>4/9/18</a:t>
+              <a:t>4/10/18</a:t>
             </a:fld>
             <a:endParaRPr lang="en-US"/>
           </a:p>
@@ -2566,7 +2566,7 @@
           <a:p>
             <a:fld id="{726FC049-23C4-BA4F-9CFC-F62998BB9902}" type="datetimeFigureOut">
               <a:rPr lang="en-US" smtClean="0"/>
-              <a:t>4/9/18</a:t>
+              <a:t>4/10/18</a:t>
             </a:fld>
             <a:endParaRPr lang="en-US"/>
           </a:p>
@@ -6484,8 +6484,8 @@
             <a:chExt cx="11409671" cy="7114865"/>
           </a:xfrm>
         </p:grpSpPr>
-        <mc:AlternateContent xmlns:mc="http://schemas.openxmlformats.org/markup-compatibility/2006">
-          <mc:Choice xmlns:a14="http://schemas.microsoft.com/office/drawing/2010/main" Requires="a14">
+        <mc:AlternateContent xmlns:mc="http://schemas.openxmlformats.org/markup-compatibility/2006" xmlns:a14="http://schemas.microsoft.com/office/drawing/2010/main">
+          <mc:Choice Requires="a14">
             <p:sp>
               <p:nvSpPr>
                 <p:cNvPr id="42" name="TextBox 41"/>
@@ -6544,19 +6544,7 @@
                           <a:rPr lang="en-US" sz="1400" b="0" i="1" smtClean="0">
                             <a:latin typeface="Cambria Math" charset="0"/>
                           </a:rPr>
-                          <m:t>=−</m:t>
-                        </m:r>
-                        <m:r>
-                          <a:rPr lang="en-US" sz="1400" b="0" i="1" smtClean="0">
-                            <a:latin typeface="Cambria Math" charset="0"/>
-                          </a:rPr>
-                          <m:t>4</m:t>
-                        </m:r>
-                        <m:r>
-                          <a:rPr lang="en-US" sz="1400" b="0" i="1" smtClean="0">
-                            <a:latin typeface="Cambria Math" charset="0"/>
-                          </a:rPr>
-                          <m:t>000</m:t>
+                          <m:t>=−4000</m:t>
                         </m:r>
                       </m:oMath>
                     </m:oMathPara>
@@ -6644,19 +6632,7 @@
                           <a:rPr lang="en-US" sz="1400" b="0" i="1" smtClean="0">
                             <a:latin typeface="Cambria Math" charset="0"/>
                           </a:rPr>
-                          <m:t>=−</m:t>
-                        </m:r>
-                        <m:r>
-                          <a:rPr lang="en-US" sz="1400" b="0" i="1" smtClean="0">
-                            <a:latin typeface="Cambria Math" charset="0"/>
-                          </a:rPr>
-                          <m:t>6</m:t>
-                        </m:r>
-                        <m:r>
-                          <a:rPr lang="en-US" sz="1400" b="0" i="1" smtClean="0">
-                            <a:latin typeface="Cambria Math" charset="0"/>
-                          </a:rPr>
-                          <m:t>000</m:t>
+                          <m:t>=−6000</m:t>
                         </m:r>
                       </m:oMath>
                     </m:oMathPara>
@@ -6910,7 +6886,7 @@
               </p:txBody>
             </p:sp>
           </mc:Choice>
-          <mc:Fallback>
+          <mc:Fallback xmlns="">
             <p:sp>
               <p:nvSpPr>
                 <p:cNvPr id="42" name="TextBox 41"/>
@@ -7141,8 +7117,8 @@
             </a:fontRef>
           </p:style>
         </p:cxnSp>
-        <mc:AlternateContent xmlns:mc="http://schemas.openxmlformats.org/markup-compatibility/2006">
-          <mc:Choice xmlns:a14="http://schemas.microsoft.com/office/drawing/2010/main" Requires="a14">
+        <mc:AlternateContent xmlns:mc="http://schemas.openxmlformats.org/markup-compatibility/2006" xmlns:a14="http://schemas.microsoft.com/office/drawing/2010/main">
+          <mc:Choice Requires="a14">
             <p:sp>
               <p:nvSpPr>
                 <p:cNvPr id="12" name="TextBox 11"/>
@@ -7236,7 +7212,7 @@
               </p:txBody>
             </p:sp>
           </mc:Choice>
-          <mc:Fallback>
+          <mc:Fallback xmlns="">
             <p:sp>
               <p:nvSpPr>
                 <p:cNvPr id="12" name="TextBox 11"/>
@@ -7275,8 +7251,8 @@
             </p:sp>
           </mc:Fallback>
         </mc:AlternateContent>
-        <mc:AlternateContent xmlns:mc="http://schemas.openxmlformats.org/markup-compatibility/2006">
-          <mc:Choice xmlns:a14="http://schemas.microsoft.com/office/drawing/2010/main" Requires="a14">
+        <mc:AlternateContent xmlns:mc="http://schemas.openxmlformats.org/markup-compatibility/2006" xmlns:a14="http://schemas.microsoft.com/office/drawing/2010/main">
+          <mc:Choice Requires="a14">
             <p:sp>
               <p:nvSpPr>
                 <p:cNvPr id="14" name="TextBox 13"/>
@@ -7447,7 +7423,7 @@
               </p:txBody>
             </p:sp>
           </mc:Choice>
-          <mc:Fallback>
+          <mc:Fallback xmlns="">
             <p:sp>
               <p:nvSpPr>
                 <p:cNvPr id="14" name="TextBox 13"/>
@@ -7574,8 +7550,8 @@
             </a:fontRef>
           </p:style>
         </p:cxnSp>
-        <mc:AlternateContent xmlns:mc="http://schemas.openxmlformats.org/markup-compatibility/2006">
-          <mc:Choice xmlns:a14="http://schemas.microsoft.com/office/drawing/2010/main" Requires="a14">
+        <mc:AlternateContent xmlns:mc="http://schemas.openxmlformats.org/markup-compatibility/2006" xmlns:a14="http://schemas.microsoft.com/office/drawing/2010/main">
+          <mc:Choice Requires="a14">
             <p:sp>
               <p:nvSpPr>
                 <p:cNvPr id="26" name="TextBox 25"/>
@@ -7669,7 +7645,7 @@
               </p:txBody>
             </p:sp>
           </mc:Choice>
-          <mc:Fallback>
+          <mc:Fallback xmlns="">
             <p:sp>
               <p:nvSpPr>
                 <p:cNvPr id="26" name="TextBox 25"/>
@@ -7708,8 +7684,8 @@
             </p:sp>
           </mc:Fallback>
         </mc:AlternateContent>
-        <mc:AlternateContent xmlns:mc="http://schemas.openxmlformats.org/markup-compatibility/2006">
-          <mc:Choice xmlns:a14="http://schemas.microsoft.com/office/drawing/2010/main" Requires="a14">
+        <mc:AlternateContent xmlns:mc="http://schemas.openxmlformats.org/markup-compatibility/2006" xmlns:a14="http://schemas.microsoft.com/office/drawing/2010/main">
+          <mc:Choice Requires="a14">
             <p:sp>
               <p:nvSpPr>
                 <p:cNvPr id="27" name="TextBox 26"/>
@@ -7881,7 +7857,7 @@
               </p:txBody>
             </p:sp>
           </mc:Choice>
-          <mc:Fallback>
+          <mc:Fallback xmlns="">
             <p:sp>
               <p:nvSpPr>
                 <p:cNvPr id="27" name="TextBox 26"/>
@@ -8222,8 +8198,8 @@
             </a:fontRef>
           </p:style>
         </p:cxnSp>
-        <mc:AlternateContent xmlns:mc="http://schemas.openxmlformats.org/markup-compatibility/2006">
-          <mc:Choice xmlns:a14="http://schemas.microsoft.com/office/drawing/2010/main" Requires="a14">
+        <mc:AlternateContent xmlns:mc="http://schemas.openxmlformats.org/markup-compatibility/2006" xmlns:a14="http://schemas.microsoft.com/office/drawing/2010/main">
+          <mc:Choice Requires="a14">
             <p:sp>
               <p:nvSpPr>
                 <p:cNvPr id="34" name="TextBox 33"/>
@@ -8269,13 +8245,7 @@
                             <a:rPr lang="en-US" sz="1400" b="0" i="1" smtClean="0">
                               <a:latin typeface="Cambria Math" charset="0"/>
                             </a:rPr>
-                            <m:t>0</m:t>
-                          </m:r>
-                          <m:r>
-                            <a:rPr lang="en-US" sz="1400" b="0" i="1" smtClean="0">
-                              <a:latin typeface="Cambria Math" charset="0"/>
-                            </a:rPr>
-                            <m:t>3</m:t>
+                            <m:t>03</m:t>
                           </m:r>
                         </m:sub>
                       </m:sSub>
@@ -8308,13 +8278,7 @@
                             <a:rPr lang="en-US" sz="1400" b="0" i="1" smtClean="0">
                               <a:latin typeface="Cambria Math" charset="0"/>
                             </a:rPr>
-                            <m:t>0</m:t>
-                          </m:r>
-                          <m:r>
-                            <a:rPr lang="en-US" sz="1400" b="0" i="1" smtClean="0">
-                              <a:latin typeface="Cambria Math" charset="0"/>
-                            </a:rPr>
-                            <m:t>3</m:t>
+                            <m:t>03</m:t>
                           </m:r>
                         </m:sub>
                       </m:sSub>
@@ -8329,7 +8293,7 @@
               </p:txBody>
             </p:sp>
           </mc:Choice>
-          <mc:Fallback>
+          <mc:Fallback xmlns="">
             <p:sp>
               <p:nvSpPr>
                 <p:cNvPr id="34" name="TextBox 33"/>
@@ -8379,7 +8343,7 @@
               <p:spPr>
                 <a:xfrm>
                   <a:off x="4161244" y="4985081"/>
-                  <a:ext cx="1910837" cy="389242"/>
+                  <a:ext cx="1910837" cy="307777"/>
                 </a:xfrm>
                 <a:prstGeom prst="rect">
                   <a:avLst/>
@@ -8475,13 +8439,7 @@
                               <a:rPr lang="en-US" sz="1400" b="0" i="1" smtClean="0">
                                 <a:latin typeface="Cambria Math" charset="0"/>
                               </a:rPr>
-                              <m:t>0</m:t>
-                            </m:r>
-                            <m:r>
-                              <a:rPr lang="en-US" sz="1400" b="0" i="1" smtClean="0">
-                                <a:latin typeface="Cambria Math" charset="0"/>
-                              </a:rPr>
-                              <m:t>3</m:t>
+                              <m:t>03</m:t>
                             </m:r>
                           </m:sub>
                         </m:sSub>
@@ -8513,13 +8471,7 @@
                               <a:rPr lang="en-US" sz="1400" b="0" i="1" smtClean="0">
                                 <a:latin typeface="Cambria Math" charset="0"/>
                               </a:rPr>
-                              <m:t>0</m:t>
-                            </m:r>
-                            <m:r>
-                              <a:rPr lang="en-US" sz="1400" b="0" i="1" smtClean="0">
-                                <a:latin typeface="Cambria Math" charset="0"/>
-                              </a:rPr>
-                              <m:t>3</m:t>
+                              <m:t>03</m:t>
                             </m:r>
                           </m:sub>
                         </m:sSub>
@@ -8534,7 +8486,7 @@
                           <a:rPr lang="en-US" sz="1400" b="0" i="1" dirty="0" smtClean="0">
                             <a:latin typeface="Cambria Math" charset="0"/>
                           </a:rPr>
-                          <m:t>1</m:t>
+                          <m:t>2</m:t>
                         </m:r>
                         <m:r>
                           <a:rPr lang="en-US" sz="1400" b="0" i="1" smtClean="0">
@@ -8564,7 +8516,7 @@
               <p:spPr>
                 <a:xfrm>
                   <a:off x="4161244" y="4985081"/>
-                  <a:ext cx="1910837" cy="389242"/>
+                  <a:ext cx="1910837" cy="307777"/>
                 </a:xfrm>
                 <a:prstGeom prst="rect">
                   <a:avLst/>
@@ -8572,7 +8524,7 @@
                 <a:blipFill rotWithShape="0">
                   <a:blip r:embed="rId8"/>
                   <a:stretch>
-                    <a:fillRect t="-67188" b="-62500"/>
+                    <a:fillRect t="-86000" b="-108000"/>
                   </a:stretch>
                 </a:blipFill>
               </p:spPr>
@@ -8679,8 +8631,8 @@
             </a:fontRef>
           </p:style>
         </p:cxnSp>
-        <mc:AlternateContent xmlns:mc="http://schemas.openxmlformats.org/markup-compatibility/2006">
-          <mc:Choice xmlns:a14="http://schemas.microsoft.com/office/drawing/2010/main" Requires="a14">
+        <mc:AlternateContent xmlns:mc="http://schemas.openxmlformats.org/markup-compatibility/2006" xmlns:a14="http://schemas.microsoft.com/office/drawing/2010/main">
+          <mc:Choice Requires="a14">
             <p:sp>
               <p:nvSpPr>
                 <p:cNvPr id="41" name="TextBox 40"/>
@@ -8726,13 +8678,7 @@
                             <a:rPr lang="en-US" sz="1400" b="0" i="1" smtClean="0">
                               <a:latin typeface="Cambria Math" charset="0"/>
                             </a:rPr>
-                            <m:t>0</m:t>
-                          </m:r>
-                          <m:r>
-                            <a:rPr lang="en-US" sz="1400" b="0" i="1" smtClean="0">
-                              <a:latin typeface="Cambria Math" charset="0"/>
-                            </a:rPr>
-                            <m:t>4</m:t>
+                            <m:t>04</m:t>
                           </m:r>
                         </m:sub>
                       </m:sSub>
@@ -8765,13 +8711,7 @@
                             <a:rPr lang="en-US" sz="1400" b="0" i="1" smtClean="0">
                               <a:latin typeface="Cambria Math" charset="0"/>
                             </a:rPr>
-                            <m:t>0</m:t>
-                          </m:r>
-                          <m:r>
-                            <a:rPr lang="en-US" sz="1400" b="0" i="1" smtClean="0">
-                              <a:latin typeface="Cambria Math" charset="0"/>
-                            </a:rPr>
-                            <m:t>4</m:t>
+                            <m:t>04</m:t>
                           </m:r>
                         </m:sub>
                       </m:sSub>
@@ -8786,7 +8726,7 @@
               </p:txBody>
             </p:sp>
           </mc:Choice>
-          <mc:Fallback>
+          <mc:Fallback xmlns="">
             <p:sp>
               <p:nvSpPr>
                 <p:cNvPr id="41" name="TextBox 40"/>
@@ -8836,7 +8776,7 @@
               <p:spPr>
                 <a:xfrm>
                   <a:off x="4161243" y="6332919"/>
-                  <a:ext cx="1910838" cy="369214"/>
+                  <a:ext cx="1910838" cy="307777"/>
                 </a:xfrm>
                 <a:prstGeom prst="rect">
                   <a:avLst/>
@@ -8903,104 +8843,89 @@
                           </a:rPr>
                           <m:t>𝜎</m:t>
                         </m:r>
-                        <m:r>
-                          <a:rPr lang="en-US" sz="1400" b="0" i="1" smtClean="0">
-                            <a:latin typeface="Cambria Math" charset="0"/>
-                            <a:ea typeface="Cambria Math" charset="0"/>
-                            <a:cs typeface="Cambria Math" charset="0"/>
-                          </a:rPr>
-                          <m:t>(</m:t>
-                        </m:r>
-                        <m:sSub>
-                          <m:sSubPr>
+                        <m:d>
+                          <m:dPr>
                             <m:ctrlPr>
-                              <a:rPr lang="en-US" sz="1400" i="1" smtClean="0">
-                                <a:latin typeface="Cambria Math" charset="0"/>
+                              <a:rPr lang="en-US" sz="1400" b="0" i="1" smtClean="0">
+                                <a:latin typeface="Cambria Math" charset="0"/>
+                                <a:ea typeface="Cambria Math" charset="0"/>
+                                <a:cs typeface="Cambria Math" charset="0"/>
                               </a:rPr>
                             </m:ctrlPr>
-                          </m:sSubPr>
+                          </m:dPr>
                           <m:e>
+                            <m:sSub>
+                              <m:sSubPr>
+                                <m:ctrlPr>
+                                  <a:rPr lang="en-US" sz="1400" i="1" smtClean="0">
+                                    <a:latin typeface="Cambria Math" charset="0"/>
+                                  </a:rPr>
+                                </m:ctrlPr>
+                              </m:sSubPr>
+                              <m:e>
+                                <m:r>
+                                  <a:rPr lang="en-US" sz="1400" b="0" i="1" smtClean="0">
+                                    <a:latin typeface="Cambria Math" charset="0"/>
+                                  </a:rPr>
+                                  <m:t>𝑏</m:t>
+                                </m:r>
+                              </m:e>
+                              <m:sub>
+                                <m:r>
+                                  <a:rPr lang="en-US" sz="1400" b="0" i="1" smtClean="0">
+                                    <a:latin typeface="Cambria Math" charset="0"/>
+                                  </a:rPr>
+                                  <m:t>04</m:t>
+                                </m:r>
+                              </m:sub>
+                            </m:sSub>
                             <m:r>
-                              <a:rPr lang="en-US" sz="1400" b="0" i="1" smtClean="0">
-                                <a:latin typeface="Cambria Math" charset="0"/>
-                              </a:rPr>
-                              <m:t>𝑏</m:t>
+                              <m:rPr>
+                                <m:nor/>
+                              </m:rPr>
+                              <a:rPr lang="en-US" sz="1400" dirty="0" smtClean="0"/>
+                              <m:t> + </m:t>
+                            </m:r>
+                            <m:sSub>
+                              <m:sSubPr>
+                                <m:ctrlPr>
+                                  <a:rPr lang="en-US" sz="1400" i="1" smtClean="0">
+                                    <a:latin typeface="Cambria Math" charset="0"/>
+                                  </a:rPr>
+                                </m:ctrlPr>
+                              </m:sSubPr>
+                              <m:e>
+                                <m:r>
+                                  <a:rPr lang="en-US" sz="1400" b="0" i="1" smtClean="0">
+                                    <a:latin typeface="Cambria Math" charset="0"/>
+                                  </a:rPr>
+                                  <m:t>𝑤</m:t>
+                                </m:r>
+                              </m:e>
+                              <m:sub>
+                                <m:r>
+                                  <a:rPr lang="en-US" sz="1400" b="0" i="1" smtClean="0">
+                                    <a:latin typeface="Cambria Math" charset="0"/>
+                                  </a:rPr>
+                                  <m:t>04</m:t>
+                                </m:r>
+                              </m:sub>
+                            </m:sSub>
+                            <m:r>
+                              <m:rPr>
+                                <m:nor/>
+                              </m:rPr>
+                              <a:rPr lang="en-US" sz="1400" dirty="0" smtClean="0"/>
+                              <m:t>x</m:t>
+                            </m:r>
+                            <m:r>
+                              <a:rPr lang="en-US" sz="1400" b="0" i="1" dirty="0" smtClean="0">
+                                <a:latin typeface="Cambria Math" charset="0"/>
+                              </a:rPr>
+                              <m:t>2</m:t>
                             </m:r>
                           </m:e>
-                          <m:sub>
-                            <m:r>
-                              <a:rPr lang="en-US" sz="1400" b="0" i="1" smtClean="0">
-                                <a:latin typeface="Cambria Math" charset="0"/>
-                              </a:rPr>
-                              <m:t>0</m:t>
-                            </m:r>
-                            <m:r>
-                              <a:rPr lang="en-US" sz="1400" b="0" i="1" smtClean="0">
-                                <a:latin typeface="Cambria Math" charset="0"/>
-                              </a:rPr>
-                              <m:t>4</m:t>
-                            </m:r>
-                          </m:sub>
-                        </m:sSub>
-                        <m:r>
-                          <m:rPr>
-                            <m:nor/>
-                          </m:rPr>
-                          <a:rPr lang="en-US" sz="1400" dirty="0" smtClean="0"/>
-                          <m:t> + </m:t>
-                        </m:r>
-                        <m:sSub>
-                          <m:sSubPr>
-                            <m:ctrlPr>
-                              <a:rPr lang="en-US" sz="1400" i="1" smtClean="0">
-                                <a:latin typeface="Cambria Math" charset="0"/>
-                              </a:rPr>
-                            </m:ctrlPr>
-                          </m:sSubPr>
-                          <m:e>
-                            <m:r>
-                              <a:rPr lang="en-US" sz="1400" b="0" i="1" smtClean="0">
-                                <a:latin typeface="Cambria Math" charset="0"/>
-                              </a:rPr>
-                              <m:t>𝑤</m:t>
-                            </m:r>
-                          </m:e>
-                          <m:sub>
-                            <m:r>
-                              <a:rPr lang="en-US" sz="1400" b="0" i="1" smtClean="0">
-                                <a:latin typeface="Cambria Math" charset="0"/>
-                              </a:rPr>
-                              <m:t>0</m:t>
-                            </m:r>
-                            <m:r>
-                              <a:rPr lang="en-US" sz="1400" b="0" i="1" smtClean="0">
-                                <a:latin typeface="Cambria Math" charset="0"/>
-                              </a:rPr>
-                              <m:t>4</m:t>
-                            </m:r>
-                          </m:sub>
-                        </m:sSub>
-                        <m:r>
-                          <m:rPr>
-                            <m:nor/>
-                          </m:rPr>
-                          <a:rPr lang="en-US" sz="1400" dirty="0" smtClean="0"/>
-                          <m:t>x</m:t>
-                        </m:r>
-                        <m:r>
-                          <a:rPr lang="en-US" sz="1400" b="0" i="1" dirty="0" smtClean="0">
-                            <a:latin typeface="Cambria Math" charset="0"/>
-                          </a:rPr>
-                          <m:t>1</m:t>
-                        </m:r>
-                        <m:r>
-                          <a:rPr lang="en-US" sz="1400" b="0" i="1" smtClean="0">
-                            <a:latin typeface="Cambria Math" charset="0"/>
-                            <a:ea typeface="Cambria Math" charset="0"/>
-                            <a:cs typeface="Cambria Math" charset="0"/>
-                          </a:rPr>
-                          <m:t>)</m:t>
-                        </m:r>
+                        </m:d>
                       </m:oMath>
                     </m:oMathPara>
                   </a14:m>
@@ -9021,7 +8946,7 @@
               <p:spPr>
                 <a:xfrm>
                   <a:off x="4161243" y="6332919"/>
-                  <a:ext cx="1910838" cy="369214"/>
+                  <a:ext cx="1910838" cy="307777"/>
                 </a:xfrm>
                 <a:prstGeom prst="rect">
                   <a:avLst/>
@@ -9029,7 +8954,7 @@
                 <a:blipFill rotWithShape="0">
                   <a:blip r:embed="rId10"/>
                   <a:stretch>
-                    <a:fillRect t="-71667" b="-73333"/>
+                    <a:fillRect t="-86000" b="-108000"/>
                   </a:stretch>
                 </a:blipFill>
               </p:spPr>
@@ -9204,8 +9129,8 @@
             </a:fontRef>
           </p:style>
         </p:cxnSp>
-        <mc:AlternateContent xmlns:mc="http://schemas.openxmlformats.org/markup-compatibility/2006">
-          <mc:Choice xmlns:a14="http://schemas.microsoft.com/office/drawing/2010/main" Requires="a14">
+        <mc:AlternateContent xmlns:mc="http://schemas.openxmlformats.org/markup-compatibility/2006" xmlns:a14="http://schemas.microsoft.com/office/drawing/2010/main">
+          <mc:Choice Requires="a14">
             <p:sp>
               <p:nvSpPr>
                 <p:cNvPr id="58" name="TextBox 57"/>
@@ -9538,7 +9463,7 @@
               </p:txBody>
             </p:sp>
           </mc:Choice>
-          <mc:Fallback>
+          <mc:Fallback xmlns="">
             <p:sp>
               <p:nvSpPr>
                 <p:cNvPr id="58" name="TextBox 57"/>
@@ -9577,8 +9502,8 @@
             </p:sp>
           </mc:Fallback>
         </mc:AlternateContent>
-        <mc:AlternateContent xmlns:mc="http://schemas.openxmlformats.org/markup-compatibility/2006">
-          <mc:Choice xmlns:a14="http://schemas.microsoft.com/office/drawing/2010/main" Requires="a14">
+        <mc:AlternateContent xmlns:mc="http://schemas.openxmlformats.org/markup-compatibility/2006" xmlns:a14="http://schemas.microsoft.com/office/drawing/2010/main">
+          <mc:Choice Requires="a14">
             <p:sp>
               <p:nvSpPr>
                 <p:cNvPr id="63" name="TextBox 62"/>
@@ -9601,6 +9526,7 @@
                 </a:bodyPr>
                 <a:lstStyle/>
                 <a:p>
+                  <a:pPr/>
                   <a14:m>
                     <m:oMathPara xmlns:m="http://schemas.openxmlformats.org/officeDocument/2006/math">
                       <m:oMathParaPr>
@@ -9662,7 +9588,7 @@
               </p:txBody>
             </p:sp>
           </mc:Choice>
-          <mc:Fallback>
+          <mc:Fallback xmlns="">
             <p:sp>
               <p:nvSpPr>
                 <p:cNvPr id="63" name="TextBox 62"/>
@@ -9785,8 +9711,8 @@
             </a:p>
           </p:txBody>
         </p:sp>
-        <mc:AlternateContent xmlns:mc="http://schemas.openxmlformats.org/markup-compatibility/2006">
-          <mc:Choice xmlns:a14="http://schemas.microsoft.com/office/drawing/2010/main" Requires="a14">
+        <mc:AlternateContent xmlns:mc="http://schemas.openxmlformats.org/markup-compatibility/2006" xmlns:a14="http://schemas.microsoft.com/office/drawing/2010/main">
+          <mc:Choice Requires="a14">
             <p:sp>
               <p:nvSpPr>
                 <p:cNvPr id="73" name="TextBox 72"/>
@@ -9878,7 +9804,7 @@
               </p:txBody>
             </p:sp>
           </mc:Choice>
-          <mc:Fallback>
+          <mc:Fallback xmlns="">
             <p:sp>
               <p:nvSpPr>
                 <p:cNvPr id="73" name="TextBox 72"/>
@@ -9956,8 +9882,8 @@
             </a:fontRef>
           </p:style>
         </p:cxnSp>
-        <mc:AlternateContent xmlns:mc="http://schemas.openxmlformats.org/markup-compatibility/2006">
-          <mc:Choice xmlns:a14="http://schemas.microsoft.com/office/drawing/2010/main" Requires="a14">
+        <mc:AlternateContent xmlns:mc="http://schemas.openxmlformats.org/markup-compatibility/2006" xmlns:a14="http://schemas.microsoft.com/office/drawing/2010/main">
+          <mc:Choice Requires="a14">
             <p:sp>
               <p:nvSpPr>
                 <p:cNvPr id="77" name="TextBox 76"/>
@@ -9980,6 +9906,7 @@
                 </a:bodyPr>
                 <a:lstStyle/>
                 <a:p>
+                  <a:pPr/>
                   <a14:m>
                     <m:oMathPara xmlns:m="http://schemas.openxmlformats.org/officeDocument/2006/math">
                       <m:oMathParaPr>
@@ -10023,6 +9950,7 @@
                   <a:endParaRPr lang="en-US" sz="1400" dirty="0" smtClean="0"/>
                 </a:p>
                 <a:p>
+                  <a:pPr/>
                   <a14:m>
                     <m:oMathPara xmlns:m="http://schemas.openxmlformats.org/officeDocument/2006/math">
                       <m:oMathParaPr>
@@ -10066,6 +9994,7 @@
                   <a:endParaRPr lang="en-US" sz="1400" b="0" dirty="0" smtClean="0"/>
                 </a:p>
                 <a:p>
+                  <a:pPr/>
                   <a14:m>
                     <m:oMathPara xmlns:m="http://schemas.openxmlformats.org/officeDocument/2006/math">
                       <m:oMathParaPr>
@@ -10127,6 +10056,7 @@
                   <a:endParaRPr lang="en-US" sz="1400" dirty="0"/>
                 </a:p>
                 <a:p>
+                  <a:pPr/>
                   <a14:m>
                     <m:oMathPara xmlns:m="http://schemas.openxmlformats.org/officeDocument/2006/math">
                       <m:oMathParaPr>
@@ -10176,6 +10106,7 @@
                   <a:endParaRPr lang="en-US" sz="1400" dirty="0"/>
                 </a:p>
                 <a:p>
+                  <a:pPr/>
                   <a14:m>
                     <m:oMathPara xmlns:m="http://schemas.openxmlformats.org/officeDocument/2006/math">
                       <m:oMathParaPr>
@@ -10242,7 +10173,7 @@
               </p:txBody>
             </p:sp>
           </mc:Choice>
-          <mc:Fallback>
+          <mc:Fallback xmlns="">
             <p:sp>
               <p:nvSpPr>
                 <p:cNvPr id="77" name="TextBox 76"/>
@@ -10281,8 +10212,8 @@
             </p:sp>
           </mc:Fallback>
         </mc:AlternateContent>
-        <mc:AlternateContent xmlns:mc="http://schemas.openxmlformats.org/markup-compatibility/2006">
-          <mc:Choice xmlns:a14="http://schemas.microsoft.com/office/drawing/2010/main" Requires="a14">
+        <mc:AlternateContent xmlns:mc="http://schemas.openxmlformats.org/markup-compatibility/2006" xmlns:a14="http://schemas.microsoft.com/office/drawing/2010/main">
+          <mc:Choice Requires="a14">
             <p:sp>
               <p:nvSpPr>
                 <p:cNvPr id="78" name="TextBox 77"/>
@@ -10305,6 +10236,7 @@
                 </a:bodyPr>
                 <a:lstStyle/>
                 <a:p>
+                  <a:pPr/>
                   <a14:m>
                     <m:oMathPara xmlns:m="http://schemas.openxmlformats.org/officeDocument/2006/math">
                       <m:oMathParaPr>
@@ -10350,7 +10282,7 @@
               </p:txBody>
             </p:sp>
           </mc:Choice>
-          <mc:Fallback>
+          <mc:Fallback xmlns="">
             <p:sp>
               <p:nvSpPr>
                 <p:cNvPr id="78" name="TextBox 77"/>
